--- a/web/b26/1 Bachelor Contract .pptx
+++ b/web/b26/1 Bachelor Contract .pptx
@@ -220,6 +220,88 @@
 </p:presentation>
 </file>
 
+<file path=ppt/revisionInfo.xml><?xml version="1.0" encoding="utf-8"?>
+<p1510:revInfo xmlns:a="http://schemas.openxmlformats.org/drawingml/2006/main" xmlns:r="http://schemas.openxmlformats.org/officeDocument/2006/relationships" xmlns:p1510="http://schemas.microsoft.com/office/powerpoint/2015/10/main">
+  <p1510:revLst>
+    <p1510:client id="{3F0ACD90-A549-456B-9DA0-0982E4694747}" v="1" dt="2026-01-26T14:19:34.715"/>
+  </p1510:revLst>
+</p1510:revInfo>
+</file>
+
+<file path=ppt/changesInfos/changesInfo1.xml><?xml version="1.0" encoding="utf-8"?>
+<pc:chgInfo xmlns:a="http://schemas.openxmlformats.org/drawingml/2006/main" xmlns:r="http://schemas.openxmlformats.org/officeDocument/2006/relationships" xmlns:ac="http://schemas.microsoft.com/office/drawing/2013/main/command" xmlns:pc="http://schemas.microsoft.com/office/powerpoint/2013/main/command">
+  <pc:docChgLst>
+    <pc:chgData name="Kurt Jensen" userId="536d7847-4321-45c6-997a-4b9f60543789" providerId="ADAL" clId="{E17C5AF6-11E3-421A-B6F2-416B0C981305}"/>
+    <pc:docChg chg="custSel modSld">
+      <pc:chgData name="Kurt Jensen" userId="536d7847-4321-45c6-997a-4b9f60543789" providerId="ADAL" clId="{E17C5AF6-11E3-421A-B6F2-416B0C981305}" dt="2026-01-26T14:20:13.350" v="84" actId="113"/>
+      <pc:docMkLst>
+        <pc:docMk/>
+      </pc:docMkLst>
+      <pc:sldChg chg="modSp mod">
+        <pc:chgData name="Kurt Jensen" userId="536d7847-4321-45c6-997a-4b9f60543789" providerId="ADAL" clId="{E17C5AF6-11E3-421A-B6F2-416B0C981305}" dt="2026-01-26T14:16:40.111" v="53" actId="20577"/>
+        <pc:sldMkLst>
+          <pc:docMk/>
+          <pc:sldMk cId="8328397" sldId="406"/>
+        </pc:sldMkLst>
+        <pc:spChg chg="mod">
+          <ac:chgData name="Kurt Jensen" userId="536d7847-4321-45c6-997a-4b9f60543789" providerId="ADAL" clId="{E17C5AF6-11E3-421A-B6F2-416B0C981305}" dt="2026-01-26T14:16:40.111" v="53" actId="20577"/>
+          <ac:spMkLst>
+            <pc:docMk/>
+            <pc:sldMk cId="8328397" sldId="406"/>
+            <ac:spMk id="10244" creationId="{00000000-0000-0000-0000-000000000000}"/>
+          </ac:spMkLst>
+        </pc:spChg>
+      </pc:sldChg>
+      <pc:sldChg chg="modSp mod">
+        <pc:chgData name="Kurt Jensen" userId="536d7847-4321-45c6-997a-4b9f60543789" providerId="ADAL" clId="{E17C5AF6-11E3-421A-B6F2-416B0C981305}" dt="2026-01-26T14:18:01.884" v="68" actId="33524"/>
+        <pc:sldMkLst>
+          <pc:docMk/>
+          <pc:sldMk cId="2489968259" sldId="409"/>
+        </pc:sldMkLst>
+        <pc:spChg chg="mod">
+          <ac:chgData name="Kurt Jensen" userId="536d7847-4321-45c6-997a-4b9f60543789" providerId="ADAL" clId="{E17C5AF6-11E3-421A-B6F2-416B0C981305}" dt="2026-01-26T14:18:01.884" v="68" actId="33524"/>
+          <ac:spMkLst>
+            <pc:docMk/>
+            <pc:sldMk cId="2489968259" sldId="409"/>
+            <ac:spMk id="10244" creationId="{00000000-0000-0000-0000-000000000000}"/>
+          </ac:spMkLst>
+        </pc:spChg>
+      </pc:sldChg>
+      <pc:sldChg chg="modSp mod">
+        <pc:chgData name="Kurt Jensen" userId="536d7847-4321-45c6-997a-4b9f60543789" providerId="ADAL" clId="{E17C5AF6-11E3-421A-B6F2-416B0C981305}" dt="2026-01-26T14:05:12.528" v="14" actId="20577"/>
+        <pc:sldMkLst>
+          <pc:docMk/>
+          <pc:sldMk cId="3066548639" sldId="426"/>
+        </pc:sldMkLst>
+        <pc:spChg chg="mod">
+          <ac:chgData name="Kurt Jensen" userId="536d7847-4321-45c6-997a-4b9f60543789" providerId="ADAL" clId="{E17C5AF6-11E3-421A-B6F2-416B0C981305}" dt="2026-01-26T14:05:12.528" v="14" actId="20577"/>
+          <ac:spMkLst>
+            <pc:docMk/>
+            <pc:sldMk cId="3066548639" sldId="426"/>
+            <ac:spMk id="10244" creationId="{00000000-0000-0000-0000-000000000000}"/>
+          </ac:spMkLst>
+        </pc:spChg>
+      </pc:sldChg>
+      <pc:sldChg chg="modSp mod">
+        <pc:chgData name="Kurt Jensen" userId="536d7847-4321-45c6-997a-4b9f60543789" providerId="ADAL" clId="{E17C5AF6-11E3-421A-B6F2-416B0C981305}" dt="2026-01-26T14:20:13.350" v="84" actId="113"/>
+        <pc:sldMkLst>
+          <pc:docMk/>
+          <pc:sldMk cId="1950783611" sldId="427"/>
+        </pc:sldMkLst>
+        <pc:spChg chg="mod">
+          <ac:chgData name="Kurt Jensen" userId="536d7847-4321-45c6-997a-4b9f60543789" providerId="ADAL" clId="{E17C5AF6-11E3-421A-B6F2-416B0C981305}" dt="2026-01-26T14:20:13.350" v="84" actId="113"/>
+          <ac:spMkLst>
+            <pc:docMk/>
+            <pc:sldMk cId="1950783611" sldId="427"/>
+            <ac:spMk id="10244" creationId="{00000000-0000-0000-0000-000000000000}"/>
+          </ac:spMkLst>
+        </pc:spChg>
+      </pc:sldChg>
+    </pc:docChg>
+  </pc:docChgLst>
+</pc:chgInfo>
+</file>
+
 <file path=ppt/handoutMasters/handoutMaster1.xml><?xml version="1.0" encoding="utf-8"?>
 <p:handoutMaster xmlns:a="http://schemas.openxmlformats.org/drawingml/2006/main" xmlns:r="http://schemas.openxmlformats.org/officeDocument/2006/relationships" xmlns:p="http://schemas.openxmlformats.org/presentationml/2006/main">
   <p:cSld>
@@ -884,35 +966,35 @@
           <a:p>
             <a:pPr lvl="0"/>
             <a:r>
-              <a:rPr lang="da-DK" noProof="0" smtClean="0"/>
+              <a:rPr lang="da-DK" noProof="0"/>
               <a:t>Klik for at redigere teksttypografierne i masteren</a:t>
             </a:r>
           </a:p>
           <a:p>
             <a:pPr lvl="1"/>
             <a:r>
-              <a:rPr lang="da-DK" noProof="0" smtClean="0"/>
+              <a:rPr lang="da-DK" noProof="0"/>
               <a:t>Andet niveau</a:t>
             </a:r>
           </a:p>
           <a:p>
             <a:pPr lvl="2"/>
             <a:r>
-              <a:rPr lang="da-DK" noProof="0" smtClean="0"/>
+              <a:rPr lang="da-DK" noProof="0"/>
               <a:t>Tredje niveau</a:t>
             </a:r>
           </a:p>
           <a:p>
             <a:pPr lvl="3"/>
             <a:r>
-              <a:rPr lang="da-DK" noProof="0" smtClean="0"/>
+              <a:rPr lang="da-DK" noProof="0"/>
               <a:t>Fjerde niveau</a:t>
             </a:r>
           </a:p>
           <a:p>
             <a:pPr lvl="4"/>
             <a:r>
-              <a:rPr lang="da-DK" noProof="0" smtClean="0"/>
+              <a:rPr lang="da-DK" noProof="0"/>
               <a:t>Femte niveau</a:t>
             </a:r>
           </a:p>
@@ -1476,7 +1558,7 @@
           <a:lstStyle/>
           <a:p>
             <a:pPr eaLnBrk="1" hangingPunct="1"/>
-            <a:endParaRPr lang="en-US" altLang="da-DK" dirty="0" smtClean="0">
+            <a:endParaRPr lang="en-US" altLang="da-DK" dirty="0">
               <a:latin typeface="Times New Roman" pitchFamily="18" charset="0"/>
               <a:ea typeface="ＭＳ Ｐゴシック" pitchFamily="34" charset="-128"/>
             </a:endParaRPr>
@@ -2743,7 +2825,7 @@
           <a:lstStyle/>
           <a:p>
             <a:pPr eaLnBrk="1" hangingPunct="1"/>
-            <a:endParaRPr lang="en-US" altLang="da-DK" smtClean="0">
+            <a:endParaRPr lang="en-US" altLang="da-DK">
               <a:latin typeface="Times New Roman" pitchFamily="18" charset="0"/>
               <a:ea typeface="ＭＳ Ｐゴシック" pitchFamily="34" charset="-128"/>
             </a:endParaRPr>
@@ -3431,7 +3513,7 @@
           <a:lstStyle/>
           <a:p>
             <a:r>
-              <a:rPr lang="da-DK" smtClean="0"/>
+              <a:rPr lang="da-DK"/>
               <a:t>Click to edit Master title style</a:t>
             </a:r>
             <a:endParaRPr lang="en-US"/>
@@ -3496,7 +3578,7 @@
           </a:lstStyle>
           <a:p>
             <a:r>
-              <a:rPr lang="da-DK" smtClean="0"/>
+              <a:rPr lang="da-DK"/>
               <a:t>Click to edit Master subtitle style</a:t>
             </a:r>
             <a:endParaRPr lang="en-US"/>
@@ -3596,7 +3678,7 @@
           <a:lstStyle/>
           <a:p>
             <a:r>
-              <a:rPr lang="da-DK" smtClean="0"/>
+              <a:rPr lang="da-DK"/>
               <a:t>Click to edit Master title style</a:t>
             </a:r>
             <a:endParaRPr lang="en-US"/>
@@ -3620,83 +3702,83 @@
           <a:p>
             <a:pPr lvl="0"/>
             <a:r>
-              <a:rPr lang="da-DK" dirty="0" err="1" smtClean="0"/>
+              <a:rPr lang="da-DK" dirty="0" err="1"/>
               <a:t>Click</a:t>
             </a:r>
             <a:r>
-              <a:rPr lang="da-DK" dirty="0" smtClean="0"/>
+              <a:rPr lang="da-DK" dirty="0"/>
               <a:t> to </a:t>
             </a:r>
             <a:r>
-              <a:rPr lang="da-DK" dirty="0" err="1" smtClean="0"/>
+              <a:rPr lang="da-DK" dirty="0" err="1"/>
               <a:t>edit</a:t>
             </a:r>
             <a:r>
-              <a:rPr lang="da-DK" dirty="0" smtClean="0"/>
+              <a:rPr lang="da-DK" dirty="0"/>
               <a:t> Master </a:t>
             </a:r>
             <a:r>
-              <a:rPr lang="da-DK" dirty="0" err="1" smtClean="0"/>
+              <a:rPr lang="da-DK" dirty="0" err="1"/>
               <a:t>text</a:t>
             </a:r>
             <a:r>
-              <a:rPr lang="da-DK" dirty="0" smtClean="0"/>
+              <a:rPr lang="da-DK" dirty="0"/>
               <a:t> </a:t>
             </a:r>
             <a:r>
-              <a:rPr lang="da-DK" dirty="0" err="1" smtClean="0"/>
+              <a:rPr lang="da-DK" dirty="0" err="1"/>
               <a:t>styles</a:t>
             </a:r>
-            <a:endParaRPr lang="da-DK" dirty="0" smtClean="0"/>
+            <a:endParaRPr lang="da-DK" dirty="0"/>
           </a:p>
           <a:p>
             <a:pPr lvl="1"/>
             <a:r>
-              <a:rPr lang="da-DK" dirty="0" smtClean="0"/>
+              <a:rPr lang="da-DK" dirty="0"/>
               <a:t>Second </a:t>
             </a:r>
             <a:r>
-              <a:rPr lang="da-DK" dirty="0" err="1" smtClean="0"/>
+              <a:rPr lang="da-DK" dirty="0" err="1"/>
               <a:t>level</a:t>
             </a:r>
-            <a:endParaRPr lang="da-DK" dirty="0" smtClean="0"/>
+            <a:endParaRPr lang="da-DK" dirty="0"/>
           </a:p>
           <a:p>
             <a:pPr lvl="2"/>
             <a:r>
-              <a:rPr lang="da-DK" dirty="0" smtClean="0"/>
+              <a:rPr lang="da-DK" dirty="0"/>
               <a:t>Third </a:t>
             </a:r>
             <a:r>
-              <a:rPr lang="da-DK" dirty="0" err="1" smtClean="0"/>
+              <a:rPr lang="da-DK" dirty="0" err="1"/>
               <a:t>level</a:t>
             </a:r>
-            <a:endParaRPr lang="da-DK" dirty="0" smtClean="0"/>
+            <a:endParaRPr lang="da-DK" dirty="0"/>
           </a:p>
           <a:p>
             <a:pPr lvl="3"/>
             <a:r>
-              <a:rPr lang="da-DK" dirty="0" err="1" smtClean="0"/>
+              <a:rPr lang="da-DK" dirty="0" err="1"/>
               <a:t>Fourth</a:t>
             </a:r>
             <a:r>
-              <a:rPr lang="da-DK" dirty="0" smtClean="0"/>
+              <a:rPr lang="da-DK" dirty="0"/>
               <a:t> </a:t>
             </a:r>
             <a:r>
-              <a:rPr lang="da-DK" dirty="0" err="1" smtClean="0"/>
+              <a:rPr lang="da-DK" dirty="0" err="1"/>
               <a:t>level</a:t>
             </a:r>
-            <a:endParaRPr lang="da-DK" dirty="0" smtClean="0"/>
+            <a:endParaRPr lang="da-DK" dirty="0"/>
           </a:p>
           <a:p>
             <a:pPr lvl="4"/>
             <a:r>
-              <a:rPr lang="da-DK" dirty="0" smtClean="0"/>
+              <a:rPr lang="da-DK" dirty="0"/>
               <a:t>Fifth </a:t>
             </a:r>
             <a:r>
-              <a:rPr lang="da-DK" dirty="0" err="1" smtClean="0"/>
+              <a:rPr lang="da-DK" dirty="0" err="1"/>
               <a:t>level</a:t>
             </a:r>
             <a:endParaRPr lang="en-US" dirty="0"/>
@@ -3798,7 +3880,7 @@
           <a:lstStyle/>
           <a:p>
             <a:r>
-              <a:rPr lang="da-DK" smtClean="0"/>
+              <a:rPr lang="da-DK"/>
               <a:t>Click to edit Master title style</a:t>
             </a:r>
             <a:endParaRPr lang="en-US"/>
@@ -3855,83 +3937,83 @@
           <a:p>
             <a:pPr lvl="0"/>
             <a:r>
-              <a:rPr lang="da-DK" dirty="0" err="1" smtClean="0"/>
+              <a:rPr lang="da-DK" dirty="0" err="1"/>
               <a:t>Click</a:t>
             </a:r>
             <a:r>
-              <a:rPr lang="da-DK" dirty="0" smtClean="0"/>
+              <a:rPr lang="da-DK" dirty="0"/>
               <a:t> to </a:t>
             </a:r>
             <a:r>
-              <a:rPr lang="da-DK" dirty="0" err="1" smtClean="0"/>
+              <a:rPr lang="da-DK" dirty="0" err="1"/>
               <a:t>edit</a:t>
             </a:r>
             <a:r>
-              <a:rPr lang="da-DK" dirty="0" smtClean="0"/>
+              <a:rPr lang="da-DK" dirty="0"/>
               <a:t> Master </a:t>
             </a:r>
             <a:r>
-              <a:rPr lang="da-DK" dirty="0" err="1" smtClean="0"/>
+              <a:rPr lang="da-DK" dirty="0" err="1"/>
               <a:t>text</a:t>
             </a:r>
             <a:r>
-              <a:rPr lang="da-DK" dirty="0" smtClean="0"/>
+              <a:rPr lang="da-DK" dirty="0"/>
               <a:t> </a:t>
             </a:r>
             <a:r>
-              <a:rPr lang="da-DK" dirty="0" err="1" smtClean="0"/>
+              <a:rPr lang="da-DK" dirty="0" err="1"/>
               <a:t>styles</a:t>
             </a:r>
-            <a:endParaRPr lang="da-DK" dirty="0" smtClean="0"/>
+            <a:endParaRPr lang="da-DK" dirty="0"/>
           </a:p>
           <a:p>
             <a:pPr lvl="1"/>
             <a:r>
-              <a:rPr lang="da-DK" dirty="0" smtClean="0"/>
+              <a:rPr lang="da-DK" dirty="0"/>
               <a:t>Second </a:t>
             </a:r>
             <a:r>
-              <a:rPr lang="da-DK" dirty="0" err="1" smtClean="0"/>
+              <a:rPr lang="da-DK" dirty="0" err="1"/>
               <a:t>level</a:t>
             </a:r>
-            <a:endParaRPr lang="da-DK" dirty="0" smtClean="0"/>
+            <a:endParaRPr lang="da-DK" dirty="0"/>
           </a:p>
           <a:p>
             <a:pPr lvl="2"/>
             <a:r>
-              <a:rPr lang="da-DK" dirty="0" smtClean="0"/>
+              <a:rPr lang="da-DK" dirty="0"/>
               <a:t>Third </a:t>
             </a:r>
             <a:r>
-              <a:rPr lang="da-DK" dirty="0" err="1" smtClean="0"/>
+              <a:rPr lang="da-DK" dirty="0" err="1"/>
               <a:t>level</a:t>
             </a:r>
-            <a:endParaRPr lang="da-DK" dirty="0" smtClean="0"/>
+            <a:endParaRPr lang="da-DK" dirty="0"/>
           </a:p>
           <a:p>
             <a:pPr lvl="3"/>
             <a:r>
-              <a:rPr lang="da-DK" dirty="0" err="1" smtClean="0"/>
+              <a:rPr lang="da-DK" dirty="0" err="1"/>
               <a:t>Fourth</a:t>
             </a:r>
             <a:r>
-              <a:rPr lang="da-DK" dirty="0" smtClean="0"/>
+              <a:rPr lang="da-DK" dirty="0"/>
               <a:t> </a:t>
             </a:r>
             <a:r>
-              <a:rPr lang="da-DK" dirty="0" err="1" smtClean="0"/>
+              <a:rPr lang="da-DK" dirty="0" err="1"/>
               <a:t>level</a:t>
             </a:r>
-            <a:endParaRPr lang="da-DK" dirty="0" smtClean="0"/>
+            <a:endParaRPr lang="da-DK" dirty="0"/>
           </a:p>
           <a:p>
             <a:pPr lvl="4"/>
             <a:r>
-              <a:rPr lang="da-DK" dirty="0" smtClean="0"/>
+              <a:rPr lang="da-DK" dirty="0"/>
               <a:t>Fifth </a:t>
             </a:r>
             <a:r>
-              <a:rPr lang="da-DK" dirty="0" err="1" smtClean="0"/>
+              <a:rPr lang="da-DK" dirty="0" err="1"/>
               <a:t>level</a:t>
             </a:r>
             <a:endParaRPr lang="en-US" dirty="0"/>
@@ -3988,35 +4070,35 @@
           <a:p>
             <a:pPr lvl="0"/>
             <a:r>
-              <a:rPr lang="da-DK" smtClean="0"/>
+              <a:rPr lang="da-DK"/>
               <a:t>Click to edit Master text styles</a:t>
             </a:r>
           </a:p>
           <a:p>
             <a:pPr lvl="1"/>
             <a:r>
-              <a:rPr lang="da-DK" smtClean="0"/>
+              <a:rPr lang="da-DK"/>
               <a:t>Second level</a:t>
             </a:r>
           </a:p>
           <a:p>
             <a:pPr lvl="2"/>
             <a:r>
-              <a:rPr lang="da-DK" smtClean="0"/>
+              <a:rPr lang="da-DK"/>
               <a:t>Third level</a:t>
             </a:r>
           </a:p>
           <a:p>
             <a:pPr lvl="3"/>
             <a:r>
-              <a:rPr lang="da-DK" smtClean="0"/>
+              <a:rPr lang="da-DK"/>
               <a:t>Fourth level</a:t>
             </a:r>
           </a:p>
           <a:p>
             <a:pPr lvl="4"/>
             <a:r>
-              <a:rPr lang="da-DK" smtClean="0"/>
+              <a:rPr lang="da-DK"/>
               <a:t>Fifth level</a:t>
             </a:r>
             <a:endParaRPr lang="en-US"/>
@@ -4113,7 +4195,7 @@
           <a:lstStyle/>
           <a:p>
             <a:r>
-              <a:rPr lang="da-DK" smtClean="0"/>
+              <a:rPr lang="da-DK"/>
               <a:t>Click to edit Master title style</a:t>
             </a:r>
             <a:endParaRPr lang="en-US"/>
@@ -5122,7 +5204,7 @@
               </a:spcBef>
             </a:pPr>
             <a:r>
-              <a:rPr lang="en-GB" altLang="da-DK" sz="1800" dirty="0" smtClean="0"/>
+              <a:rPr lang="en-GB" altLang="da-DK" sz="1800" dirty="0"/>
               <a:t>Bachelor project contract</a:t>
             </a:r>
           </a:p>
@@ -5132,103 +5214,81 @@
                 <a:spcPts val="300"/>
               </a:spcBef>
             </a:pPr>
-            <a:r>
-              <a:rPr lang="en-GB" altLang="da-DK" sz="1600" dirty="0" smtClean="0">
-                <a:latin typeface="+mn-lt"/>
-                <a:ea typeface="+mn-ea"/>
-              </a:rPr>
-              <a:t>Language for the report (Danish / English)</a:t>
-            </a:r>
-            <a:endParaRPr lang="en-GB" altLang="da-DK" sz="1600" dirty="0">
-              <a:latin typeface="+mn-lt"/>
-              <a:ea typeface="+mn-ea"/>
-            </a:endParaRPr>
-          </a:p>
-          <a:p>
-            <a:pPr marL="728663" lvl="1" indent="-271463">
-              <a:spcBef>
-                <a:spcPts val="300"/>
-              </a:spcBef>
-            </a:pPr>
-            <a:r>
-              <a:rPr lang="en-GB" altLang="da-DK" sz="1600" dirty="0" smtClean="0">
-                <a:latin typeface="+mn-lt"/>
-                <a:ea typeface="+mn-ea"/>
-              </a:rPr>
-              <a:t>Title of report (in Danish and English)</a:t>
-            </a:r>
-            <a:endParaRPr lang="en-GB" altLang="da-DK" sz="1600" dirty="0">
-              <a:latin typeface="+mn-lt"/>
-              <a:ea typeface="+mn-ea"/>
-            </a:endParaRPr>
-          </a:p>
-          <a:p>
-            <a:pPr marL="728663" lvl="1" indent="-271463">
-              <a:spcBef>
-                <a:spcPts val="300"/>
-              </a:spcBef>
-            </a:pPr>
-            <a:r>
-              <a:rPr lang="en-GB" altLang="da-DK" sz="1600" dirty="0" smtClean="0">
-                <a:latin typeface="+mn-lt"/>
-                <a:ea typeface="+mn-ea"/>
-              </a:rPr>
-              <a:t>Tools </a:t>
-            </a:r>
             <a:r>
               <a:rPr lang="en-GB" altLang="da-DK" sz="1600" dirty="0">
                 <a:latin typeface="+mn-lt"/>
                 <a:ea typeface="+mn-ea"/>
               </a:rPr>
-              <a:t>to be </a:t>
-            </a:r>
-            <a:r>
-              <a:rPr lang="en-GB" altLang="da-DK" sz="1600" dirty="0" smtClean="0">
+              <a:t>Language for the report (Danish / English)</a:t>
+            </a:r>
+          </a:p>
+          <a:p>
+            <a:pPr marL="728663" lvl="1" indent="-271463">
+              <a:spcBef>
+                <a:spcPts val="300"/>
+              </a:spcBef>
+            </a:pPr>
+            <a:r>
+              <a:rPr lang="en-GB" altLang="da-DK" sz="1600" dirty="0">
                 <a:latin typeface="+mn-lt"/>
                 <a:ea typeface="+mn-ea"/>
               </a:rPr>
-              <a:t>used (for text processing / for programming)</a:t>
-            </a:r>
-          </a:p>
-          <a:p>
-            <a:pPr marL="728663" lvl="1" indent="-271463">
-              <a:spcBef>
-                <a:spcPts val="300"/>
-              </a:spcBef>
-            </a:pPr>
-            <a:r>
-              <a:rPr lang="en-GB" altLang="da-DK" sz="1600" dirty="0" smtClean="0">
+              <a:t>Title of report (in Danish and English)</a:t>
+            </a:r>
+          </a:p>
+          <a:p>
+            <a:pPr marL="728663" lvl="1" indent="-271463">
+              <a:spcBef>
+                <a:spcPts val="300"/>
+              </a:spcBef>
+            </a:pPr>
+            <a:r>
+              <a:rPr lang="en-GB" altLang="da-DK" sz="1600" dirty="0">
                 <a:latin typeface="+mn-lt"/>
                 <a:ea typeface="+mn-ea"/>
               </a:rPr>
-              <a:t>Description of your project</a:t>
-            </a:r>
-          </a:p>
-          <a:p>
-            <a:pPr marL="728663" lvl="1" indent="-271463">
-              <a:spcBef>
-                <a:spcPts val="300"/>
-              </a:spcBef>
-            </a:pPr>
-            <a:r>
-              <a:rPr lang="en-GB" altLang="da-DK" sz="1600" b="1" dirty="0" smtClean="0">
+              <a:t>Tools to be used (for text processing / for programming)</a:t>
+            </a:r>
+          </a:p>
+          <a:p>
+            <a:pPr marL="728663" lvl="1" indent="-271463">
+              <a:spcBef>
+                <a:spcPts val="300"/>
+              </a:spcBef>
+            </a:pPr>
+            <a:r>
+              <a:rPr lang="en-GB" altLang="da-DK" sz="1600" dirty="0">
                 <a:latin typeface="+mn-lt"/>
                 <a:ea typeface="+mn-ea"/>
               </a:rPr>
-              <a:t>Work tasks (things to be done)</a:t>
-            </a:r>
-          </a:p>
-          <a:p>
-            <a:pPr marL="728663" lvl="1" indent="-271463">
-              <a:spcBef>
-                <a:spcPts val="300"/>
-              </a:spcBef>
-            </a:pPr>
-            <a:r>
-              <a:rPr lang="en-GB" altLang="da-DK" sz="1600" b="1" dirty="0" smtClean="0">
+              <a:t>Description of your project</a:t>
+            </a:r>
+          </a:p>
+          <a:p>
+            <a:pPr marL="728663" lvl="1" indent="-271463">
+              <a:spcBef>
+                <a:spcPts val="300"/>
+              </a:spcBef>
+            </a:pPr>
+            <a:r>
+              <a:rPr lang="en-GB" altLang="da-DK" sz="1600" b="1" dirty="0">
                 <a:latin typeface="+mn-lt"/>
                 <a:ea typeface="+mn-ea"/>
               </a:rPr>
+              <a:t>Work tasks (things to be done)</a:t>
+            </a:r>
+          </a:p>
+          <a:p>
+            <a:pPr marL="728663" lvl="1" indent="-271463">
+              <a:spcBef>
+                <a:spcPts val="300"/>
+              </a:spcBef>
+            </a:pPr>
+            <a:r>
+              <a:rPr lang="en-GB" altLang="da-DK" sz="1600" b="1" dirty="0">
+                <a:latin typeface="+mn-lt"/>
+                <a:ea typeface="+mn-ea"/>
+              </a:rPr>
               <a:t>Time plan (deadlines)</a:t>
             </a:r>
           </a:p>
@@ -5239,7 +5299,7 @@
               </a:spcBef>
             </a:pPr>
             <a:r>
-              <a:rPr lang="en-GB" altLang="da-DK" sz="1600" b="1" dirty="0" smtClean="0">
+              <a:rPr lang="en-GB" altLang="da-DK" sz="1600" b="1" dirty="0">
                 <a:latin typeface="+mn-lt"/>
                 <a:ea typeface="+mn-ea"/>
               </a:rPr>
@@ -5273,94 +5333,74 @@
                 <a:latin typeface="+mn-lt"/>
                 <a:ea typeface="+mn-ea"/>
               </a:rPr>
-              <a:t>The importance of written notes cannot be </a:t>
-            </a:r>
-            <a:r>
-              <a:rPr lang="en-US" altLang="da-DK" sz="1600" dirty="0" smtClean="0">
+              <a:t>The importance of written notes cannot be overestimated</a:t>
+            </a:r>
+          </a:p>
+          <a:p>
+            <a:pPr marL="271463" lvl="1" indent="-271463">
+              <a:spcBef>
+                <a:spcPts val="1200"/>
+              </a:spcBef>
+              <a:buChar char="•"/>
+            </a:pPr>
+            <a:r>
+              <a:rPr lang="en-US" altLang="da-DK" sz="1800" b="1" dirty="0">
+                <a:solidFill>
+                  <a:srgbClr val="A50021"/>
+                </a:solidFill>
+              </a:rPr>
+              <a:t>Bachelor project course</a:t>
+            </a:r>
+          </a:p>
+          <a:p>
+            <a:pPr marL="728663" lvl="1" indent="-271463">
+              <a:spcBef>
+                <a:spcPts val="300"/>
+              </a:spcBef>
+            </a:pPr>
+            <a:r>
+              <a:rPr lang="en-US" altLang="da-DK" sz="1600" dirty="0">
                 <a:latin typeface="+mn-lt"/>
                 <a:ea typeface="+mn-ea"/>
               </a:rPr>
-              <a:t>overestimated</a:t>
-            </a:r>
-          </a:p>
-          <a:p>
-            <a:pPr marL="271463" lvl="1" indent="-271463">
-              <a:spcBef>
-                <a:spcPts val="1200"/>
-              </a:spcBef>
-              <a:buChar char="•"/>
-            </a:pPr>
-            <a:r>
-              <a:rPr lang="en-US" altLang="da-DK" sz="1800" b="1" dirty="0">
-                <a:solidFill>
-                  <a:srgbClr val="A50021"/>
-                </a:solidFill>
-              </a:rPr>
-              <a:t>Bachelor </a:t>
-            </a:r>
-            <a:r>
-              <a:rPr lang="en-US" altLang="da-DK" sz="1800" b="1" dirty="0" smtClean="0">
-                <a:solidFill>
-                  <a:srgbClr val="A50021"/>
-                </a:solidFill>
-              </a:rPr>
-              <a:t>project course</a:t>
-            </a:r>
-            <a:endParaRPr lang="en-US" altLang="da-DK" sz="1800" b="1" dirty="0">
-              <a:solidFill>
-                <a:srgbClr val="A50021"/>
-              </a:solidFill>
-            </a:endParaRPr>
-          </a:p>
-          <a:p>
-            <a:pPr marL="728663" lvl="1" indent="-271463">
-              <a:spcBef>
-                <a:spcPts val="300"/>
-              </a:spcBef>
-            </a:pPr>
-            <a:r>
-              <a:rPr lang="en-US" altLang="da-DK" sz="1600" dirty="0" smtClean="0">
+              <a:t>Deadlines and lectures</a:t>
+            </a:r>
+          </a:p>
+          <a:p>
+            <a:pPr marL="728663" lvl="1" indent="-271463">
+              <a:spcBef>
+                <a:spcPts val="300"/>
+              </a:spcBef>
+            </a:pPr>
+            <a:r>
+              <a:rPr lang="en-US" altLang="da-DK" sz="1600" dirty="0">
                 <a:latin typeface="+mn-lt"/>
                 <a:ea typeface="+mn-ea"/>
               </a:rPr>
-              <a:t>Deadlines and lectures</a:t>
-            </a:r>
-          </a:p>
-          <a:p>
-            <a:pPr marL="728663" lvl="1" indent="-271463">
-              <a:spcBef>
-                <a:spcPts val="300"/>
-              </a:spcBef>
-            </a:pPr>
-            <a:r>
-              <a:rPr lang="en-US" altLang="da-DK" sz="1600" dirty="0" smtClean="0">
+              <a:t>Use the </a:t>
+            </a:r>
+            <a:r>
+              <a:rPr lang="en-US" altLang="da-DK" sz="1600" b="1" dirty="0">
                 <a:latin typeface="+mn-lt"/>
                 <a:ea typeface="+mn-ea"/>
               </a:rPr>
-              <a:t>Use the </a:t>
-            </a:r>
-            <a:r>
-              <a:rPr lang="en-US" altLang="da-DK" sz="1600" b="1" dirty="0" smtClean="0">
+              <a:t>Discussion forum</a:t>
+            </a:r>
+            <a:r>
+              <a:rPr lang="en-US" altLang="da-DK" sz="1600" dirty="0">
                 <a:latin typeface="+mn-lt"/>
                 <a:ea typeface="+mn-ea"/>
               </a:rPr>
-              <a:t>Discussion forum</a:t>
-            </a:r>
-            <a:r>
-              <a:rPr lang="en-US" altLang="da-DK" sz="1600" dirty="0" smtClean="0">
+              <a:t> and read the </a:t>
+            </a:r>
+            <a:r>
+              <a:rPr lang="en-US" altLang="da-DK" sz="1600" b="1" dirty="0">
                 <a:latin typeface="+mn-lt"/>
                 <a:ea typeface="+mn-ea"/>
               </a:rPr>
-              <a:t> and read the </a:t>
-            </a:r>
-            <a:r>
-              <a:rPr lang="en-US" altLang="da-DK" sz="1600" b="1" dirty="0" smtClean="0">
-                <a:latin typeface="+mn-lt"/>
-                <a:ea typeface="+mn-ea"/>
-              </a:rPr>
               <a:t>Announcements</a:t>
             </a:r>
-            <a:endParaRPr lang="en-GB" altLang="da-DK" sz="1600" dirty="0" smtClean="0">
+            <a:endParaRPr lang="en-GB" altLang="da-DK" sz="1600" dirty="0">
               <a:latin typeface="+mn-lt"/>
               <a:ea typeface="+mn-ea"/>
             </a:endParaRPr>
@@ -5609,18 +5649,9 @@
               </a:spcBef>
             </a:pPr>
             <a:r>
-              <a:rPr lang="en-GB" altLang="da-DK" sz="2800" dirty="0" smtClean="0"/>
-              <a:t>How </a:t>
-            </a:r>
-            <a:r>
               <a:rPr lang="en-GB" altLang="da-DK" sz="2800" dirty="0"/>
-              <a:t>to make a useful bachelor </a:t>
-            </a:r>
-            <a:r>
-              <a:rPr lang="en-GB" altLang="da-DK" sz="2800" dirty="0" smtClean="0"/>
-              <a:t>project contract</a:t>
-            </a:r>
-            <a:endParaRPr lang="en-GB" altLang="da-DK" sz="2800" dirty="0"/>
+              <a:t>How to make a useful bachelor project contract</a:t>
+            </a:r>
           </a:p>
         </p:txBody>
       </p:sp>
@@ -5648,7 +5679,6 @@
               <a:srgbClr val="0000FF"/>
             </a:solidFill>
           </a:ln>
-          <a:extLst/>
         </p:spPr>
         <p:txBody>
           <a:bodyPr vert="horz" wrap="square" lIns="91440" tIns="45720" rIns="91440" bIns="45720" numCol="1" anchor="t" anchorCtr="0" compatLnSpc="1">
@@ -5813,7 +5843,7 @@
               <a:buChar char="•"/>
             </a:pPr>
             <a:r>
-              <a:rPr lang="en-GB" altLang="da-DK" sz="1400" kern="0" dirty="0" smtClean="0">
+              <a:rPr lang="en-GB" altLang="da-DK" sz="1400" kern="0" dirty="0">
                 <a:solidFill>
                   <a:srgbClr val="0000FF"/>
                 </a:solidFill>
@@ -5831,7 +5861,7 @@
               <a:buChar char="•"/>
             </a:pPr>
             <a:r>
-              <a:rPr lang="en-GB" altLang="da-DK" sz="1400" kern="0" dirty="0" smtClean="0">
+              <a:rPr lang="en-GB" altLang="da-DK" sz="1400" kern="0" dirty="0">
                 <a:solidFill>
                   <a:srgbClr val="0000FF"/>
                 </a:solidFill>
@@ -5849,7 +5879,7 @@
               <a:buChar char="•"/>
             </a:pPr>
             <a:r>
-              <a:rPr lang="en-GB" altLang="da-DK" sz="1400" kern="0" dirty="0" smtClean="0">
+              <a:rPr lang="en-GB" altLang="da-DK" sz="1400" kern="0" dirty="0">
                 <a:solidFill>
                   <a:srgbClr val="0000FF"/>
                 </a:solidFill>
@@ -5857,7 +5887,7 @@
               </a:rPr>
               <a:t>Questions can be asked during the lecture or via the discussion forum “Lectures”</a:t>
             </a:r>
-            <a:endParaRPr lang="en-GB" altLang="da-DK" sz="1400" kern="0" dirty="0" smtClean="0">
+            <a:endParaRPr lang="en-GB" altLang="da-DK" sz="1400" kern="0" dirty="0">
               <a:solidFill>
                 <a:srgbClr val="0000FF"/>
               </a:solidFill>
@@ -5875,13 +5905,6 @@
   <p:clrMapOvr>
     <a:masterClrMapping/>
   </p:clrMapOvr>
-  <p:timing>
-    <p:tnLst>
-      <p:par>
-        <p:cTn id="1" dur="indefinite" restart="never" nodeType="tmRoot"/>
-      </p:par>
-    </p:tnLst>
-  </p:timing>
 </p:sld>
 </file>
 
@@ -5926,7 +5949,7 @@
               <a:defRPr/>
             </a:pPr>
             <a:r>
-              <a:rPr lang="en-GB" altLang="da-DK" sz="2800" dirty="0" smtClean="0"/>
+              <a:rPr lang="en-GB" altLang="da-DK" sz="2800" dirty="0"/>
               <a:t>Work tasks (building blocks)</a:t>
             </a:r>
           </a:p>
@@ -5961,7 +5984,7 @@
               <a:buChar char="•"/>
             </a:pPr>
             <a:r>
-              <a:rPr lang="en-GB" altLang="da-DK" sz="1800" b="1" spc="-30" dirty="0" smtClean="0">
+              <a:rPr lang="en-GB" altLang="da-DK" sz="1800" b="1" spc="-30" dirty="0">
                 <a:solidFill>
                   <a:srgbClr val="A50021"/>
                 </a:solidFill>
@@ -5969,21 +5992,15 @@
               </a:rPr>
               <a:t>A typical bachelor project will consists of 3-4 work tasks which could be</a:t>
             </a:r>
-            <a:endParaRPr lang="en-GB" altLang="da-DK" sz="1800" b="1" spc="-30" dirty="0">
-              <a:solidFill>
-                <a:srgbClr val="A50021"/>
-              </a:solidFill>
-              <a:cs typeface="ＭＳ Ｐゴシック" charset="0"/>
-            </a:endParaRPr>
-          </a:p>
-          <a:p>
-            <a:pPr marL="728663" lvl="1" indent="-271463">
-              <a:spcBef>
-                <a:spcPts val="300"/>
-              </a:spcBef>
-            </a:pPr>
-            <a:r>
-              <a:rPr lang="en-GB" altLang="da-DK" sz="1600" dirty="0" smtClean="0"/>
+          </a:p>
+          <a:p>
+            <a:pPr marL="728663" lvl="1" indent="-271463">
+              <a:spcBef>
+                <a:spcPts val="300"/>
+              </a:spcBef>
+            </a:pPr>
+            <a:r>
+              <a:rPr lang="en-GB" altLang="da-DK" sz="1600" dirty="0"/>
               <a:t>Read literature (one or more scientific papers)</a:t>
             </a:r>
           </a:p>
@@ -5994,73 +6011,31 @@
               </a:spcBef>
             </a:pPr>
             <a:r>
-              <a:rPr lang="en-GB" altLang="da-DK" sz="1600" dirty="0" smtClean="0"/>
-              <a:t>Task A (</a:t>
-            </a:r>
-            <a:r>
-              <a:rPr lang="en-GB" altLang="da-DK" sz="1600" dirty="0"/>
-              <a:t>experiments, development of </a:t>
-            </a:r>
-            <a:r>
-              <a:rPr lang="en-GB" altLang="da-DK" sz="1600" dirty="0" smtClean="0"/>
-              <a:t>prototypes </a:t>
-            </a:r>
-            <a:r>
-              <a:rPr lang="en-GB" altLang="da-DK" sz="1600" dirty="0"/>
-              <a:t>or development of </a:t>
-            </a:r>
-            <a:r>
-              <a:rPr lang="en-GB" altLang="da-DK" sz="1600" dirty="0" smtClean="0"/>
-              <a:t>theories)</a:t>
-            </a:r>
-          </a:p>
-          <a:p>
-            <a:pPr marL="728663" lvl="1" indent="-271463">
-              <a:spcBef>
-                <a:spcPts val="300"/>
-              </a:spcBef>
-            </a:pPr>
-            <a:r>
-              <a:rPr lang="en-GB" altLang="da-DK" sz="1600" dirty="0" smtClean="0"/>
-              <a:t>Task B</a:t>
-            </a:r>
-            <a:r>
-              <a:rPr lang="en-GB" altLang="da-DK" sz="1600" dirty="0"/>
-              <a:t> (experiments, development of </a:t>
-            </a:r>
-            <a:r>
-              <a:rPr lang="en-GB" altLang="da-DK" sz="1600" dirty="0" smtClean="0"/>
-              <a:t>prototypes </a:t>
-            </a:r>
-            <a:r>
-              <a:rPr lang="en-GB" altLang="da-DK" sz="1600" dirty="0"/>
-              <a:t>or development of theories)</a:t>
-            </a:r>
-            <a:endParaRPr lang="en-GB" altLang="da-DK" sz="1600" dirty="0" smtClean="0"/>
-          </a:p>
-          <a:p>
-            <a:pPr marL="728663" lvl="1" indent="-271463">
-              <a:spcBef>
-                <a:spcPts val="300"/>
-              </a:spcBef>
-            </a:pPr>
-            <a:r>
-              <a:rPr lang="en-GB" altLang="da-DK" sz="1600" dirty="0" smtClean="0"/>
-              <a:t>Task C</a:t>
-            </a:r>
-            <a:r>
-              <a:rPr lang="en-GB" altLang="da-DK" sz="1600" dirty="0"/>
-              <a:t> (experiments, development of </a:t>
-            </a:r>
-            <a:r>
-              <a:rPr lang="en-GB" altLang="da-DK" sz="1600" dirty="0" smtClean="0"/>
-              <a:t>prototypes </a:t>
-            </a:r>
-            <a:r>
-              <a:rPr lang="en-GB" altLang="da-DK" sz="1600" dirty="0"/>
-              <a:t>or development of theories)</a:t>
-            </a:r>
-            <a:endParaRPr lang="en-GB" altLang="da-DK" sz="1600" dirty="0" smtClean="0"/>
+              <a:rPr lang="en-GB" altLang="da-DK" sz="1600" dirty="0"/>
+              <a:t>Task A (experiments, development of prototypes or development of theories)</a:t>
+            </a:r>
+          </a:p>
+          <a:p>
+            <a:pPr marL="728663" lvl="1" indent="-271463">
+              <a:spcBef>
+                <a:spcPts val="300"/>
+              </a:spcBef>
+            </a:pPr>
+            <a:r>
+              <a:rPr lang="en-GB" altLang="da-DK" sz="1600" dirty="0"/>
+              <a:t>Task B (experiments, development of prototypes or development of theories)</a:t>
+            </a:r>
+          </a:p>
+          <a:p>
+            <a:pPr marL="728663" lvl="1" indent="-271463">
+              <a:spcBef>
+                <a:spcPts val="300"/>
+              </a:spcBef>
+            </a:pPr>
+            <a:r>
+              <a:rPr lang="en-GB" altLang="da-DK" sz="1600" dirty="0"/>
+              <a:t>Task C (experiments, development of prototypes or development of theories)</a:t>
+            </a:r>
           </a:p>
           <a:p>
             <a:pPr marL="271463" lvl="1" indent="-271463">
@@ -6071,49 +6046,13 @@
               <a:buChar char="•"/>
             </a:pPr>
             <a:r>
-              <a:rPr lang="en-GB" altLang="da-DK" sz="1800" b="1" dirty="0" smtClean="0">
+              <a:rPr lang="en-GB" altLang="da-DK" sz="1800" b="1" dirty="0">
                 <a:solidFill>
                   <a:srgbClr val="A50021"/>
                 </a:solidFill>
                 <a:cs typeface="ＭＳ Ｐゴシック" charset="0"/>
               </a:rPr>
-              <a:t>It </a:t>
-            </a:r>
-            <a:r>
-              <a:rPr lang="en-GB" altLang="da-DK" sz="1800" b="1" dirty="0">
-                <a:solidFill>
-                  <a:srgbClr val="A50021"/>
-                </a:solidFill>
-                <a:cs typeface="ＭＳ Ｐゴシック" charset="0"/>
-              </a:rPr>
-              <a:t>is important that these </a:t>
-            </a:r>
-            <a:r>
-              <a:rPr lang="en-GB" altLang="da-DK" sz="1800" b="1" dirty="0" smtClean="0">
-                <a:solidFill>
-                  <a:srgbClr val="A50021"/>
-                </a:solidFill>
-                <a:cs typeface="ＭＳ Ｐゴシック" charset="0"/>
-              </a:rPr>
-              <a:t>tasks </a:t>
-            </a:r>
-            <a:r>
-              <a:rPr lang="en-GB" altLang="da-DK" sz="1800" b="1" dirty="0">
-                <a:solidFill>
-                  <a:srgbClr val="A50021"/>
-                </a:solidFill>
-                <a:cs typeface="ＭＳ Ｐゴシック" charset="0"/>
-              </a:rPr>
-              <a:t>are "safe</a:t>
-            </a:r>
-            <a:r>
-              <a:rPr lang="en-GB" altLang="da-DK" sz="1800" b="1" dirty="0" smtClean="0">
-                <a:solidFill>
-                  <a:srgbClr val="A50021"/>
-                </a:solidFill>
-                <a:cs typeface="ＭＳ Ｐゴシック" charset="0"/>
-              </a:rPr>
-              <a:t>"</a:t>
+              <a:t>It is important that these tasks are "safe"</a:t>
             </a:r>
           </a:p>
           <a:p>
@@ -6125,22 +6064,18 @@
               <a:buChar char="–"/>
             </a:pPr>
             <a:r>
-              <a:rPr lang="en-GB" altLang="da-DK" sz="1600" dirty="0" smtClean="0"/>
-              <a:t>With a reasonable effort, you should be </a:t>
-            </a:r>
-            <a:r>
-              <a:rPr lang="en-GB" altLang="da-DK" sz="1600" dirty="0"/>
-              <a:t>able to finish them in a satisfactory way (within the planned time) </a:t>
-            </a:r>
-          </a:p>
-          <a:p>
-            <a:pPr marL="728663" lvl="1" indent="-271463">
-              <a:spcBef>
-                <a:spcPts val="300"/>
-              </a:spcBef>
-            </a:pPr>
-            <a:r>
-              <a:rPr lang="en-GB" altLang="da-DK" sz="1600" dirty="0" smtClean="0"/>
+              <a:rPr lang="en-GB" altLang="da-DK" sz="1600" dirty="0"/>
+              <a:t>With a reasonable effort, you should be able to finish them in a satisfactory way (within the planned time) </a:t>
+            </a:r>
+          </a:p>
+          <a:p>
+            <a:pPr marL="728663" lvl="1" indent="-271463">
+              <a:spcBef>
+                <a:spcPts val="300"/>
+              </a:spcBef>
+            </a:pPr>
+            <a:r>
+              <a:rPr lang="en-GB" altLang="da-DK" sz="1600" dirty="0"/>
               <a:t>In a bachelor project there is little time to throw large chunks of work away</a:t>
             </a:r>
           </a:p>
@@ -6151,7 +6086,7 @@
               </a:spcBef>
             </a:pPr>
             <a:r>
-              <a:rPr lang="en-GB" altLang="da-DK" sz="1600" dirty="0" smtClean="0"/>
+              <a:rPr lang="en-GB" altLang="da-DK" sz="1600" dirty="0"/>
               <a:t>One of the last work tasks may be less trivial and with a more uncertain outcome</a:t>
             </a:r>
           </a:p>
@@ -6162,10 +6097,9 @@
               </a:spcBef>
             </a:pPr>
             <a:r>
-              <a:rPr lang="en-GB" altLang="da-DK" sz="1600" dirty="0" smtClean="0"/>
+              <a:rPr lang="en-GB" altLang="da-DK" sz="1600" dirty="0"/>
               <a:t>If you are lucky (and smart), you will finish that task, but if you fail you will still have a decent bachelor report</a:t>
             </a:r>
-            <a:endParaRPr lang="en-GB" altLang="da-DK" sz="1600" dirty="0"/>
           </a:p>
         </p:txBody>
       </p:sp>
@@ -6208,13 +6142,6 @@
   <p:clrMapOvr>
     <a:masterClrMapping/>
   </p:clrMapOvr>
-  <p:timing>
-    <p:tnLst>
-      <p:par>
-        <p:cTn id="1" dur="indefinite" restart="never" nodeType="tmRoot"/>
-      </p:par>
-    </p:tnLst>
-  </p:timing>
 </p:sld>
 </file>
 
@@ -6259,7 +6186,7 @@
               <a:defRPr/>
             </a:pPr>
             <a:r>
-              <a:rPr lang="en-GB" altLang="da-DK" sz="2800" dirty="0" smtClean="0"/>
+              <a:rPr lang="en-GB" altLang="da-DK" sz="2800" dirty="0"/>
               <a:t>Typical time plan</a:t>
             </a:r>
           </a:p>
@@ -6294,7 +6221,7 @@
               <a:buChar char="•"/>
             </a:pPr>
             <a:r>
-              <a:rPr lang="en-GB" altLang="da-DK" sz="1800" b="1" dirty="0" smtClean="0">
+              <a:rPr lang="en-GB" altLang="da-DK" sz="1800" b="1" dirty="0">
                 <a:solidFill>
                   <a:srgbClr val="A50021"/>
                 </a:solidFill>
@@ -6302,21 +6229,15 @@
               </a:rPr>
               <a:t>First week of February (15 hours)</a:t>
             </a:r>
-            <a:endParaRPr lang="en-GB" altLang="da-DK" sz="1800" b="1" dirty="0">
-              <a:solidFill>
-                <a:srgbClr val="A50021"/>
-              </a:solidFill>
-              <a:cs typeface="ＭＳ Ｐゴシック" charset="0"/>
-            </a:endParaRPr>
-          </a:p>
-          <a:p>
-            <a:pPr marL="728663" lvl="1" indent="-271463">
-              <a:spcBef>
-                <a:spcPts val="300"/>
-              </a:spcBef>
-            </a:pPr>
-            <a:r>
-              <a:rPr lang="en-GB" altLang="da-DK" sz="1500" dirty="0" smtClean="0"/>
+          </a:p>
+          <a:p>
+            <a:pPr marL="728663" lvl="1" indent="-271463">
+              <a:spcBef>
+                <a:spcPts val="300"/>
+              </a:spcBef>
+            </a:pPr>
+            <a:r>
+              <a:rPr lang="en-GB" altLang="da-DK" sz="1500" dirty="0"/>
               <a:t>Planning of activities, including the production of the bachelor project contract</a:t>
             </a:r>
           </a:p>
@@ -6335,41 +6256,8 @@
                 </a:solidFill>
                 <a:cs typeface="ＭＳ Ｐゴシック" charset="0"/>
               </a:rPr>
-              <a:t>Rest of February and first half of March </a:t>
-            </a:r>
-            <a:r>
-              <a:rPr lang="en-GB" altLang="da-DK" sz="1800" b="1" dirty="0" smtClean="0">
-                <a:solidFill>
-                  <a:srgbClr val="A50021"/>
-                </a:solidFill>
-                <a:cs typeface="ＭＳ Ｐゴシック" charset="0"/>
-              </a:rPr>
-              <a:t>(5 </a:t>
-            </a:r>
-            <a:r>
-              <a:rPr lang="en-GB" altLang="da-DK" sz="1800" b="1" dirty="0">
-                <a:solidFill>
-                  <a:srgbClr val="A50021"/>
-                </a:solidFill>
-                <a:cs typeface="ＭＳ Ｐゴシック" charset="0"/>
-              </a:rPr>
-              <a:t>x </a:t>
-            </a:r>
-            <a:r>
-              <a:rPr lang="en-GB" altLang="da-DK" sz="1800" b="1" dirty="0" smtClean="0">
-                <a:solidFill>
-                  <a:srgbClr val="A50021"/>
-                </a:solidFill>
-                <a:cs typeface="ＭＳ Ｐゴシック" charset="0"/>
-              </a:rPr>
-              <a:t>10 hours = 50 hours)</a:t>
-            </a:r>
-            <a:endParaRPr lang="en-GB" altLang="da-DK" sz="1800" b="1" dirty="0">
-              <a:solidFill>
-                <a:srgbClr val="A50021"/>
-              </a:solidFill>
-              <a:cs typeface="ＭＳ Ｐゴシック" charset="0"/>
-            </a:endParaRPr>
+              <a:t>Rest of February and first half of March (5 x 10 hours = 50 hours)</a:t>
+            </a:r>
           </a:p>
           <a:p>
             <a:pPr marL="728663" lvl="1" indent="-271463">
@@ -6381,11 +6269,7 @@
             </a:pPr>
             <a:r>
               <a:rPr lang="en-GB" altLang="da-DK" sz="1500" dirty="0"/>
-              <a:t>Read literature (one or more scientific papers</a:t>
-            </a:r>
-            <a:r>
-              <a:rPr lang="en-GB" altLang="da-DK" sz="1500" dirty="0" smtClean="0"/>
-              <a:t>)</a:t>
+              <a:t>Read literature (one or more scientific papers)</a:t>
             </a:r>
           </a:p>
           <a:p>
@@ -6396,15 +6280,7 @@
             </a:pPr>
             <a:r>
               <a:rPr lang="en-GB" altLang="da-DK" sz="1500" spc="-40" dirty="0"/>
-              <a:t>At the end of the </a:t>
-            </a:r>
-            <a:r>
-              <a:rPr lang="en-GB" altLang="da-DK" sz="1500" spc="-40" dirty="0" smtClean="0"/>
-              <a:t>period, </a:t>
-            </a:r>
-            <a:r>
-              <a:rPr lang="en-GB" altLang="da-DK" sz="1500" spc="-40" dirty="0"/>
-              <a:t>there should be a draft of the corresponding section in your final report</a:t>
+              <a:t>At the end of the period, there should be a draft of the corresponding section in your final report</a:t>
             </a:r>
           </a:p>
           <a:p>
@@ -6422,71 +6298,19 @@
                 </a:solidFill>
                 <a:cs typeface="ＭＳ Ｐゴシック" charset="0"/>
               </a:rPr>
-              <a:t>Rest of March and first week of April </a:t>
-            </a:r>
-            <a:r>
-              <a:rPr lang="en-GB" altLang="da-DK" sz="1800" b="1" dirty="0" smtClean="0">
-                <a:solidFill>
-                  <a:srgbClr val="A50021"/>
-                </a:solidFill>
-                <a:cs typeface="ＭＳ Ｐゴシック" charset="0"/>
-              </a:rPr>
-              <a:t>(1 </a:t>
-            </a:r>
-            <a:r>
-              <a:rPr lang="en-GB" altLang="da-DK" sz="1800" b="1" dirty="0">
-                <a:solidFill>
-                  <a:srgbClr val="A50021"/>
-                </a:solidFill>
-                <a:cs typeface="ＭＳ Ｐゴシック" charset="0"/>
-              </a:rPr>
-              <a:t>* </a:t>
-            </a:r>
-            <a:r>
-              <a:rPr lang="en-GB" altLang="da-DK" sz="1800" b="1" dirty="0" smtClean="0">
-                <a:solidFill>
-                  <a:srgbClr val="A50021"/>
-                </a:solidFill>
-                <a:cs typeface="ＭＳ Ｐゴシック" charset="0"/>
-              </a:rPr>
-              <a:t>10 </a:t>
-            </a:r>
-            <a:r>
-              <a:rPr lang="en-GB" altLang="da-DK" sz="1800" b="1" dirty="0">
-                <a:solidFill>
-                  <a:srgbClr val="A50021"/>
-                </a:solidFill>
-                <a:cs typeface="ＭＳ Ｐゴシック" charset="0"/>
-              </a:rPr>
-              <a:t>+ 2 * </a:t>
-            </a:r>
-            <a:r>
-              <a:rPr lang="en-GB" altLang="da-DK" sz="1800" b="1" dirty="0" smtClean="0">
-                <a:solidFill>
-                  <a:srgbClr val="A50021"/>
-                </a:solidFill>
-                <a:cs typeface="ＭＳ Ｐゴシック" charset="0"/>
-              </a:rPr>
-              <a:t>25 hours = 60 hours)</a:t>
-            </a:r>
-            <a:endParaRPr lang="en-GB" altLang="da-DK" sz="1800" b="1" dirty="0">
-              <a:solidFill>
-                <a:srgbClr val="A50021"/>
-              </a:solidFill>
-              <a:cs typeface="ＭＳ Ｐゴシック" charset="0"/>
-            </a:endParaRPr>
-          </a:p>
-          <a:p>
-            <a:pPr marL="728663" lvl="1" indent="-271463">
-              <a:spcBef>
-                <a:spcPts val="300"/>
-              </a:spcBef>
-            </a:pPr>
-            <a:r>
-              <a:rPr lang="en-GB" altLang="da-DK" sz="1500" dirty="0" smtClean="0"/>
+              <a:t>Rest of March and first week of April (1 * 10 + 2 * 25 hours = 60 hours)</a:t>
+            </a:r>
+          </a:p>
+          <a:p>
+            <a:pPr marL="728663" lvl="1" indent="-271463">
+              <a:spcBef>
+                <a:spcPts val="300"/>
+              </a:spcBef>
+            </a:pPr>
+            <a:r>
+              <a:rPr lang="en-GB" altLang="da-DK" sz="1500" dirty="0"/>
               <a:t>Completion of task A</a:t>
             </a:r>
-            <a:endParaRPr lang="en-GB" altLang="da-DK" sz="1500" dirty="0"/>
           </a:p>
           <a:p>
             <a:pPr marL="728663" lvl="1" indent="-271463">
@@ -6496,15 +6320,7 @@
             </a:pPr>
             <a:r>
               <a:rPr lang="en-GB" altLang="da-DK" sz="1500" spc="-40" dirty="0"/>
-              <a:t>At the end of the </a:t>
-            </a:r>
-            <a:r>
-              <a:rPr lang="en-GB" altLang="da-DK" sz="1500" spc="-40" dirty="0" smtClean="0"/>
-              <a:t>period, </a:t>
-            </a:r>
-            <a:r>
-              <a:rPr lang="en-GB" altLang="da-DK" sz="1500" spc="-40" dirty="0"/>
-              <a:t>there should be a draft of the corresponding section in your final report</a:t>
+              <a:t>At the end of the period, there should be a draft of the corresponding section in your final report</a:t>
             </a:r>
           </a:p>
           <a:p>
@@ -6522,23 +6338,8 @@
                 </a:solidFill>
                 <a:cs typeface="ＭＳ Ｐゴシック" charset="0"/>
               </a:rPr>
-              <a:t>Rest of April (3 * </a:t>
-            </a:r>
-            <a:r>
-              <a:rPr lang="en-GB" altLang="da-DK" sz="1800" b="1" dirty="0" smtClean="0">
-                <a:solidFill>
-                  <a:srgbClr val="A50021"/>
-                </a:solidFill>
-                <a:cs typeface="ＭＳ Ｐゴシック" charset="0"/>
-              </a:rPr>
-              <a:t>25 hours = 75 hours)</a:t>
-            </a:r>
-            <a:endParaRPr lang="en-GB" altLang="da-DK" sz="1800" b="1" dirty="0">
-              <a:solidFill>
-                <a:srgbClr val="A50021"/>
-              </a:solidFill>
-              <a:cs typeface="ＭＳ Ｐゴシック" charset="0"/>
-            </a:endParaRPr>
+              <a:t>Rest of April (3 * 25 hours = 75 hours)</a:t>
+            </a:r>
           </a:p>
           <a:p>
             <a:pPr marL="728663" lvl="1" indent="-271463">
@@ -6559,15 +6360,7 @@
             </a:pPr>
             <a:r>
               <a:rPr lang="en-GB" altLang="da-DK" sz="1500" spc="-40" dirty="0"/>
-              <a:t>At the end of the </a:t>
-            </a:r>
-            <a:r>
-              <a:rPr lang="en-GB" altLang="da-DK" sz="1500" spc="-40" dirty="0" smtClean="0"/>
-              <a:t>period, </a:t>
-            </a:r>
-            <a:r>
-              <a:rPr lang="en-GB" altLang="da-DK" sz="1500" spc="-40" dirty="0"/>
-              <a:t>there should be a draft of the corresponding section in your final report</a:t>
+              <a:t>At the end of the period, there should be a draft of the corresponding section in your final report</a:t>
             </a:r>
           </a:p>
           <a:p>
@@ -6585,23 +6378,8 @@
                 </a:solidFill>
                 <a:cs typeface="ＭＳ Ｐゴシック" charset="0"/>
               </a:rPr>
-              <a:t>First three weeks of May (3 * </a:t>
-            </a:r>
-            <a:r>
-              <a:rPr lang="en-GB" altLang="da-DK" sz="1800" b="1" dirty="0" smtClean="0">
-                <a:solidFill>
-                  <a:srgbClr val="A50021"/>
-                </a:solidFill>
-                <a:cs typeface="ＭＳ Ｐゴシック" charset="0"/>
-              </a:rPr>
-              <a:t>25 hours = 75 hours)</a:t>
-            </a:r>
-            <a:endParaRPr lang="en-GB" altLang="da-DK" sz="1800" b="1" dirty="0">
-              <a:solidFill>
-                <a:srgbClr val="A50021"/>
-              </a:solidFill>
-              <a:cs typeface="ＭＳ Ｐゴシック" charset="0"/>
-            </a:endParaRPr>
+              <a:t>First three weeks of May (3 * 25 hours = 75 hours)</a:t>
+            </a:r>
           </a:p>
           <a:p>
             <a:pPr marL="728663" lvl="1" indent="-271463">
@@ -6611,13 +6389,8 @@
             </a:pPr>
             <a:r>
               <a:rPr lang="en-GB" altLang="da-DK" sz="1500" dirty="0"/>
-              <a:t>Completion of task </a:t>
-            </a:r>
-            <a:r>
-              <a:rPr lang="en-GB" altLang="da-DK" sz="1500" dirty="0" smtClean="0"/>
-              <a:t>C</a:t>
-            </a:r>
-            <a:endParaRPr lang="en-GB" altLang="da-DK" sz="1500" dirty="0"/>
+              <a:t>Completion of task C</a:t>
+            </a:r>
           </a:p>
           <a:p>
             <a:pPr marL="728663" lvl="1" indent="-271463">
@@ -6627,15 +6400,7 @@
             </a:pPr>
             <a:r>
               <a:rPr lang="en-GB" altLang="da-DK" sz="1500" spc="-40" dirty="0"/>
-              <a:t>At the end of the </a:t>
-            </a:r>
-            <a:r>
-              <a:rPr lang="en-GB" altLang="da-DK" sz="1500" spc="-40" dirty="0" smtClean="0"/>
-              <a:t>period, </a:t>
-            </a:r>
-            <a:r>
-              <a:rPr lang="en-GB" altLang="da-DK" sz="1500" spc="-40" dirty="0"/>
-              <a:t>there should be a draft of the corresponding section in your final report</a:t>
+              <a:t>At the end of the period, there should be a draft of the corresponding section in your final report</a:t>
             </a:r>
           </a:p>
           <a:p>
@@ -6653,77 +6418,8 @@
                 </a:solidFill>
                 <a:cs typeface="ＭＳ Ｐゴシック" charset="0"/>
               </a:rPr>
-              <a:t>Last week of </a:t>
-            </a:r>
-            <a:r>
-              <a:rPr lang="en-GB" altLang="da-DK" sz="1800" b="1" dirty="0" smtClean="0">
-                <a:solidFill>
-                  <a:srgbClr val="A50021"/>
-                </a:solidFill>
-                <a:cs typeface="ＭＳ Ｐゴシック" charset="0"/>
-              </a:rPr>
-              <a:t>May </a:t>
-            </a:r>
-            <a:r>
-              <a:rPr lang="en-GB" altLang="da-DK" sz="1800" b="1" dirty="0">
-                <a:solidFill>
-                  <a:srgbClr val="A50021"/>
-                </a:solidFill>
-                <a:cs typeface="ＭＳ Ｐゴシック" charset="0"/>
-              </a:rPr>
-              <a:t>and first </a:t>
-            </a:r>
-            <a:r>
-              <a:rPr lang="en-GB" altLang="da-DK" sz="1800" b="1" dirty="0" smtClean="0">
-                <a:solidFill>
-                  <a:srgbClr val="A50021"/>
-                </a:solidFill>
-                <a:cs typeface="ＭＳ Ｐゴシック" charset="0"/>
-              </a:rPr>
-              <a:t>week </a:t>
-            </a:r>
-            <a:r>
-              <a:rPr lang="en-GB" altLang="da-DK" sz="1800" b="1" dirty="0">
-                <a:solidFill>
-                  <a:srgbClr val="A50021"/>
-                </a:solidFill>
-                <a:cs typeface="ＭＳ Ｐゴシック" charset="0"/>
-              </a:rPr>
-              <a:t>of June </a:t>
-            </a:r>
-            <a:r>
-              <a:rPr lang="en-GB" altLang="da-DK" sz="1800" b="1" dirty="0" smtClean="0">
-                <a:solidFill>
-                  <a:srgbClr val="A50021"/>
-                </a:solidFill>
-                <a:cs typeface="ＭＳ Ｐゴシック" charset="0"/>
-              </a:rPr>
-              <a:t>(2 </a:t>
-            </a:r>
-            <a:r>
-              <a:rPr lang="en-GB" altLang="da-DK" sz="1800" b="1" dirty="0">
-                <a:solidFill>
-                  <a:srgbClr val="A50021"/>
-                </a:solidFill>
-                <a:cs typeface="ＭＳ Ｐゴシック" charset="0"/>
-              </a:rPr>
-              <a:t>* </a:t>
-            </a:r>
-            <a:r>
-              <a:rPr lang="en-GB" altLang="da-DK" sz="1800" b="1" dirty="0" smtClean="0">
-                <a:solidFill>
-                  <a:srgbClr val="A50021"/>
-                </a:solidFill>
-                <a:cs typeface="ＭＳ Ｐゴシック" charset="0"/>
-              </a:rPr>
-              <a:t>25 hours = 50 hours)</a:t>
-            </a:r>
-            <a:endParaRPr lang="en-GB" altLang="da-DK" sz="1800" b="1" dirty="0">
-              <a:solidFill>
-                <a:srgbClr val="A50021"/>
-              </a:solidFill>
-              <a:cs typeface="ＭＳ Ｐゴシック" charset="0"/>
-            </a:endParaRPr>
+              <a:t>Last week of May and first week of June (2 * 25 hours = 50 hours)</a:t>
+            </a:r>
           </a:p>
           <a:p>
             <a:pPr marL="728663" lvl="1" indent="-271463">
@@ -6733,28 +6429,15 @@
             </a:pPr>
             <a:r>
               <a:rPr lang="en-GB" altLang="da-DK" sz="1500" dirty="0"/>
-              <a:t>Write the missing </a:t>
-            </a:r>
-            <a:r>
-              <a:rPr lang="en-GB" altLang="da-DK" sz="1500" dirty="0" smtClean="0"/>
-              <a:t>parts, put drafts together, make </a:t>
-            </a:r>
-            <a:r>
+              <a:t>Write the missing parts, put drafts together, make things consistent, and do a lot of</a:t>
+            </a:r>
+            <a:br>
               <a:rPr lang="en-GB" altLang="da-DK" sz="1500" dirty="0"/>
-              <a:t>things </a:t>
-            </a:r>
-            <a:r>
-              <a:rPr lang="en-GB" altLang="da-DK" sz="1500" dirty="0" smtClean="0"/>
-              <a:t>consistent, and do a lot of</a:t>
-            </a:r>
-            <a:br>
-              <a:rPr lang="en-GB" altLang="da-DK" sz="1500" dirty="0" smtClean="0"/>
             </a:br>
             <a:r>
-              <a:rPr lang="en-GB" altLang="da-DK" sz="1500" dirty="0" smtClean="0"/>
+              <a:rPr lang="en-GB" altLang="da-DK" sz="1500" dirty="0"/>
               <a:t>proof reading</a:t>
             </a:r>
-            <a:endParaRPr lang="en-GB" altLang="da-DK" sz="1500" dirty="0"/>
           </a:p>
         </p:txBody>
       </p:sp>
@@ -6797,13 +6480,6 @@
   <p:clrMapOvr>
     <a:masterClrMapping/>
   </p:clrMapOvr>
-  <p:timing>
-    <p:tnLst>
-      <p:par>
-        <p:cTn id="1" dur="indefinite" restart="never" nodeType="tmRoot"/>
-      </p:par>
-    </p:tnLst>
-  </p:timing>
 </p:sld>
 </file>
 
@@ -6848,7 +6524,7 @@
               <a:defRPr/>
             </a:pPr>
             <a:r>
-              <a:rPr lang="en-GB" altLang="da-DK" sz="2800" dirty="0" smtClean="0"/>
+              <a:rPr lang="en-GB" altLang="da-DK" sz="2800" dirty="0"/>
               <a:t>Typical table of contents</a:t>
             </a:r>
           </a:p>
@@ -6883,7 +6559,7 @@
               <a:buChar char="•"/>
             </a:pPr>
             <a:r>
-              <a:rPr lang="en-GB" altLang="da-DK" sz="1800" b="1" dirty="0" smtClean="0">
+              <a:rPr lang="en-GB" altLang="da-DK" sz="1800" b="1" dirty="0">
                 <a:solidFill>
                   <a:srgbClr val="A50021"/>
                 </a:solidFill>
@@ -6898,16 +6574,7 @@
                 </a:solidFill>
                 <a:cs typeface="ＭＳ Ｐゴシック" charset="0"/>
               </a:rPr>
-              <a:t>he size of the report is maximum 30 pages (excluding front page, abstract, table of contents, appendix and bibliography</a:t>
-            </a:r>
-            <a:r>
-              <a:rPr lang="en-US" sz="1800" b="1" dirty="0" smtClean="0">
-                <a:solidFill>
-                  <a:srgbClr val="A50021"/>
-                </a:solidFill>
-                <a:cs typeface="ＭＳ Ｐゴシック" charset="0"/>
-              </a:rPr>
-              <a:t>)</a:t>
+              <a:t>he size of the report is maximum 30 pages (excluding front page, abstract, table of contents, appendix and bibliography)</a:t>
             </a:r>
             <a:endParaRPr lang="en-GB" altLang="da-DK" sz="1800" b="1" dirty="0">
               <a:solidFill>
@@ -6939,13 +6606,8 @@
             </a:pPr>
             <a:r>
               <a:rPr lang="en-GB" altLang="da-DK" sz="1600" dirty="0"/>
-              <a:t>Section 2: Review of literature (4-8 pages</a:t>
-            </a:r>
-            <a:r>
-              <a:rPr lang="en-GB" altLang="da-DK" sz="1600" dirty="0" smtClean="0"/>
-              <a:t>)</a:t>
-            </a:r>
-            <a:endParaRPr lang="en-GB" altLang="da-DK" sz="1600" dirty="0"/>
+              <a:t>Section 2: Review of literature (4-8 pages)</a:t>
+            </a:r>
           </a:p>
           <a:p>
             <a:pPr marL="728663" lvl="1" indent="-271463">
@@ -7048,15 +6710,7 @@
             </a:pPr>
             <a:r>
               <a:rPr lang="en-GB" altLang="da-DK" sz="1600" dirty="0"/>
-              <a:t>Appendix with programming code, tables, full proofs, </a:t>
-            </a:r>
-            <a:r>
-              <a:rPr lang="en-GB" altLang="da-DK" sz="1600" dirty="0" smtClean="0"/>
-              <a:t>etc. </a:t>
-            </a:r>
-            <a:r>
-              <a:rPr lang="en-GB" altLang="da-DK" sz="1600" dirty="0"/>
-              <a:t>(5-20 pages)</a:t>
+              <a:t>Appendix with programming code, tables, full proofs, etc. (5-20 pages)</a:t>
             </a:r>
           </a:p>
           <a:p>
@@ -7122,7 +6776,7 @@
               <a:buChar char="–"/>
             </a:pPr>
             <a:r>
-              <a:rPr lang="en-GB" altLang="da-DK" sz="1600" dirty="0" smtClean="0"/>
+              <a:rPr lang="en-GB" altLang="da-DK" sz="1600" dirty="0"/>
               <a:t>Critical things </a:t>
             </a:r>
             <a:r>
@@ -7134,11 +6788,11 @@
               <a:t>must</a:t>
             </a:r>
             <a:r>
-              <a:rPr lang="en-GB" altLang="da-DK" sz="1600" dirty="0" smtClean="0"/>
+              <a:rPr lang="en-GB" altLang="da-DK" sz="1600" dirty="0"/>
               <a:t> be in the </a:t>
             </a:r>
             <a:r>
-              <a:rPr lang="en-GB" altLang="da-DK" sz="1600" b="1" dirty="0" smtClean="0">
+              <a:rPr lang="en-GB" altLang="da-DK" sz="1600" b="1" dirty="0">
                 <a:solidFill>
                   <a:srgbClr val="008000"/>
                 </a:solidFill>
@@ -7146,7 +6800,7 @@
               <a:t>main part</a:t>
             </a:r>
             <a:r>
-              <a:rPr lang="en-GB" altLang="da-DK" sz="1600" dirty="0" smtClean="0"/>
+              <a:rPr lang="en-GB" altLang="da-DK" sz="1600" dirty="0"/>
               <a:t> of your report</a:t>
             </a:r>
           </a:p>
@@ -7159,7 +6813,7 @@
               <a:buChar char="–"/>
             </a:pPr>
             <a:r>
-              <a:rPr lang="en-GB" altLang="da-DK" sz="1600" dirty="0" smtClean="0"/>
+              <a:rPr lang="en-GB" altLang="da-DK" sz="1600" dirty="0"/>
               <a:t>The appendix is for readers who want to study additional details</a:t>
             </a:r>
           </a:p>
@@ -7172,7 +6826,7 @@
               <a:buChar char="–"/>
             </a:pPr>
             <a:r>
-              <a:rPr lang="en-GB" altLang="da-DK" sz="1600" dirty="0" smtClean="0"/>
+              <a:rPr lang="en-GB" altLang="da-DK" sz="1600" dirty="0"/>
               <a:t>Censor will probably only take a quick glance at the appendix</a:t>
             </a:r>
           </a:p>
@@ -7185,76 +6839,13 @@
               <a:buChar char="•"/>
             </a:pPr>
             <a:r>
-              <a:rPr lang="en-GB" altLang="da-DK" sz="1800" b="1" dirty="0" smtClean="0">
+              <a:rPr lang="en-GB" altLang="da-DK" sz="1800" b="1" dirty="0">
                 <a:solidFill>
                   <a:srgbClr val="A50021"/>
                 </a:solidFill>
                 <a:cs typeface="ＭＳ Ｐゴシック" charset="0"/>
               </a:rPr>
-              <a:t>Figures, program code, </a:t>
-            </a:r>
-            <a:r>
-              <a:rPr lang="en-GB" altLang="da-DK" sz="1800" b="1" dirty="0">
-                <a:solidFill>
-                  <a:srgbClr val="A50021"/>
-                </a:solidFill>
-                <a:cs typeface="ＭＳ Ｐゴシック" charset="0"/>
-              </a:rPr>
-              <a:t>etc. should be in a size </a:t>
-            </a:r>
-            <a:r>
-              <a:rPr lang="en-GB" altLang="da-DK" sz="1800" b="1" dirty="0" smtClean="0">
-                <a:solidFill>
-                  <a:srgbClr val="A50021"/>
-                </a:solidFill>
-                <a:cs typeface="ＭＳ Ｐゴシック" charset="0"/>
-              </a:rPr>
-              <a:t>which </a:t>
-            </a:r>
-            <a:r>
-              <a:rPr lang="en-GB" altLang="da-DK" sz="1800" b="1" dirty="0">
-                <a:solidFill>
-                  <a:srgbClr val="A50021"/>
-                </a:solidFill>
-                <a:cs typeface="ＭＳ Ｐゴシック" charset="0"/>
-              </a:rPr>
-              <a:t>is </a:t>
-            </a:r>
-            <a:r>
-              <a:rPr lang="en-GB" altLang="da-DK" sz="1800" b="1" dirty="0" smtClean="0">
-                <a:solidFill>
-                  <a:srgbClr val="A50021"/>
-                </a:solidFill>
-                <a:cs typeface="ＭＳ Ｐゴシック" charset="0"/>
-              </a:rPr>
-              <a:t>readable for ordinary people </a:t>
-            </a:r>
-            <a:r>
-              <a:rPr lang="en-GB" altLang="da-DK" sz="1800" b="1" dirty="0">
-                <a:solidFill>
-                  <a:srgbClr val="A50021"/>
-                </a:solidFill>
-                <a:cs typeface="ＭＳ Ｐゴシック" charset="0"/>
-              </a:rPr>
-              <a:t>– without </a:t>
-            </a:r>
-            <a:r>
-              <a:rPr lang="en-GB" altLang="da-DK" sz="1800" b="1" dirty="0" smtClean="0">
-                <a:solidFill>
-                  <a:srgbClr val="A50021"/>
-                </a:solidFill>
-                <a:cs typeface="ＭＳ Ｐゴシック" charset="0"/>
-              </a:rPr>
-              <a:t>magnifying </a:t>
-            </a:r>
-            <a:r>
-              <a:rPr lang="en-GB" altLang="da-DK" sz="1800" b="1" dirty="0">
-                <a:solidFill>
-                  <a:srgbClr val="A50021"/>
-                </a:solidFill>
-                <a:cs typeface="ＭＳ Ｐゴシック" charset="0"/>
-              </a:rPr>
-              <a:t>glass</a:t>
+              <a:t>Figures, program code, etc. should be in a size which is readable for ordinary people – without magnifying glass</a:t>
             </a:r>
           </a:p>
         </p:txBody>
@@ -7298,13 +6889,6 @@
   <p:clrMapOvr>
     <a:masterClrMapping/>
   </p:clrMapOvr>
-  <p:timing>
-    <p:tnLst>
-      <p:par>
-        <p:cTn id="1" dur="indefinite" restart="never" nodeType="tmRoot"/>
-      </p:par>
-    </p:tnLst>
-  </p:timing>
 </p:sld>
 </file>
 
@@ -7349,7 +6933,7 @@
               <a:defRPr/>
             </a:pPr>
             <a:r>
-              <a:rPr lang="en-GB" altLang="da-DK" sz="2800" dirty="0" smtClean="0"/>
+              <a:rPr lang="en-GB" altLang="da-DK" sz="2800" dirty="0"/>
               <a:t>The bachelor report is extremely important</a:t>
             </a:r>
           </a:p>
@@ -7390,97 +6974,44 @@
                 </a:solidFill>
                 <a:cs typeface="ＭＳ Ｐゴシック" charset="0"/>
               </a:rPr>
-              <a:t>Together with </a:t>
-            </a:r>
-            <a:r>
-              <a:rPr lang="en-GB" altLang="da-DK" sz="1800" b="1" dirty="0" smtClean="0">
+              <a:t>Together with your oral presentation at the exam, the bachelor report is the </a:t>
+            </a:r>
+            <a:r>
+              <a:rPr lang="en-GB" altLang="da-DK" sz="1800" b="1" dirty="0">
+                <a:solidFill>
+                  <a:srgbClr val="008000"/>
+                </a:solidFill>
+                <a:cs typeface="ＭＳ Ｐゴシック" charset="0"/>
+              </a:rPr>
+              <a:t>only thing</a:t>
+            </a:r>
+            <a:r>
+              <a:rPr lang="en-GB" altLang="da-DK" sz="1800" b="1" dirty="0">
                 <a:solidFill>
                   <a:srgbClr val="A50021"/>
                 </a:solidFill>
                 <a:cs typeface="ＭＳ Ｐゴシック" charset="0"/>
               </a:rPr>
-              <a:t>your </a:t>
-            </a:r>
-            <a:r>
-              <a:rPr lang="en-GB" altLang="da-DK" sz="1800" b="1" dirty="0">
-                <a:solidFill>
-                  <a:srgbClr val="A50021"/>
-                </a:solidFill>
-                <a:cs typeface="ＭＳ Ｐゴシック" charset="0"/>
-              </a:rPr>
-              <a:t>oral presentation at the </a:t>
-            </a:r>
-            <a:r>
-              <a:rPr lang="en-GB" altLang="da-DK" sz="1800" b="1" dirty="0" smtClean="0">
-                <a:solidFill>
-                  <a:srgbClr val="A50021"/>
-                </a:solidFill>
-                <a:cs typeface="ＭＳ Ｐゴシック" charset="0"/>
-              </a:rPr>
-              <a:t>exam, the bachelor report is the </a:t>
-            </a:r>
-            <a:r>
-              <a:rPr lang="en-GB" altLang="da-DK" sz="1800" b="1" dirty="0">
+              <a:t> that censor sees and evaluates</a:t>
+            </a:r>
+          </a:p>
+          <a:p>
+            <a:pPr marL="728663" lvl="1" indent="-271463">
+              <a:spcBef>
+                <a:spcPts val="300"/>
+              </a:spcBef>
+            </a:pPr>
+            <a:r>
+              <a:rPr lang="en-GB" altLang="da-DK" sz="1600" dirty="0"/>
+              <a:t>Hence, you should be sure to have </a:t>
+            </a:r>
+            <a:r>
+              <a:rPr lang="en-GB" altLang="da-DK" sz="1600" b="1" dirty="0">
                 <a:solidFill>
                   <a:srgbClr val="008000"/>
                 </a:solidFill>
-                <a:cs typeface="ＭＳ Ｐゴシック" charset="0"/>
-              </a:rPr>
-              <a:t>only thing</a:t>
-            </a:r>
-            <a:r>
-              <a:rPr lang="en-GB" altLang="da-DK" sz="1800" b="1" dirty="0">
-                <a:solidFill>
-                  <a:srgbClr val="A50021"/>
-                </a:solidFill>
-                <a:cs typeface="ＭＳ Ｐゴシック" charset="0"/>
-              </a:rPr>
-              <a:t> </a:t>
-            </a:r>
-            <a:r>
-              <a:rPr lang="en-GB" altLang="da-DK" sz="1800" b="1" dirty="0" smtClean="0">
-                <a:solidFill>
-                  <a:srgbClr val="A50021"/>
-                </a:solidFill>
-                <a:cs typeface="ＭＳ Ｐゴシック" charset="0"/>
-              </a:rPr>
-              <a:t>that </a:t>
-            </a:r>
-            <a:r>
-              <a:rPr lang="en-GB" altLang="da-DK" sz="1800" b="1" dirty="0">
-                <a:solidFill>
-                  <a:srgbClr val="A50021"/>
-                </a:solidFill>
-                <a:cs typeface="ＭＳ Ｐゴシック" charset="0"/>
-              </a:rPr>
-              <a:t>censor sees and evaluates</a:t>
-            </a:r>
-          </a:p>
-          <a:p>
-            <a:pPr marL="728663" lvl="1" indent="-271463">
-              <a:spcBef>
-                <a:spcPts val="300"/>
-              </a:spcBef>
-            </a:pPr>
-            <a:r>
-              <a:rPr lang="en-GB" altLang="da-DK" sz="1600" dirty="0"/>
-              <a:t>Hence, you should be sure to have </a:t>
-            </a:r>
-            <a:r>
-              <a:rPr lang="en-GB" altLang="da-DK" sz="1600" b="1" dirty="0" smtClean="0">
-                <a:solidFill>
-                  <a:srgbClr val="008000"/>
-                </a:solidFill>
-              </a:rPr>
-              <a:t>plenty of </a:t>
-            </a:r>
-            <a:r>
-              <a:rPr lang="en-GB" altLang="da-DK" sz="1600" b="1" dirty="0">
-                <a:solidFill>
-                  <a:srgbClr val="008000"/>
-                </a:solidFill>
-              </a:rPr>
-              <a:t>time</a:t>
+              </a:rPr>
+              <a:t>plenty of time</a:t>
             </a:r>
             <a:r>
               <a:rPr lang="en-GB" altLang="da-DK" sz="1600" dirty="0"/>
@@ -7494,7 +7025,7 @@
               </a:spcBef>
             </a:pPr>
             <a:r>
-              <a:rPr lang="en-GB" altLang="da-DK" sz="1600" dirty="0" smtClean="0"/>
+              <a:rPr lang="en-GB" altLang="da-DK" sz="1600" dirty="0"/>
               <a:t>It is stupid to do a lot of brilliant work that you do not have time to document in a good report, and hence get limited or no credit for it</a:t>
             </a:r>
           </a:p>
@@ -7513,19 +7044,10 @@
                 </a:solidFill>
                 <a:cs typeface="ＭＳ Ｐゴシック" charset="0"/>
               </a:rPr>
-              <a:t>T</a:t>
-            </a:r>
-            <a:r>
-              <a:rPr lang="en-GB" altLang="da-DK" sz="1800" b="1" dirty="0" smtClean="0">
-                <a:solidFill>
-                  <a:srgbClr val="A50021"/>
-                </a:solidFill>
-                <a:cs typeface="ＭＳ Ｐゴシック" charset="0"/>
-              </a:rPr>
-              <a:t>he production of the bachelor report should start </a:t>
-            </a:r>
-            <a:r>
-              <a:rPr lang="en-GB" altLang="da-DK" sz="1800" b="1" dirty="0" smtClean="0">
+              <a:t>The production of the bachelor report should start </a:t>
+            </a:r>
+            <a:r>
+              <a:rPr lang="en-GB" altLang="da-DK" sz="1800" b="1" dirty="0">
                 <a:solidFill>
                   <a:srgbClr val="008000"/>
                 </a:solidFill>
@@ -7544,19 +7066,7 @@
             </a:pPr>
             <a:r>
               <a:rPr lang="en-GB" altLang="da-DK" sz="1600" dirty="0"/>
-              <a:t>When you read </a:t>
-            </a:r>
-            <a:r>
-              <a:rPr lang="en-GB" altLang="da-DK" sz="1600" dirty="0" smtClean="0"/>
-              <a:t>literature, </a:t>
-            </a:r>
-            <a:r>
-              <a:rPr lang="en-GB" altLang="da-DK" sz="1600" dirty="0"/>
-              <a:t>write </a:t>
-            </a:r>
-            <a:r>
-              <a:rPr lang="en-GB" altLang="da-DK" sz="1600" dirty="0" smtClean="0"/>
-              <a:t>working notes about the papers you study</a:t>
+              <a:t>When you read literature, write working notes about the papers you study</a:t>
             </a:r>
           </a:p>
           <a:p>
@@ -7568,11 +7078,11 @@
               <a:buChar char="–"/>
             </a:pPr>
             <a:r>
-              <a:rPr lang="en-GB" altLang="da-DK" sz="1600" dirty="0" smtClean="0"/>
+              <a:rPr lang="en-GB" altLang="da-DK" sz="1600" dirty="0"/>
               <a:t>When you make experiments and write programs/prototypes, make section drafts </a:t>
             </a:r>
             <a:r>
-              <a:rPr lang="en-GB" altLang="da-DK" sz="1600" spc="-50" dirty="0" smtClean="0"/>
+              <a:rPr lang="en-GB" altLang="da-DK" sz="1600" spc="-50" dirty="0"/>
               <a:t>describing your efforts (remember to include arguments for major choices/decisions)</a:t>
             </a:r>
           </a:p>
@@ -7585,7 +7095,7 @@
               <a:buChar char="–"/>
             </a:pPr>
             <a:r>
-              <a:rPr lang="en-GB" altLang="da-DK" sz="1600" dirty="0" smtClean="0"/>
+              <a:rPr lang="en-GB" altLang="da-DK" sz="1600" dirty="0"/>
               <a:t>When you formulate definitions, lemmas and theorems, make them as clear and comprehensive as possible (this includes the proofs)</a:t>
             </a:r>
           </a:p>
@@ -7604,16 +7114,7 @@
                 </a:solidFill>
                 <a:cs typeface="ＭＳ Ｐゴシック" charset="0"/>
               </a:rPr>
-              <a:t>When you have finished your experiments / programming / theoretical </a:t>
-            </a:r>
-            <a:r>
-              <a:rPr lang="en-GB" altLang="da-DK" sz="1800" b="1" spc="-50" dirty="0" smtClean="0">
-                <a:solidFill>
-                  <a:srgbClr val="A50021"/>
-                </a:solidFill>
-                <a:cs typeface="ＭＳ Ｐゴシック" charset="0"/>
-              </a:rPr>
-              <a:t>work, </a:t>
+              <a:t>When you have finished your experiments / programming / theoretical work, </a:t>
             </a:r>
             <a:r>
               <a:rPr lang="en-GB" altLang="da-DK" sz="1800" b="1" spc="-50" dirty="0">
@@ -7671,48 +7172,28 @@
             </a:pPr>
             <a:r>
               <a:rPr lang="en-GB" altLang="da-DK" sz="1600" dirty="0"/>
-              <a:t>Then it </a:t>
-            </a:r>
-            <a:r>
-              <a:rPr lang="en-GB" altLang="da-DK" sz="1600" dirty="0" smtClean="0"/>
-              <a:t>is reasonably </a:t>
-            </a:r>
-            <a:r>
-              <a:rPr lang="en-GB" altLang="da-DK" sz="1600" dirty="0"/>
-              <a:t>"easy" </a:t>
-            </a:r>
-            <a:r>
-              <a:rPr lang="en-GB" altLang="da-DK" sz="1600" dirty="0" smtClean="0"/>
-              <a:t>and “fast” to </a:t>
-            </a:r>
-            <a:r>
-              <a:rPr lang="en-GB" altLang="da-DK" sz="1600" dirty="0"/>
-              <a:t>finish the report</a:t>
-            </a:r>
-          </a:p>
-          <a:p>
-            <a:pPr marL="728663" lvl="1" indent="-271463">
-              <a:spcBef>
-                <a:spcPts val="300"/>
-              </a:spcBef>
-            </a:pPr>
-            <a:r>
-              <a:rPr lang="en-GB" altLang="da-DK" sz="1600" dirty="0" smtClean="0"/>
-              <a:t>Write </a:t>
-            </a:r>
-            <a:r>
-              <a:rPr lang="en-GB" altLang="da-DK" sz="1600" dirty="0"/>
-              <a:t>the missing parts (abstract, introduction, comparison to other approaches, ideas for future work, conclusions, acknowledgements, etc.)</a:t>
-            </a:r>
-          </a:p>
-          <a:p>
-            <a:pPr marL="728663" lvl="1" indent="-271463">
-              <a:spcBef>
-                <a:spcPts val="300"/>
-              </a:spcBef>
-            </a:pPr>
-            <a:r>
-              <a:rPr lang="en-GB" altLang="da-DK" sz="1600" dirty="0" smtClean="0"/>
+              <a:t>Then it is reasonably "easy" and “fast” to finish the report</a:t>
+            </a:r>
+          </a:p>
+          <a:p>
+            <a:pPr marL="728663" lvl="1" indent="-271463">
+              <a:spcBef>
+                <a:spcPts val="300"/>
+              </a:spcBef>
+            </a:pPr>
+            <a:r>
+              <a:rPr lang="en-GB" altLang="da-DK" sz="1600" dirty="0"/>
+              <a:t>Write the missing parts (abstract, introduction, comparison to other approaches, ideas for future work, conclusions, acknowledgements, etc.)</a:t>
+            </a:r>
+          </a:p>
+          <a:p>
+            <a:pPr marL="728663" lvl="1" indent="-271463">
+              <a:spcBef>
+                <a:spcPts val="300"/>
+              </a:spcBef>
+            </a:pPr>
+            <a:r>
+              <a:rPr lang="en-GB" altLang="da-DK" sz="1600" dirty="0"/>
               <a:t>Put the working notes and drafts together to form the report</a:t>
             </a:r>
           </a:p>
@@ -7723,7 +7204,7 @@
               </a:spcBef>
             </a:pPr>
             <a:r>
-              <a:rPr lang="en-GB" altLang="da-DK" sz="1600" dirty="0" smtClean="0"/>
+              <a:rPr lang="en-GB" altLang="da-DK" sz="1600" dirty="0"/>
               <a:t>Make things consistent</a:t>
             </a:r>
           </a:p>
@@ -7734,10 +7215,9 @@
               </a:spcBef>
             </a:pPr>
             <a:r>
-              <a:rPr lang="en-GB" altLang="da-DK" sz="1600" dirty="0" smtClean="0"/>
+              <a:rPr lang="en-GB" altLang="da-DK" sz="1600" dirty="0"/>
               <a:t>Proof read to find logical and grammatical errors – and things which are unclear</a:t>
             </a:r>
-            <a:endParaRPr lang="en-GB" altLang="da-DK" sz="1600" dirty="0"/>
           </a:p>
         </p:txBody>
       </p:sp>
@@ -7780,13 +7260,6 @@
   <p:clrMapOvr>
     <a:masterClrMapping/>
   </p:clrMapOvr>
-  <p:timing>
-    <p:tnLst>
-      <p:par>
-        <p:cTn id="1" dur="indefinite" restart="never" nodeType="tmRoot"/>
-      </p:par>
-    </p:tnLst>
-  </p:timing>
 </p:sld>
 </file>
 
@@ -7831,7 +7304,7 @@
               <a:defRPr/>
             </a:pPr>
             <a:r>
-              <a:rPr lang="en-GB" altLang="da-DK" sz="2800" dirty="0" smtClean="0"/>
+              <a:rPr lang="en-GB" altLang="da-DK" sz="2800" dirty="0"/>
               <a:t>You need to write things down</a:t>
             </a:r>
           </a:p>
@@ -7866,7 +7339,7 @@
               <a:buChar char="•"/>
             </a:pPr>
             <a:r>
-              <a:rPr lang="en-GB" altLang="da-DK" sz="1800" b="1" dirty="0" smtClean="0">
+              <a:rPr lang="en-GB" altLang="da-DK" sz="1800" b="1" dirty="0">
                 <a:solidFill>
                   <a:srgbClr val="A50021"/>
                 </a:solidFill>
@@ -7884,26 +7357,18 @@
               <a:buChar char="–"/>
             </a:pPr>
             <a:r>
-              <a:rPr lang="en-GB" altLang="da-DK" sz="1600" dirty="0" smtClean="0"/>
-              <a:t>Our </a:t>
-            </a:r>
-            <a:r>
-              <a:rPr lang="en-GB" altLang="da-DK" sz="1600" dirty="0"/>
-              <a:t>memory </a:t>
-            </a:r>
-            <a:r>
-              <a:rPr lang="en-GB" altLang="da-DK" sz="1600" dirty="0" smtClean="0"/>
-              <a:t>is </a:t>
-            </a:r>
-            <a:r>
-              <a:rPr lang="en-GB" altLang="da-DK" sz="1600" b="1" dirty="0" smtClean="0">
+              <a:rPr lang="en-GB" altLang="da-DK" sz="1600" dirty="0"/>
+              <a:t>Our memory is </a:t>
+            </a:r>
+            <a:r>
+              <a:rPr lang="en-GB" altLang="da-DK" sz="1600" b="1" dirty="0">
                 <a:solidFill>
                   <a:srgbClr val="008000"/>
                 </a:solidFill>
               </a:rPr>
               <a:t>extremely limited</a:t>
             </a:r>
-            <a:endParaRPr lang="en-GB" altLang="da-DK" sz="1600" dirty="0" smtClean="0"/>
+            <a:endParaRPr lang="en-GB" altLang="da-DK" sz="1600" dirty="0"/>
           </a:p>
           <a:p>
             <a:pPr marL="728663" lvl="1" indent="-271463">
@@ -7914,11 +7379,11 @@
               <a:buChar char="–"/>
             </a:pPr>
             <a:r>
-              <a:rPr lang="en-GB" altLang="da-DK" sz="1600" dirty="0" smtClean="0"/>
+              <a:rPr lang="en-GB" altLang="da-DK" sz="1600" dirty="0"/>
               <a:t>Make </a:t>
             </a:r>
             <a:r>
-              <a:rPr lang="en-GB" altLang="da-DK" sz="1600" b="1" dirty="0" smtClean="0">
+              <a:rPr lang="en-GB" altLang="da-DK" sz="1600" b="1" dirty="0">
                 <a:solidFill>
                   <a:srgbClr val="008000"/>
                 </a:solidFill>
@@ -7926,7 +7391,7 @@
               <a:t>written notes</a:t>
             </a:r>
             <a:r>
-              <a:rPr lang="en-GB" altLang="da-DK" sz="1600" dirty="0" smtClean="0"/>
+              <a:rPr lang="en-GB" altLang="da-DK" sz="1600" dirty="0"/>
               <a:t> of all ideas, decisions, insights, etc.</a:t>
             </a:r>
           </a:p>
@@ -7939,7 +7404,7 @@
               <a:buChar char="–"/>
             </a:pPr>
             <a:r>
-              <a:rPr lang="en-GB" altLang="da-DK" sz="1600" dirty="0" smtClean="0"/>
+              <a:rPr lang="en-GB" altLang="da-DK" sz="1600" dirty="0"/>
               <a:t>In a few minutes, many of them will be forgotten – or it will take considerable time to reconstruct them</a:t>
             </a:r>
           </a:p>
@@ -7952,7 +7417,7 @@
               <a:buChar char="–"/>
             </a:pPr>
             <a:r>
-              <a:rPr lang="en-GB" altLang="da-DK" sz="1600" dirty="0" smtClean="0"/>
+              <a:rPr lang="en-GB" altLang="da-DK" sz="1600" dirty="0"/>
               <a:t>If you have a whiteboard full of ideas, take a photo</a:t>
             </a:r>
           </a:p>
@@ -7964,31 +7429,15 @@
             </a:pPr>
             <a:r>
               <a:rPr lang="en-GB" altLang="da-DK" sz="1600" dirty="0"/>
-              <a:t>If you are walking or </a:t>
-            </a:r>
-            <a:r>
-              <a:rPr lang="en-GB" altLang="da-DK" sz="1600" dirty="0" smtClean="0"/>
-              <a:t>biking, </a:t>
-            </a:r>
-            <a:r>
-              <a:rPr lang="en-GB" altLang="da-DK" sz="1600" dirty="0"/>
-              <a:t>send </a:t>
-            </a:r>
-            <a:r>
-              <a:rPr lang="en-GB" altLang="da-DK" sz="1600" dirty="0" smtClean="0"/>
-              <a:t>a text (</a:t>
-            </a:r>
-            <a:r>
-              <a:rPr lang="en-GB" altLang="da-DK" sz="1600" dirty="0" err="1" smtClean="0"/>
+              <a:t>If you are walking or biking, send a text (</a:t>
+            </a:r>
+            <a:r>
+              <a:rPr lang="en-GB" altLang="da-DK" sz="1600" dirty="0" err="1"/>
               <a:t>sms</a:t>
             </a:r>
             <a:r>
-              <a:rPr lang="en-GB" altLang="da-DK" sz="1600" dirty="0" smtClean="0"/>
-              <a:t>) </a:t>
-            </a:r>
-            <a:r>
-              <a:rPr lang="en-GB" altLang="da-DK" sz="1600" dirty="0"/>
-              <a:t>or voice message to yourself</a:t>
+              <a:rPr lang="en-GB" altLang="da-DK" sz="1600" dirty="0"/>
+              <a:t>) or voice message to yourself</a:t>
             </a:r>
           </a:p>
           <a:p>
@@ -8000,7 +7449,7 @@
               <a:buChar char="–"/>
             </a:pPr>
             <a:r>
-              <a:rPr lang="en-GB" altLang="da-DK" sz="1600" dirty="0" smtClean="0"/>
+              <a:rPr lang="en-GB" altLang="da-DK" sz="1600" dirty="0"/>
               <a:t>If you wake up in the middle of the night and have a bright idea, write a few words on a piece of paper so that you can investigate further the next day</a:t>
             </a:r>
           </a:p>
@@ -8013,31 +7462,13 @@
               <a:buChar char="•"/>
             </a:pPr>
             <a:r>
-              <a:rPr lang="en-GB" altLang="da-DK" sz="1800" b="1" dirty="0" smtClean="0">
+              <a:rPr lang="en-GB" altLang="da-DK" sz="1800" b="1" dirty="0">
                 <a:solidFill>
                   <a:srgbClr val="A50021"/>
                 </a:solidFill>
                 <a:cs typeface="ＭＳ Ｐゴシック" charset="0"/>
               </a:rPr>
-              <a:t>Taking </a:t>
-            </a:r>
-            <a:r>
-              <a:rPr lang="en-GB" altLang="da-DK" sz="1800" b="1" dirty="0">
-                <a:solidFill>
-                  <a:srgbClr val="A50021"/>
-                </a:solidFill>
-                <a:cs typeface="ＭＳ Ｐゴシック" charset="0"/>
-              </a:rPr>
-              <a:t>a break often </a:t>
-            </a:r>
-            <a:r>
-              <a:rPr lang="en-GB" altLang="da-DK" sz="1800" b="1" dirty="0" smtClean="0">
-                <a:solidFill>
-                  <a:srgbClr val="A50021"/>
-                </a:solidFill>
-                <a:cs typeface="ＭＳ Ｐゴシック" charset="0"/>
-              </a:rPr>
-              <a:t>helps</a:t>
+              <a:t>Taking a break often helps</a:t>
             </a:r>
           </a:p>
           <a:p>
@@ -8070,24 +7501,19 @@
             </a:pPr>
             <a:r>
               <a:rPr lang="en-GB" altLang="da-DK" sz="1600" dirty="0"/>
-              <a:t>Get </a:t>
-            </a:r>
-            <a:r>
-              <a:rPr lang="en-GB" altLang="da-DK" sz="1600" dirty="0" smtClean="0"/>
-              <a:t>coffee / food</a:t>
-            </a:r>
-          </a:p>
-          <a:p>
-            <a:pPr marL="728663" lvl="1" indent="-271463">
-              <a:spcBef>
-                <a:spcPts val="300"/>
-              </a:spcBef>
-            </a:pPr>
-            <a:r>
-              <a:rPr lang="en-GB" altLang="da-DK" sz="1600" dirty="0" smtClean="0"/>
+              <a:t>Get coffee / food</a:t>
+            </a:r>
+          </a:p>
+          <a:p>
+            <a:pPr marL="728663" lvl="1" indent="-271463">
+              <a:spcBef>
+                <a:spcPts val="300"/>
+              </a:spcBef>
+            </a:pPr>
+            <a:r>
+              <a:rPr lang="en-GB" altLang="da-DK" sz="1600" dirty="0"/>
               <a:t>Chat with some friends</a:t>
             </a:r>
-            <a:endParaRPr lang="en-GB" altLang="da-DK" sz="1600" dirty="0"/>
           </a:p>
           <a:p>
             <a:pPr marL="271463" lvl="1" indent="-271463">
@@ -8104,41 +7530,8 @@
                 </a:solidFill>
                 <a:cs typeface="ＭＳ Ｐゴシック" charset="0"/>
               </a:rPr>
-              <a:t>Relaxing in some </a:t>
-            </a:r>
-            <a:r>
-              <a:rPr lang="en-GB" altLang="da-DK" sz="1800" b="1" dirty="0" smtClean="0">
-                <a:solidFill>
-                  <a:srgbClr val="A50021"/>
-                </a:solidFill>
-                <a:cs typeface="ＭＳ Ｐゴシック" charset="0"/>
-              </a:rPr>
-              <a:t>way is </a:t>
-            </a:r>
-            <a:r>
-              <a:rPr lang="en-GB" altLang="da-DK" sz="1800" b="1" dirty="0">
-                <a:solidFill>
-                  <a:srgbClr val="A50021"/>
-                </a:solidFill>
-                <a:cs typeface="ＭＳ Ｐゴシック" charset="0"/>
-              </a:rPr>
-              <a:t>the catalyst of many </a:t>
-            </a:r>
-            <a:r>
-              <a:rPr lang="en-GB" altLang="da-DK" sz="1800" b="1" dirty="0" smtClean="0">
-                <a:solidFill>
-                  <a:srgbClr val="A50021"/>
-                </a:solidFill>
-                <a:cs typeface="ＭＳ Ｐゴシック" charset="0"/>
-              </a:rPr>
-              <a:t>great ideas</a:t>
-            </a:r>
-            <a:endParaRPr lang="en-GB" altLang="da-DK" sz="1800" b="1" dirty="0">
-              <a:solidFill>
-                <a:srgbClr val="A50021"/>
-              </a:solidFill>
-              <a:cs typeface="ＭＳ Ｐゴシック" charset="0"/>
-            </a:endParaRPr>
+              <a:t>Relaxing in some way is the catalyst of many great ideas</a:t>
+            </a:r>
           </a:p>
           <a:p>
             <a:pPr marL="728663" lvl="1" indent="-271463">
@@ -8150,33 +7543,16 @@
             </a:pPr>
             <a:r>
               <a:rPr lang="en-GB" altLang="da-DK" sz="1600" dirty="0"/>
-              <a:t>They must </a:t>
-            </a:r>
-            <a:r>
-              <a:rPr lang="en-GB" altLang="da-DK" sz="1600" dirty="0" smtClean="0"/>
-              <a:t>be </a:t>
-            </a:r>
-            <a:r>
-              <a:rPr lang="en-GB" altLang="da-DK" sz="1600" dirty="0"/>
-              <a:t>written </a:t>
-            </a:r>
-            <a:r>
-              <a:rPr lang="en-GB" altLang="da-DK" sz="1600" dirty="0" smtClean="0"/>
-              <a:t>down </a:t>
-            </a:r>
-            <a:r>
-              <a:rPr lang="en-GB" altLang="da-DK" sz="1600" b="1" dirty="0" smtClean="0">
+              <a:t>They must be written down </a:t>
+            </a:r>
+            <a:r>
+              <a:rPr lang="en-GB" altLang="da-DK" sz="1600" b="1" dirty="0">
                 <a:solidFill>
                   <a:srgbClr val="008000"/>
                 </a:solidFill>
               </a:rPr>
               <a:t>as soon as possible</a:t>
             </a:r>
-            <a:endParaRPr lang="en-GB" altLang="da-DK" sz="1600" b="1" dirty="0">
-              <a:solidFill>
-                <a:srgbClr val="008000"/>
-              </a:solidFill>
-            </a:endParaRPr>
           </a:p>
           <a:p>
             <a:pPr marL="728663" lvl="1" indent="-271463">
@@ -8187,18 +7563,9 @@
               <a:buChar char="–"/>
             </a:pPr>
             <a:r>
-              <a:rPr lang="en-GB" altLang="da-DK" sz="1600" dirty="0" smtClean="0"/>
-              <a:t>Otherwise, </a:t>
-            </a:r>
-            <a:r>
-              <a:rPr lang="en-GB" altLang="da-DK" sz="1600" dirty="0"/>
-              <a:t>most of them will be </a:t>
-            </a:r>
-            <a:r>
-              <a:rPr lang="en-GB" altLang="da-DK" sz="1600" dirty="0" smtClean="0"/>
-              <a:t>forgotten</a:t>
-            </a:r>
-            <a:endParaRPr lang="en-GB" altLang="da-DK" sz="1600" dirty="0"/>
+              <a:rPr lang="en-GB" altLang="da-DK" sz="1600" dirty="0"/>
+              <a:t>Otherwise, most of them will be forgotten</a:t>
+            </a:r>
           </a:p>
         </p:txBody>
       </p:sp>
@@ -8241,13 +7608,6 @@
   <p:clrMapOvr>
     <a:masterClrMapping/>
   </p:clrMapOvr>
-  <p:timing>
-    <p:tnLst>
-      <p:par>
-        <p:cTn id="1" dur="indefinite" restart="never" nodeType="tmRoot"/>
-      </p:par>
-    </p:tnLst>
-  </p:timing>
 </p:sld>
 </file>
 
@@ -8292,7 +7652,7 @@
               <a:defRPr/>
             </a:pPr>
             <a:r>
-              <a:rPr lang="en-GB" altLang="da-DK" sz="2800" dirty="0" smtClean="0"/>
+              <a:rPr lang="en-GB" altLang="da-DK" sz="2800" dirty="0"/>
               <a:t>Use of comments and critique</a:t>
             </a:r>
           </a:p>
@@ -8327,7 +7687,7 @@
               <a:buChar char="•"/>
             </a:pPr>
             <a:r>
-              <a:rPr lang="en-GB" altLang="da-DK" sz="1800" b="1" dirty="0" smtClean="0">
+              <a:rPr lang="en-GB" altLang="da-DK" sz="1800" b="1" dirty="0">
                 <a:solidFill>
                   <a:srgbClr val="A50021"/>
                 </a:solidFill>
@@ -8336,7 +7696,7 @@
               <a:t>In your bachelor project you will work </a:t>
             </a:r>
             <a:r>
-              <a:rPr lang="en-GB" altLang="da-DK" sz="1800" b="1" dirty="0" smtClean="0">
+              <a:rPr lang="en-GB" altLang="da-DK" sz="1800" b="1" dirty="0">
                 <a:solidFill>
                   <a:srgbClr val="008000"/>
                 </a:solidFill>
@@ -8345,7 +7705,7 @@
               <a:t>intensively</a:t>
             </a:r>
             <a:r>
-              <a:rPr lang="en-GB" altLang="da-DK" sz="1800" b="1" dirty="0" smtClean="0">
+              <a:rPr lang="en-GB" altLang="da-DK" sz="1800" b="1" dirty="0">
                 <a:solidFill>
                   <a:srgbClr val="A50021"/>
                 </a:solidFill>
@@ -8363,7 +7723,7 @@
               <a:buChar char="–"/>
             </a:pPr>
             <a:r>
-              <a:rPr lang="en-GB" altLang="da-DK" sz="1600" dirty="0" smtClean="0"/>
+              <a:rPr lang="en-GB" altLang="da-DK" sz="1600" dirty="0"/>
               <a:t>Hopefully, you will take ownership of your work</a:t>
             </a:r>
           </a:p>
@@ -8376,7 +7736,7 @@
               <a:buChar char="–"/>
             </a:pPr>
             <a:r>
-              <a:rPr lang="en-GB" altLang="da-DK" sz="1600" dirty="0" smtClean="0"/>
+              <a:rPr lang="en-GB" altLang="da-DK" sz="1600" dirty="0"/>
               <a:t>It will be your "baby"</a:t>
             </a:r>
           </a:p>
@@ -8395,52 +7755,7 @@
                 </a:solidFill>
                 <a:cs typeface="ＭＳ Ｐゴシック" charset="0"/>
               </a:rPr>
-              <a:t>In such a </a:t>
-            </a:r>
-            <a:r>
-              <a:rPr lang="en-GB" altLang="da-DK" sz="1800" b="1" dirty="0" smtClean="0">
-                <a:solidFill>
-                  <a:srgbClr val="A50021"/>
-                </a:solidFill>
-                <a:cs typeface="ＭＳ Ｐゴシック" charset="0"/>
-              </a:rPr>
-              <a:t>situation, it is </a:t>
-            </a:r>
-            <a:r>
-              <a:rPr lang="en-GB" altLang="da-DK" sz="1800" b="1" dirty="0">
-                <a:solidFill>
-                  <a:srgbClr val="A50021"/>
-                </a:solidFill>
-                <a:cs typeface="ＭＳ Ｐゴシック" charset="0"/>
-              </a:rPr>
-              <a:t>very natural to be "defensive" towards critique and </a:t>
-            </a:r>
-            <a:r>
-              <a:rPr lang="en-GB" altLang="da-DK" sz="1800" b="1" dirty="0" smtClean="0">
-                <a:solidFill>
-                  <a:srgbClr val="A50021"/>
-                </a:solidFill>
-                <a:cs typeface="ＭＳ Ｐゴシック" charset="0"/>
-              </a:rPr>
-              <a:t>proposals </a:t>
-            </a:r>
-            <a:r>
-              <a:rPr lang="en-GB" altLang="da-DK" sz="1800" b="1" dirty="0">
-                <a:solidFill>
-                  <a:srgbClr val="A50021"/>
-                </a:solidFill>
-                <a:cs typeface="ＭＳ Ｐゴシック" charset="0"/>
-              </a:rPr>
-              <a:t>for </a:t>
-            </a:r>
-            <a:r>
-              <a:rPr lang="en-GB" altLang="da-DK" sz="1800" b="1" dirty="0" smtClean="0">
-                <a:solidFill>
-                  <a:srgbClr val="A50021"/>
-                </a:solidFill>
-                <a:cs typeface="ＭＳ Ｐゴシック" charset="0"/>
-              </a:rPr>
-              <a:t>changes</a:t>
+              <a:t>In such a situation, it is very natural to be "defensive" towards critique and proposals for changes</a:t>
             </a:r>
           </a:p>
           <a:p>
@@ -8459,70 +7774,41 @@
                   <a:srgbClr val="008000"/>
                 </a:solidFill>
               </a:rPr>
-              <a:t>very </a:t>
-            </a:r>
-            <a:r>
-              <a:rPr lang="en-GB" altLang="da-DK" sz="1600" b="1" dirty="0" smtClean="0">
+              <a:t>very stupid</a:t>
+            </a:r>
+          </a:p>
+          <a:p>
+            <a:pPr marL="728663" lvl="1" indent="-271463">
+              <a:spcBef>
+                <a:spcPts val="300"/>
+              </a:spcBef>
+            </a:pPr>
+            <a:r>
+              <a:rPr lang="en-GB" altLang="da-DK" sz="1600" dirty="0"/>
+              <a:t>Your advisor (and other people who look at your work) invests considerable time in making comments and proposals for improvements</a:t>
+            </a:r>
+          </a:p>
+          <a:p>
+            <a:pPr marL="728663" lvl="1" indent="-271463">
+              <a:spcBef>
+                <a:spcPts val="300"/>
+              </a:spcBef>
+            </a:pPr>
+            <a:r>
+              <a:rPr lang="en-GB" altLang="da-DK" sz="1600" dirty="0"/>
+              <a:t>They are not made to annoy you – but to </a:t>
+            </a:r>
+            <a:r>
+              <a:rPr lang="en-GB" altLang="da-DK" sz="1600" b="1" dirty="0">
                 <a:solidFill>
                   <a:srgbClr val="008000"/>
                 </a:solidFill>
               </a:rPr>
-              <a:t>stupid</a:t>
-            </a:r>
-          </a:p>
-          <a:p>
-            <a:pPr marL="728663" lvl="1" indent="-271463">
-              <a:spcBef>
-                <a:spcPts val="300"/>
-              </a:spcBef>
-            </a:pPr>
-            <a:r>
-              <a:rPr lang="en-GB" altLang="da-DK" sz="1600" dirty="0" smtClean="0"/>
-              <a:t>Your </a:t>
-            </a:r>
-            <a:r>
-              <a:rPr lang="en-GB" altLang="da-DK" sz="1600" dirty="0"/>
-              <a:t>advisor </a:t>
-            </a:r>
-            <a:r>
-              <a:rPr lang="en-GB" altLang="da-DK" sz="1600" dirty="0" smtClean="0"/>
-              <a:t>(and other people who look at your work) invests considerable </a:t>
-            </a:r>
-            <a:r>
-              <a:rPr lang="en-GB" altLang="da-DK" sz="1600" dirty="0"/>
-              <a:t>time in making </a:t>
-            </a:r>
-            <a:r>
-              <a:rPr lang="en-GB" altLang="da-DK" sz="1600" dirty="0" smtClean="0"/>
-              <a:t>comments </a:t>
-            </a:r>
-            <a:r>
-              <a:rPr lang="en-GB" altLang="da-DK" sz="1600" dirty="0"/>
-              <a:t>and </a:t>
-            </a:r>
-            <a:r>
-              <a:rPr lang="en-GB" altLang="da-DK" sz="1600" dirty="0" smtClean="0"/>
-              <a:t>proposals for improvements</a:t>
-            </a:r>
-            <a:endParaRPr lang="en-GB" altLang="da-DK" sz="1600" dirty="0"/>
-          </a:p>
-          <a:p>
-            <a:pPr marL="728663" lvl="1" indent="-271463">
-              <a:spcBef>
-                <a:spcPts val="300"/>
-              </a:spcBef>
-            </a:pPr>
-            <a:r>
-              <a:rPr lang="en-GB" altLang="da-DK" sz="1600" dirty="0"/>
-              <a:t>They are not made to </a:t>
-            </a:r>
-            <a:r>
-              <a:rPr lang="en-GB" altLang="da-DK" sz="1600" dirty="0" smtClean="0"/>
-              <a:t>annoy </a:t>
-            </a:r>
-            <a:r>
-              <a:rPr lang="en-GB" altLang="da-DK" sz="1600" dirty="0"/>
-              <a:t>you – but to </a:t>
+              <a:t>help </a:t>
+            </a:r>
+            <a:r>
+              <a:rPr lang="en-GB" altLang="da-DK" sz="1600" dirty="0"/>
+              <a:t>you to </a:t>
             </a:r>
             <a:r>
               <a:rPr lang="en-GB" altLang="da-DK" sz="1600" b="1" dirty="0">
@@ -8530,26 +7816,10 @@
                   <a:srgbClr val="008000"/>
                 </a:solidFill>
               </a:rPr>
-              <a:t>help </a:t>
-            </a:r>
-            <a:r>
-              <a:rPr lang="en-GB" altLang="da-DK" sz="1600" dirty="0"/>
-              <a:t>you</a:t>
-            </a:r>
-            <a:r>
-              <a:rPr lang="en-GB" altLang="da-DK" sz="1600" dirty="0" smtClean="0"/>
-              <a:t> to </a:t>
-            </a:r>
-            <a:r>
-              <a:rPr lang="en-GB" altLang="da-DK" sz="1600" b="1" dirty="0">
-                <a:solidFill>
-                  <a:srgbClr val="008000"/>
-                </a:solidFill>
-              </a:rPr>
               <a:t>improve</a:t>
             </a:r>
             <a:r>
-              <a:rPr lang="en-GB" altLang="da-DK" sz="1600" dirty="0" smtClean="0"/>
+              <a:rPr lang="en-GB" altLang="da-DK" sz="1600" dirty="0"/>
               <a:t> your project and hence your report (and your final grade)</a:t>
             </a:r>
           </a:p>
@@ -8594,13 +7864,6 @@
   <p:clrMapOvr>
     <a:masterClrMapping/>
   </p:clrMapOvr>
-  <p:timing>
-    <p:tnLst>
-      <p:par>
-        <p:cTn id="1" dur="indefinite" restart="never" nodeType="tmRoot"/>
-      </p:par>
-    </p:tnLst>
-  </p:timing>
 </p:sld>
 </file>
 
@@ -8645,7 +7908,7 @@
               <a:defRPr/>
             </a:pPr>
             <a:r>
-              <a:rPr lang="en-GB" altLang="da-DK" sz="2800" dirty="0" smtClean="0"/>
+              <a:rPr lang="en-GB" altLang="da-DK" sz="2800" dirty="0"/>
               <a:t>Example</a:t>
             </a:r>
           </a:p>
@@ -8680,7 +7943,7 @@
               <a:buChar char="•"/>
             </a:pPr>
             <a:r>
-              <a:rPr lang="en-GB" altLang="da-DK" sz="1800" b="1" dirty="0" smtClean="0">
+              <a:rPr lang="en-GB" altLang="da-DK" sz="1800" b="1" dirty="0">
                 <a:solidFill>
                   <a:srgbClr val="A50021"/>
                 </a:solidFill>
@@ -8689,7 +7952,7 @@
               <a:t>When reading a draft of one of the sections in your bachelor report,</a:t>
             </a:r>
             <a:br>
-              <a:rPr lang="en-GB" altLang="da-DK" sz="1800" b="1" dirty="0" smtClean="0">
+              <a:rPr lang="en-GB" altLang="da-DK" sz="1800" b="1" dirty="0">
                 <a:solidFill>
                   <a:srgbClr val="A50021"/>
                 </a:solidFill>
@@ -8697,31 +7960,13 @@
               </a:rPr>
             </a:br>
             <a:r>
-              <a:rPr lang="en-GB" altLang="da-DK" sz="1800" b="1" dirty="0" smtClean="0">
+              <a:rPr lang="en-GB" altLang="da-DK" sz="1800" b="1" dirty="0">
                 <a:solidFill>
                   <a:srgbClr val="A50021"/>
                 </a:solidFill>
                 <a:cs typeface="ＭＳ Ｐゴシック" charset="0"/>
               </a:rPr>
-              <a:t>your advisor misunderstands </a:t>
-            </a:r>
-            <a:r>
-              <a:rPr lang="en-GB" altLang="da-DK" sz="1800" b="1" dirty="0">
-                <a:solidFill>
-                  <a:srgbClr val="A50021"/>
-                </a:solidFill>
-                <a:cs typeface="ＭＳ Ｐゴシック" charset="0"/>
-              </a:rPr>
-              <a:t>one of your </a:t>
-            </a:r>
-            <a:r>
-              <a:rPr lang="en-GB" altLang="da-DK" sz="1800" b="1" dirty="0" smtClean="0">
-                <a:solidFill>
-                  <a:srgbClr val="A50021"/>
-                </a:solidFill>
-                <a:cs typeface="ＭＳ Ｐゴシック" charset="0"/>
-              </a:rPr>
-              <a:t>arguments</a:t>
+              <a:t>your advisor misunderstands one of your arguments</a:t>
             </a:r>
           </a:p>
           <a:p>
@@ -8733,7 +7978,7 @@
               <a:buChar char="•"/>
             </a:pPr>
             <a:r>
-              <a:rPr lang="en-GB" altLang="da-DK" sz="1800" b="1" dirty="0" smtClean="0">
+              <a:rPr lang="en-GB" altLang="da-DK" sz="1800" b="1" dirty="0">
                 <a:solidFill>
                   <a:srgbClr val="A50021"/>
                 </a:solidFill>
@@ -8752,23 +7997,7 @@
             </a:pPr>
             <a:r>
               <a:rPr lang="en-GB" altLang="da-DK" sz="1600" dirty="0"/>
-              <a:t>You can see that this is because the advisor does not know your work well </a:t>
-            </a:r>
-            <a:r>
-              <a:rPr lang="en-GB" altLang="da-DK" sz="1600" dirty="0" smtClean="0"/>
-              <a:t>enough, </a:t>
-            </a:r>
-            <a:r>
-              <a:rPr lang="en-GB" altLang="da-DK" sz="1600" dirty="0"/>
-              <a:t>or has read the </a:t>
-            </a:r>
-            <a:r>
-              <a:rPr lang="en-GB" altLang="da-DK" sz="1600" dirty="0" smtClean="0"/>
-              <a:t>corresponding paragraph </a:t>
-            </a:r>
-            <a:r>
-              <a:rPr lang="en-GB" altLang="da-DK" sz="1600" dirty="0"/>
-              <a:t>too fast</a:t>
+              <a:t>You can see that this is because the advisor does not know your work well enough, or has read the corresponding paragraph too fast</a:t>
             </a:r>
           </a:p>
           <a:p>
@@ -8781,27 +8010,7 @@
             </a:pPr>
             <a:r>
               <a:rPr lang="en-GB" altLang="da-DK" sz="1600" dirty="0"/>
-              <a:t>Hence, </a:t>
-            </a:r>
-            <a:r>
-              <a:rPr lang="en-GB" altLang="da-DK" sz="1600" dirty="0" smtClean="0"/>
-              <a:t>you </a:t>
-            </a:r>
-            <a:r>
-              <a:rPr lang="en-GB" altLang="da-DK" sz="1600" dirty="0"/>
-              <a:t>tell this to </a:t>
-            </a:r>
-            <a:r>
-              <a:rPr lang="en-GB" altLang="da-DK" sz="1600" dirty="0" smtClean="0"/>
-              <a:t>your advisor, </a:t>
-            </a:r>
-            <a:r>
-              <a:rPr lang="en-GB" altLang="da-DK" sz="1600" dirty="0"/>
-              <a:t>and do not change anything in your </a:t>
-            </a:r>
-            <a:r>
-              <a:rPr lang="en-GB" altLang="da-DK" sz="1600" dirty="0" smtClean="0"/>
-              <a:t>report</a:t>
+              <a:t>Hence, you tell this to your advisor, and do not change anything in your report</a:t>
             </a:r>
           </a:p>
           <a:p>
@@ -8813,11 +8022,11 @@
               <a:buChar char="–"/>
             </a:pPr>
             <a:r>
-              <a:rPr lang="en-GB" altLang="da-DK" sz="1600" dirty="0" smtClean="0"/>
+              <a:rPr lang="en-GB" altLang="da-DK" sz="1600" dirty="0"/>
               <a:t>The comment has </a:t>
             </a:r>
             <a:r>
-              <a:rPr lang="en-GB" altLang="da-DK" sz="1600" b="1" dirty="0" smtClean="0">
+              <a:rPr lang="en-GB" altLang="da-DK" sz="1600" b="1" dirty="0">
                 <a:solidFill>
                   <a:srgbClr val="008000"/>
                 </a:solidFill>
@@ -8825,7 +8034,7 @@
               <a:t>not</a:t>
             </a:r>
             <a:r>
-              <a:rPr lang="en-GB" altLang="da-DK" sz="1600" dirty="0" smtClean="0"/>
+              <a:rPr lang="en-GB" altLang="da-DK" sz="1600" dirty="0"/>
               <a:t> helped you to improve your report</a:t>
             </a:r>
           </a:p>
@@ -8844,95 +8053,32 @@
                 </a:solidFill>
                 <a:cs typeface="ＭＳ Ｐゴシック" charset="0"/>
               </a:rPr>
-              <a:t>A much more fruitful </a:t>
-            </a:r>
-            <a:r>
-              <a:rPr lang="en-GB" altLang="da-DK" sz="1800" b="1" dirty="0" smtClean="0">
-                <a:solidFill>
-                  <a:srgbClr val="A50021"/>
-                </a:solidFill>
-                <a:cs typeface="ＭＳ Ｐゴシック" charset="0"/>
-              </a:rPr>
-              <a:t>approach is </a:t>
-            </a:r>
-            <a:r>
-              <a:rPr lang="en-GB" altLang="da-DK" sz="1800" b="1" dirty="0">
-                <a:solidFill>
-                  <a:srgbClr val="A50021"/>
-                </a:solidFill>
-                <a:cs typeface="ＭＳ Ｐゴシック" charset="0"/>
-              </a:rPr>
-              <a:t>the </a:t>
-            </a:r>
-            <a:r>
-              <a:rPr lang="en-GB" altLang="da-DK" sz="1800" b="1" dirty="0" smtClean="0">
-                <a:solidFill>
-                  <a:srgbClr val="A50021"/>
-                </a:solidFill>
-                <a:cs typeface="ＭＳ Ｐゴシック" charset="0"/>
-              </a:rPr>
-              <a:t>following</a:t>
-            </a:r>
-          </a:p>
-          <a:p>
-            <a:pPr marL="728663" lvl="1" indent="-271463">
-              <a:spcBef>
-                <a:spcPts val="300"/>
-              </a:spcBef>
-            </a:pPr>
-            <a:r>
-              <a:rPr lang="en-GB" altLang="da-DK" sz="1600" dirty="0"/>
-              <a:t>A lot of your </a:t>
-            </a:r>
-            <a:r>
-              <a:rPr lang="en-GB" altLang="da-DK" sz="1600" dirty="0" smtClean="0"/>
-              <a:t>readers – including the censor – </a:t>
-            </a:r>
-            <a:r>
-              <a:rPr lang="en-GB" altLang="da-DK" sz="1600" dirty="0"/>
-              <a:t>will be in the same situation </a:t>
-            </a:r>
-            <a:r>
-              <a:rPr lang="en-GB" altLang="da-DK" sz="1600" dirty="0" smtClean="0"/>
-              <a:t>as </a:t>
-            </a:r>
-            <a:r>
-              <a:rPr lang="en-GB" altLang="da-DK" sz="1600" dirty="0"/>
-              <a:t>your advisor </a:t>
-            </a:r>
-            <a:r>
-              <a:rPr lang="en-GB" altLang="da-DK" sz="1600" dirty="0" smtClean="0"/>
-              <a:t>(not </a:t>
-            </a:r>
-            <a:r>
-              <a:rPr lang="en-GB" altLang="da-DK" sz="1600" dirty="0"/>
-              <a:t>knowing your work </a:t>
-            </a:r>
-            <a:r>
-              <a:rPr lang="en-GB" altLang="da-DK" sz="1600" dirty="0" smtClean="0"/>
-              <a:t>in detail, </a:t>
-            </a:r>
-            <a:r>
-              <a:rPr lang="en-GB" altLang="da-DK" sz="1600" dirty="0"/>
-              <a:t>and reading parts of your report very </a:t>
-            </a:r>
-            <a:r>
-              <a:rPr lang="en-GB" altLang="da-DK" sz="1600" dirty="0" smtClean="0"/>
-              <a:t>fast)</a:t>
-            </a:r>
-          </a:p>
-          <a:p>
-            <a:pPr marL="728663" lvl="1" indent="-271463">
-              <a:spcBef>
-                <a:spcPts val="300"/>
-              </a:spcBef>
-            </a:pPr>
-            <a:r>
-              <a:rPr lang="en-GB" altLang="da-DK" sz="1600" spc="-20" dirty="0" smtClean="0"/>
+              <a:t>A much more fruitful approach is the following</a:t>
+            </a:r>
+          </a:p>
+          <a:p>
+            <a:pPr marL="728663" lvl="1" indent="-271463">
+              <a:spcBef>
+                <a:spcPts val="300"/>
+              </a:spcBef>
+            </a:pPr>
+            <a:r>
+              <a:rPr lang="en-GB" altLang="da-DK" sz="1600" dirty="0"/>
+              <a:t>A lot of your readers – including the censor – will be in the same situation as your advisor (not knowing your work in detail, and reading parts of your report very fast)</a:t>
+            </a:r>
+          </a:p>
+          <a:p>
+            <a:pPr marL="728663" lvl="1" indent="-271463">
+              <a:spcBef>
+                <a:spcPts val="300"/>
+              </a:spcBef>
+            </a:pPr>
+            <a:r>
+              <a:rPr lang="en-GB" altLang="da-DK" sz="1600" spc="-20" dirty="0"/>
               <a:t>Hence, you should use the "stupid" comment made by your advisor to </a:t>
             </a:r>
             <a:r>
-              <a:rPr lang="en-GB" altLang="da-DK" sz="1600" b="1" spc="-20" dirty="0" smtClean="0">
+              <a:rPr lang="en-GB" altLang="da-DK" sz="1600" b="1" spc="-20" dirty="0">
                 <a:solidFill>
                   <a:srgbClr val="008000"/>
                 </a:solidFill>
@@ -8940,7 +8086,7 @@
               <a:t>thoroughly </a:t>
             </a:r>
             <a:r>
-              <a:rPr lang="en-GB" altLang="da-DK" sz="1600" b="1" dirty="0" smtClean="0">
+              <a:rPr lang="en-GB" altLang="da-DK" sz="1600" b="1" dirty="0">
                 <a:solidFill>
                   <a:srgbClr val="008000"/>
                 </a:solidFill>
@@ -8948,15 +8094,15 @@
               <a:t>investigate</a:t>
             </a:r>
             <a:r>
-              <a:rPr lang="en-GB" altLang="da-DK" sz="1600" dirty="0" smtClean="0"/>
+              <a:rPr lang="en-GB" altLang="da-DK" sz="1600" dirty="0"/>
               <a:t> whether you can reformulate the paragraph in such a way that it </a:t>
             </a:r>
             <a:r>
-              <a:rPr lang="en-GB" altLang="da-DK" sz="1600" spc="-20" dirty="0" smtClean="0"/>
+              <a:rPr lang="en-GB" altLang="da-DK" sz="1600" spc="-20" dirty="0"/>
               <a:t>becomes </a:t>
             </a:r>
             <a:r>
-              <a:rPr lang="en-GB" altLang="da-DK" sz="1600" b="1" spc="-20" dirty="0" smtClean="0">
+              <a:rPr lang="en-GB" altLang="da-DK" sz="1600" b="1" spc="-20" dirty="0">
                 <a:solidFill>
                   <a:srgbClr val="008000"/>
                 </a:solidFill>
@@ -8964,11 +8110,11 @@
               <a:t>less likely</a:t>
             </a:r>
             <a:r>
-              <a:rPr lang="en-GB" altLang="da-DK" sz="1600" spc="-20" dirty="0" smtClean="0"/>
+              <a:rPr lang="en-GB" altLang="da-DK" sz="1600" spc="-20" dirty="0"/>
               <a:t> that a "stupid", "</a:t>
             </a:r>
             <a:r>
-              <a:rPr lang="en-GB" altLang="da-DK" sz="1600" spc="-50" dirty="0" smtClean="0"/>
+              <a:rPr lang="en-GB" altLang="da-DK" sz="1600" spc="-50" dirty="0"/>
               <a:t>too fast" reader may misunderstand your argument</a:t>
             </a:r>
           </a:p>
@@ -8979,11 +8125,11 @@
               </a:spcBef>
             </a:pPr>
             <a:r>
-              <a:rPr lang="en-GB" altLang="da-DK" sz="1600" dirty="0" smtClean="0"/>
+              <a:rPr lang="en-GB" altLang="da-DK" sz="1600" dirty="0"/>
               <a:t>It is </a:t>
             </a:r>
             <a:r>
-              <a:rPr lang="en-GB" altLang="da-DK" sz="1600" b="1" dirty="0" smtClean="0">
+              <a:rPr lang="en-GB" altLang="da-DK" sz="1600" b="1" dirty="0">
                 <a:solidFill>
                   <a:srgbClr val="008000"/>
                 </a:solidFill>
@@ -8991,7 +8137,7 @@
               <a:t>your responsibility</a:t>
             </a:r>
             <a:r>
-              <a:rPr lang="en-GB" altLang="da-DK" sz="1600" dirty="0" smtClean="0"/>
+              <a:rPr lang="en-GB" altLang="da-DK" sz="1600" dirty="0"/>
               <a:t> that your text is as clear and unambiguous as possible</a:t>
             </a:r>
           </a:p>
@@ -9002,11 +8148,11 @@
               </a:spcBef>
             </a:pPr>
             <a:r>
-              <a:rPr lang="en-GB" altLang="da-DK" sz="1600" dirty="0" smtClean="0"/>
+              <a:rPr lang="en-GB" altLang="da-DK" sz="1600" dirty="0"/>
               <a:t>Using this approach, you have </a:t>
             </a:r>
             <a:r>
-              <a:rPr lang="en-GB" altLang="da-DK" sz="1600" b="1" dirty="0" smtClean="0">
+              <a:rPr lang="en-GB" altLang="da-DK" sz="1600" b="1" dirty="0">
                 <a:solidFill>
                   <a:srgbClr val="008000"/>
                 </a:solidFill>
@@ -9014,7 +8160,7 @@
               <a:t>improved</a:t>
             </a:r>
             <a:r>
-              <a:rPr lang="en-GB" altLang="da-DK" sz="1600" dirty="0" smtClean="0"/>
+              <a:rPr lang="en-GB" altLang="da-DK" sz="1600" dirty="0"/>
               <a:t> your report</a:t>
             </a:r>
           </a:p>
@@ -9027,7 +8173,7 @@
               <a:buChar char="•"/>
             </a:pPr>
             <a:r>
-              <a:rPr lang="en-GB" altLang="da-DK" sz="1800" b="1" dirty="0" smtClean="0">
+              <a:rPr lang="en-GB" altLang="da-DK" sz="1800" b="1" dirty="0">
                 <a:solidFill>
                   <a:srgbClr val="A50021"/>
                 </a:solidFill>
@@ -9036,7 +8182,7 @@
               <a:t>By using </a:t>
             </a:r>
             <a:r>
-              <a:rPr lang="en-GB" altLang="da-DK" sz="1800" b="1" dirty="0" smtClean="0">
+              <a:rPr lang="en-GB" altLang="da-DK" sz="1800" b="1" dirty="0">
                 <a:solidFill>
                   <a:srgbClr val="008000"/>
                 </a:solidFill>
@@ -9045,74 +8191,50 @@
               <a:t>all</a:t>
             </a:r>
             <a:r>
-              <a:rPr lang="en-GB" altLang="da-DK" sz="1800" b="1" dirty="0" smtClean="0">
+              <a:rPr lang="en-GB" altLang="da-DK" sz="1800" b="1" dirty="0">
                 <a:solidFill>
                   <a:srgbClr val="A50021"/>
                 </a:solidFill>
                 <a:cs typeface="ＭＳ Ｐゴシック" charset="0"/>
               </a:rPr>
-              <a:t> </a:t>
+              <a:t> comments and proposals in a </a:t>
             </a:r>
             <a:r>
               <a:rPr lang="en-GB" altLang="da-DK" sz="1800" b="1" dirty="0">
                 <a:solidFill>
+                  <a:srgbClr val="008000"/>
+                </a:solidFill>
+                <a:cs typeface="ＭＳ Ｐゴシック" charset="0"/>
+              </a:rPr>
+              <a:t>constructive</a:t>
+            </a:r>
+            <a:r>
+              <a:rPr lang="en-GB" altLang="da-DK" sz="1800" b="1" dirty="0">
+                <a:solidFill>
                   <a:srgbClr val="A50021"/>
                 </a:solidFill>
                 <a:cs typeface="ＭＳ Ｐゴシック" charset="0"/>
               </a:rPr>
-              <a:t>comments and </a:t>
-            </a:r>
-            <a:r>
-              <a:rPr lang="en-GB" altLang="da-DK" sz="1800" b="1" dirty="0" smtClean="0">
+              <a:t> way, you can </a:t>
+            </a:r>
+            <a:r>
+              <a:rPr lang="en-GB" altLang="da-DK" sz="1800" b="1" dirty="0">
+                <a:solidFill>
+                  <a:srgbClr val="008000"/>
+                </a:solidFill>
+                <a:cs typeface="ＭＳ Ｐゴシック" charset="0"/>
+              </a:rPr>
+              <a:t>significantly</a:t>
+            </a:r>
+            <a:r>
+              <a:rPr lang="en-GB" altLang="da-DK" sz="1800" b="1" dirty="0">
                 <a:solidFill>
                   <a:srgbClr val="A50021"/>
                 </a:solidFill>
                 <a:cs typeface="ＭＳ Ｐゴシック" charset="0"/>
               </a:rPr>
-              <a:t>proposals in a </a:t>
-            </a:r>
-            <a:r>
-              <a:rPr lang="en-GB" altLang="da-DK" sz="1800" b="1" dirty="0" smtClean="0">
-                <a:solidFill>
-                  <a:srgbClr val="008000"/>
-                </a:solidFill>
-                <a:cs typeface="ＭＳ Ｐゴシック" charset="0"/>
-              </a:rPr>
-              <a:t>constructive</a:t>
-            </a:r>
-            <a:r>
-              <a:rPr lang="en-GB" altLang="da-DK" sz="1800" b="1" dirty="0" smtClean="0">
-                <a:solidFill>
-                  <a:srgbClr val="A50021"/>
-                </a:solidFill>
-                <a:cs typeface="ＭＳ Ｐゴシック" charset="0"/>
-              </a:rPr>
-              <a:t> way, you can </a:t>
-            </a:r>
-            <a:r>
-              <a:rPr lang="en-GB" altLang="da-DK" sz="1800" b="1" dirty="0" smtClean="0">
-                <a:solidFill>
-                  <a:srgbClr val="008000"/>
-                </a:solidFill>
-                <a:cs typeface="ＭＳ Ｐゴシック" charset="0"/>
-              </a:rPr>
-              <a:t>significantly</a:t>
-            </a:r>
-            <a:r>
-              <a:rPr lang="en-GB" altLang="da-DK" sz="1800" b="1" dirty="0" smtClean="0">
-                <a:solidFill>
-                  <a:srgbClr val="A50021"/>
-                </a:solidFill>
-                <a:cs typeface="ＭＳ Ｐゴシック" charset="0"/>
-              </a:rPr>
               <a:t> improve the quality of your report</a:t>
             </a:r>
-            <a:endParaRPr lang="en-GB" altLang="da-DK" sz="1800" b="1" dirty="0">
-              <a:solidFill>
-                <a:srgbClr val="A50021"/>
-              </a:solidFill>
-              <a:cs typeface="ＭＳ Ｐゴシック" charset="0"/>
-            </a:endParaRPr>
           </a:p>
           <a:p>
             <a:pPr marL="728663" lvl="1" indent="-271463">
@@ -9130,7 +8252,7 @@
                 <a:spcPts val="300"/>
               </a:spcBef>
             </a:pPr>
-            <a:endParaRPr lang="en-GB" altLang="da-DK" sz="1600" dirty="0" smtClean="0"/>
+            <a:endParaRPr lang="en-GB" altLang="da-DK" sz="1600" dirty="0"/>
           </a:p>
         </p:txBody>
       </p:sp>
@@ -9173,13 +8295,6 @@
   <p:clrMapOvr>
     <a:masterClrMapping/>
   </p:clrMapOvr>
-  <p:timing>
-    <p:tnLst>
-      <p:par>
-        <p:cTn id="1" dur="indefinite" restart="never" nodeType="tmRoot"/>
-      </p:par>
-    </p:tnLst>
-  </p:timing>
 </p:sld>
 </file>
 
@@ -9224,7 +8339,7 @@
               <a:defRPr/>
             </a:pPr>
             <a:r>
-              <a:rPr lang="en-GB" altLang="da-DK" sz="2800" dirty="0" smtClean="0"/>
+              <a:rPr lang="en-GB" altLang="da-DK" sz="2800" dirty="0"/>
               <a:t>Plan for the rest of this course</a:t>
             </a:r>
           </a:p>
@@ -9258,14 +8373,41 @@
               <a:buChar char="•"/>
             </a:pPr>
             <a:r>
-              <a:rPr lang="en-GB" altLang="da-DK" sz="1800" b="1" spc="-50" dirty="0" smtClean="0">
+              <a:rPr lang="en-GB" altLang="da-DK" sz="1800" b="1" spc="-50" dirty="0">
                 <a:solidFill>
                   <a:srgbClr val="A50021"/>
                 </a:solidFill>
                 <a:cs typeface="ＭＳ Ｐゴシック" charset="0"/>
               </a:rPr>
-              <a:t>Wednesday </a:t>
-            </a:r>
+              <a:t>Wednesday February 12 at 16.00: Deadline bachelor project contract</a:t>
+            </a:r>
+          </a:p>
+          <a:p>
+            <a:pPr marL="728663" lvl="1" indent="-271463">
+              <a:spcBef>
+                <a:spcPts val="300"/>
+              </a:spcBef>
+            </a:pPr>
+            <a:r>
+              <a:rPr lang="en-GB" altLang="da-DK" sz="1600" dirty="0"/>
+              <a:t>Submit via the Brightspace page </a:t>
+            </a:r>
+            <a:r>
+              <a:rPr lang="en-GB" altLang="da-DK" sz="1600" b="1" dirty="0">
+                <a:solidFill>
+                  <a:srgbClr val="008000"/>
+                </a:solidFill>
+              </a:rPr>
+              <a:t>Submission of bachelor project contract</a:t>
+            </a:r>
+          </a:p>
+          <a:p>
+            <a:pPr marL="271463" lvl="1" indent="-271463">
+              <a:spcBef>
+                <a:spcPts val="1200"/>
+              </a:spcBef>
+              <a:buChar char="•"/>
+            </a:pPr>
             <a:r>
               <a:rPr lang="en-GB" altLang="da-DK" sz="1800" b="1" spc="-50" dirty="0">
                 <a:solidFill>
@@ -9273,95 +8415,7 @@
                 </a:solidFill>
                 <a:cs typeface="ＭＳ Ｐゴシック" charset="0"/>
               </a:rPr>
-              <a:t>February </a:t>
-            </a:r>
-            <a:r>
-              <a:rPr lang="en-GB" altLang="da-DK" sz="1800" b="1" spc="-50" dirty="0" smtClean="0">
-                <a:solidFill>
-                  <a:srgbClr val="A50021"/>
-                </a:solidFill>
-                <a:cs typeface="ＭＳ Ｐゴシック" charset="0"/>
-              </a:rPr>
-              <a:t>12 at 16.00: </a:t>
-            </a:r>
-            <a:r>
-              <a:rPr lang="en-GB" altLang="da-DK" sz="1800" b="1" spc="-50" dirty="0">
-                <a:solidFill>
-                  <a:srgbClr val="A50021"/>
-                </a:solidFill>
-                <a:cs typeface="ＭＳ Ｐゴシック" charset="0"/>
-              </a:rPr>
-              <a:t>Deadline bachelor project contract</a:t>
-            </a:r>
-          </a:p>
-          <a:p>
-            <a:pPr marL="728663" lvl="1" indent="-271463">
-              <a:spcBef>
-                <a:spcPts val="300"/>
-              </a:spcBef>
-            </a:pPr>
-            <a:r>
-              <a:rPr lang="en-GB" altLang="da-DK" sz="1600" dirty="0"/>
-              <a:t>Submit via the </a:t>
-            </a:r>
-            <a:r>
-              <a:rPr lang="en-GB" altLang="da-DK" sz="1600" dirty="0" smtClean="0"/>
-              <a:t>Brightspace page </a:t>
-            </a:r>
-            <a:r>
-              <a:rPr lang="en-GB" altLang="da-DK" sz="1600" b="1" dirty="0" smtClean="0">
-                <a:solidFill>
-                  <a:srgbClr val="008000"/>
-                </a:solidFill>
-              </a:rPr>
-              <a:t>Submission </a:t>
-            </a:r>
-            <a:r>
-              <a:rPr lang="en-GB" altLang="da-DK" sz="1600" b="1" dirty="0">
-                <a:solidFill>
-                  <a:srgbClr val="008000"/>
-                </a:solidFill>
-              </a:rPr>
-              <a:t>of </a:t>
-            </a:r>
-            <a:r>
-              <a:rPr lang="en-GB" altLang="da-DK" sz="1600" b="1" dirty="0" smtClean="0">
-                <a:solidFill>
-                  <a:srgbClr val="008000"/>
-                </a:solidFill>
-              </a:rPr>
-              <a:t>bachelor project contract</a:t>
-            </a:r>
-            <a:endParaRPr lang="en-GB" altLang="da-DK" sz="1600" b="1" dirty="0">
-              <a:solidFill>
-                <a:srgbClr val="008000"/>
-              </a:solidFill>
-            </a:endParaRPr>
-          </a:p>
-          <a:p>
-            <a:pPr marL="271463" lvl="1" indent="-271463">
-              <a:spcBef>
-                <a:spcPts val="1200"/>
-              </a:spcBef>
-              <a:buChar char="•"/>
-            </a:pPr>
-            <a:r>
-              <a:rPr lang="en-GB" altLang="da-DK" sz="1800" b="1" spc="-50" dirty="0">
-                <a:solidFill>
-                  <a:srgbClr val="A50021"/>
-                </a:solidFill>
-                <a:cs typeface="ＭＳ Ｐゴシック" charset="0"/>
-              </a:rPr>
-              <a:t>In addition to this lecture, there will be four lectures on this </a:t>
-            </a:r>
-            <a:r>
-              <a:rPr lang="en-GB" altLang="da-DK" sz="1800" b="1" spc="-50" dirty="0" smtClean="0">
-                <a:solidFill>
-                  <a:srgbClr val="A50021"/>
-                </a:solidFill>
-                <a:cs typeface="ＭＳ Ｐゴシック" charset="0"/>
-              </a:rPr>
-              <a:t>course</a:t>
+              <a:t>In addition to this lecture, there will be four lectures on this course</a:t>
             </a:r>
             <a:endParaRPr lang="en-GB" altLang="da-DK" sz="1800" b="1" spc="-50" dirty="0">
               <a:solidFill>
@@ -9378,15 +8432,7 @@
             </a:pPr>
             <a:r>
               <a:rPr lang="en-GB" altLang="da-DK" sz="1600" dirty="0"/>
-              <a:t>How to write an academic </a:t>
-            </a:r>
-            <a:r>
-              <a:rPr lang="en-GB" altLang="da-DK" sz="1600" dirty="0" smtClean="0"/>
-              <a:t>paper and make an oral presentation of it </a:t>
-            </a:r>
-            <a:r>
-              <a:rPr lang="en-GB" altLang="da-DK" sz="1600" dirty="0"/>
-              <a:t>(by Kurt Jensen)</a:t>
+              <a:t>How to write an academic paper and make an oral presentation of it (by Kurt Jensen)</a:t>
             </a:r>
           </a:p>
           <a:p>
@@ -9408,45 +8454,28 @@
             </a:pPr>
             <a:r>
               <a:rPr lang="en-US" sz="1600" dirty="0"/>
-              <a:t>Generative AI in bachelor projects (rules and possibilities</a:t>
-            </a:r>
-            <a:r>
-              <a:rPr lang="en-US" sz="1600" dirty="0" smtClean="0"/>
-              <a:t>) (by </a:t>
-            </a:r>
+              <a:t>Generative AI in bachelor projects (rules and possibilities) (by Clemens Nylandsted Klokmose)</a:t>
+            </a:r>
+          </a:p>
+          <a:p>
+            <a:pPr marL="728663" lvl="1" indent="-271463">
+              <a:spcBef>
+                <a:spcPts val="300"/>
+              </a:spcBef>
+            </a:pPr>
             <a:r>
               <a:rPr lang="en-US" sz="1600" dirty="0"/>
-              <a:t>Niels Olof </a:t>
-            </a:r>
-            <a:r>
-              <a:rPr lang="en-US" sz="1600" dirty="0" smtClean="0"/>
-              <a:t>Bouvin)</a:t>
-            </a:r>
-            <a:endParaRPr lang="en-US" sz="1600" dirty="0"/>
-          </a:p>
-          <a:p>
-            <a:pPr marL="728663" lvl="1" indent="-271463">
-              <a:spcBef>
-                <a:spcPts val="300"/>
-              </a:spcBef>
-            </a:pPr>
-            <a:r>
-              <a:rPr lang="en-US" sz="1600" dirty="0" smtClean="0"/>
-              <a:t>How </a:t>
-            </a:r>
-            <a:r>
-              <a:rPr lang="en-US" sz="1600" dirty="0"/>
-              <a:t>to make proper charts and graphs (by Hans-Jörg Schulz)</a:t>
-            </a:r>
-          </a:p>
-          <a:p>
-            <a:pPr marL="728663" lvl="1" indent="-271463">
-              <a:spcBef>
-                <a:spcPts val="300"/>
-              </a:spcBef>
-            </a:pPr>
-            <a:r>
-              <a:rPr lang="en-GB" altLang="da-DK" sz="1600" dirty="0" smtClean="0"/>
+              <a:t>How to make proper charts and graphs (by Hans-Jörg Schulz)</a:t>
+            </a:r>
+          </a:p>
+          <a:p>
+            <a:pPr marL="728663" lvl="1" indent="-271463">
+              <a:spcBef>
+                <a:spcPts val="300"/>
+              </a:spcBef>
+            </a:pPr>
+            <a:r>
+              <a:rPr lang="en-GB" altLang="da-DK" sz="1600" dirty="0"/>
               <a:t>There will also be a Chart Clinique</a:t>
             </a:r>
             <a:r>
@@ -9454,7 +8483,7 @@
               <a:t> (by Hans-Jörg Schulz)</a:t>
             </a:r>
             <a:r>
-              <a:rPr lang="en-GB" altLang="da-DK" sz="1600" dirty="0" smtClean="0"/>
+              <a:rPr lang="en-GB" altLang="da-DK" sz="1600" dirty="0"/>
               <a:t> </a:t>
             </a:r>
           </a:p>
@@ -9465,26 +8494,17 @@
               </a:spcBef>
             </a:pPr>
             <a:r>
-              <a:rPr lang="en-GB" altLang="da-DK" sz="1600" dirty="0" smtClean="0"/>
-              <a:t>Detailed </a:t>
-            </a:r>
-            <a:r>
-              <a:rPr lang="en-GB" altLang="da-DK" sz="1600" dirty="0"/>
-              <a:t>plan can be found on the Brightspace page </a:t>
-            </a:r>
-            <a:r>
-              <a:rPr lang="en-GB" altLang="da-DK" sz="1600" b="1" dirty="0" smtClean="0">
+              <a:rPr lang="en-GB" altLang="da-DK" sz="1600" dirty="0"/>
+              <a:t>Detailed plan can be found on the Brightspace page </a:t>
+            </a:r>
+            <a:r>
+              <a:rPr lang="en-GB" altLang="da-DK" sz="1600" b="1" dirty="0">
                 <a:solidFill>
                   <a:srgbClr val="008000"/>
                 </a:solidFill>
               </a:rPr>
-              <a:t>Lectures</a:t>
-            </a:r>
-            <a:endParaRPr lang="en-GB" altLang="da-DK" sz="1600" b="1" dirty="0">
-              <a:solidFill>
-                <a:srgbClr val="008000"/>
-              </a:solidFill>
-            </a:endParaRPr>
+              <a:t>Lecture plan</a:t>
+            </a:r>
           </a:p>
           <a:p>
             <a:pPr marL="271463" lvl="1" indent="-271463">
@@ -9494,32 +8514,23 @@
               <a:buChar char="•"/>
             </a:pPr>
             <a:r>
-              <a:rPr lang="en-GB" altLang="da-DK" sz="1800" b="1" dirty="0" smtClean="0">
+              <a:rPr lang="en-GB" altLang="da-DK" sz="1800" b="1" dirty="0">
                 <a:solidFill>
                   <a:srgbClr val="A50021"/>
                 </a:solidFill>
                 <a:cs typeface="ＭＳ Ｐゴシック" charset="0"/>
               </a:rPr>
-              <a:t>The </a:t>
-            </a:r>
-            <a:r>
-              <a:rPr lang="en-GB" altLang="da-DK" sz="1800" b="1" dirty="0">
-                <a:solidFill>
-                  <a:srgbClr val="A50021"/>
-                </a:solidFill>
-                <a:cs typeface="ＭＳ Ｐゴシック" charset="0"/>
-              </a:rPr>
-              <a:t>lectures will be recorded in Zoom and a video will be made available on Brightspace shortly after the lecture</a:t>
-            </a:r>
-          </a:p>
-          <a:p>
-            <a:pPr marL="728663" lvl="1" indent="-271463">
-              <a:spcBef>
-                <a:spcPts val="300"/>
-              </a:spcBef>
-            </a:pPr>
-            <a:r>
-              <a:rPr lang="en-GB" altLang="da-DK" sz="1600" dirty="0" smtClean="0"/>
+              <a:t>The lectures will be recorded in Zoom and a video will be made available on Brightspace shortly after the lecture</a:t>
+            </a:r>
+          </a:p>
+          <a:p>
+            <a:pPr marL="728663" lvl="1" indent="-271463">
+              <a:spcBef>
+                <a:spcPts val="300"/>
+              </a:spcBef>
+            </a:pPr>
+            <a:r>
+              <a:rPr lang="en-GB" altLang="da-DK" sz="1600" dirty="0"/>
               <a:t>It will be nice and very fruitful, if the majority of you turn up in the auditorium</a:t>
             </a:r>
           </a:p>
@@ -9530,10 +8541,9 @@
               </a:spcBef>
             </a:pPr>
             <a:r>
-              <a:rPr lang="en-GB" altLang="da-DK" sz="1600" dirty="0" smtClean="0"/>
+              <a:rPr lang="en-GB" altLang="da-DK" sz="1600" dirty="0"/>
               <a:t>Then it will be much easier for you to ask questions and interact with me</a:t>
             </a:r>
-            <a:endParaRPr lang="en-GB" altLang="da-DK" sz="1600" dirty="0"/>
           </a:p>
           <a:p>
             <a:pPr marL="271463" lvl="1" indent="-271463">
@@ -9544,7 +8554,7 @@
               <a:buChar char="•"/>
             </a:pPr>
             <a:r>
-              <a:rPr lang="en-GB" altLang="da-DK" sz="1800" b="1" dirty="0" smtClean="0">
+              <a:rPr lang="en-GB" altLang="da-DK" sz="1800" b="1" dirty="0">
                 <a:solidFill>
                   <a:srgbClr val="A50021"/>
                 </a:solidFill>
@@ -9559,52 +8569,16 @@
                 </a:solidFill>
                 <a:cs typeface="ＭＳ Ｐゴシック" charset="0"/>
               </a:rPr>
-              <a:t>June </a:t>
-            </a:r>
-            <a:r>
-              <a:rPr lang="en-GB" altLang="da-DK" sz="1800" b="1" dirty="0" smtClean="0">
-                <a:solidFill>
-                  <a:srgbClr val="008000"/>
+              <a:t>June 8</a:t>
+            </a:r>
+            <a:r>
+              <a:rPr lang="en-GB" altLang="da-DK" sz="1800" b="1" dirty="0">
+                <a:solidFill>
+                  <a:srgbClr val="A50021"/>
                 </a:solidFill>
                 <a:cs typeface="ＭＳ Ｐゴシック" charset="0"/>
               </a:rPr>
-              <a:t>10</a:t>
-            </a:r>
-            <a:r>
-              <a:rPr lang="en-GB" altLang="da-DK" sz="1800" b="1" dirty="0" smtClean="0">
-                <a:solidFill>
-                  <a:srgbClr val="A50021"/>
-                </a:solidFill>
-                <a:cs typeface="ＭＳ Ｐゴシック" charset="0"/>
-              </a:rPr>
-              <a:t> </a:t>
-            </a:r>
-            <a:r>
-              <a:rPr lang="en-GB" altLang="da-DK" sz="1800" b="1" dirty="0">
-                <a:solidFill>
-                  <a:srgbClr val="A50021"/>
-                </a:solidFill>
-                <a:cs typeface="ＭＳ Ｐゴシック" charset="0"/>
-              </a:rPr>
-              <a:t>at </a:t>
-            </a:r>
-            <a:r>
-              <a:rPr lang="en-GB" altLang="da-DK" sz="1800" b="1" dirty="0" smtClean="0">
-                <a:solidFill>
-                  <a:srgbClr val="A50021"/>
-                </a:solidFill>
-                <a:cs typeface="ＭＳ Ｐゴシック" charset="0"/>
-              </a:rPr>
-              <a:t>13.00: </a:t>
-            </a:r>
-            <a:r>
-              <a:rPr lang="en-GB" altLang="da-DK" sz="1800" b="1" dirty="0">
-                <a:solidFill>
-                  <a:srgbClr val="A50021"/>
-                </a:solidFill>
-                <a:cs typeface="ＭＳ Ｐゴシック" charset="0"/>
-              </a:rPr>
-              <a:t>Deadline for bachelor report</a:t>
+              <a:t> at 13.00: Deadline for bachelor report</a:t>
             </a:r>
           </a:p>
           <a:p>
@@ -9616,31 +8590,13 @@
               <a:buChar char="•"/>
             </a:pPr>
             <a:r>
-              <a:rPr lang="en-GB" altLang="da-DK" sz="1800" b="1" dirty="0" smtClean="0">
+              <a:rPr lang="en-GB" altLang="da-DK" sz="1800" b="1" dirty="0">
                 <a:solidFill>
                   <a:srgbClr val="A50021"/>
                 </a:solidFill>
                 <a:cs typeface="ＭＳ Ｐゴシック" charset="0"/>
               </a:rPr>
-              <a:t>Second half </a:t>
-            </a:r>
-            <a:r>
-              <a:rPr lang="en-GB" altLang="da-DK" sz="1800" b="1" dirty="0">
-                <a:solidFill>
-                  <a:srgbClr val="A50021"/>
-                </a:solidFill>
-                <a:cs typeface="ＭＳ Ｐゴシック" charset="0"/>
-              </a:rPr>
-              <a:t>of June: Oral </a:t>
-            </a:r>
-            <a:r>
-              <a:rPr lang="en-GB" altLang="da-DK" sz="1800" b="1" dirty="0" smtClean="0">
-                <a:solidFill>
-                  <a:srgbClr val="A50021"/>
-                </a:solidFill>
-                <a:cs typeface="ＭＳ Ｐゴシック" charset="0"/>
-              </a:rPr>
-              <a:t>examination</a:t>
+              <a:t>Second half of June: Oral examination</a:t>
             </a:r>
           </a:p>
           <a:p>
@@ -9653,13 +8609,8 @@
             </a:pPr>
             <a:r>
               <a:rPr lang="en-GB" altLang="da-DK" sz="1600" dirty="0"/>
-              <a:t>We try to avoid overlap with your our </a:t>
-            </a:r>
-            <a:r>
-              <a:rPr lang="en-GB" altLang="da-DK" sz="1600" dirty="0" smtClean="0"/>
-              <a:t>exams</a:t>
-            </a:r>
-            <a:endParaRPr lang="en-GB" altLang="da-DK" sz="1600" dirty="0"/>
+              <a:t>We try to avoid overlap with your other exams</a:t>
+            </a:r>
           </a:p>
         </p:txBody>
       </p:sp>
@@ -9702,13 +8653,6 @@
   <p:clrMapOvr>
     <a:masterClrMapping/>
   </p:clrMapOvr>
-  <p:timing>
-    <p:tnLst>
-      <p:par>
-        <p:cTn id="1" dur="indefinite" restart="never" nodeType="tmRoot"/>
-      </p:par>
-    </p:tnLst>
-  </p:timing>
 </p:sld>
 </file>
 
@@ -9753,7 +8697,7 @@
               <a:defRPr/>
             </a:pPr>
             <a:r>
-              <a:rPr lang="en-GB" altLang="da-DK" sz="2800" dirty="0" smtClean="0"/>
+              <a:rPr lang="en-GB" altLang="da-DK" sz="2800" dirty="0"/>
               <a:t>Brightspace page for the course</a:t>
             </a:r>
           </a:p>
@@ -9787,13 +8731,13 @@
               <a:buChar char="•"/>
             </a:pPr>
             <a:r>
-              <a:rPr lang="en-GB" altLang="da-DK" sz="1800" b="1" spc="-70" dirty="0" smtClean="0">
+              <a:rPr lang="en-GB" altLang="da-DK" sz="1800" b="1" spc="-70" dirty="0">
                 <a:solidFill>
                   <a:srgbClr val="A50021"/>
                 </a:solidFill>
                 <a:cs typeface="ＭＳ Ｐゴシック" charset="0"/>
               </a:rPr>
-              <a:t>Each research group has a separate page on the Brightspace page of the course</a:t>
+              <a:t>Each section has a separate page on the Brightspace page of the course</a:t>
             </a:r>
           </a:p>
           <a:p>
@@ -9804,29 +8748,25 @@
             </a:pPr>
             <a:r>
               <a:rPr lang="en-GB" altLang="da-DK" sz="1600" spc="-50" dirty="0"/>
-              <a:t>You will find these pages under the </a:t>
-            </a:r>
-            <a:r>
-              <a:rPr lang="en-GB" altLang="da-DK" sz="1600" spc="-50" dirty="0" smtClean="0"/>
-              <a:t>page </a:t>
-            </a:r>
-            <a:r>
-              <a:rPr lang="en-GB" altLang="da-DK" sz="1600" b="1" spc="-50" dirty="0" smtClean="0">
+              <a:t>You will find these pages under the page </a:t>
+            </a:r>
+            <a:r>
+              <a:rPr lang="en-GB" altLang="da-DK" sz="1600" b="1" spc="-50" dirty="0">
                 <a:solidFill>
                   <a:srgbClr val="008000"/>
                 </a:solidFill>
               </a:rPr>
-              <a:t>Material from the individual research groups</a:t>
-            </a:r>
-          </a:p>
-          <a:p>
-            <a:pPr marL="728663" lvl="1" indent="-271463">
-              <a:spcBef>
-                <a:spcPts val="300"/>
-              </a:spcBef>
-            </a:pPr>
-            <a:r>
-              <a:rPr lang="en-GB" altLang="da-DK" sz="1600" dirty="0" smtClean="0"/>
+              <a:t>Material from the individual sections</a:t>
+            </a:r>
+          </a:p>
+          <a:p>
+            <a:pPr marL="728663" lvl="1" indent="-271463">
+              <a:spcBef>
+                <a:spcPts val="300"/>
+              </a:spcBef>
+            </a:pPr>
+            <a:r>
+              <a:rPr lang="en-GB" altLang="da-DK" sz="1600" dirty="0"/>
               <a:t>Here you can find different kinds of material from the research group</a:t>
             </a:r>
           </a:p>
@@ -9838,21 +8778,8 @@
             </a:pPr>
             <a:r>
               <a:rPr lang="en-GB" altLang="da-DK" sz="1600" spc="-20" dirty="0"/>
-              <a:t>It </a:t>
-            </a:r>
-            <a:r>
-              <a:rPr lang="en-GB" altLang="da-DK" sz="1600" spc="-20" dirty="0" smtClean="0"/>
-              <a:t>differs a lot from research </a:t>
-            </a:r>
-            <a:r>
-              <a:rPr lang="en-GB" altLang="da-DK" sz="1600" spc="-20" dirty="0"/>
-              <a:t>group to research group how much these </a:t>
-            </a:r>
-            <a:r>
-              <a:rPr lang="en-GB" altLang="da-DK" sz="1600" spc="-20" dirty="0" smtClean="0"/>
-              <a:t>pages are used</a:t>
-            </a:r>
-            <a:endParaRPr lang="en-GB" altLang="da-DK" sz="1600" spc="-20" dirty="0"/>
+              <a:t>It differs a lot from research group to research group how much these pages are used</a:t>
+            </a:r>
           </a:p>
           <a:p>
             <a:pPr marL="271463" lvl="1" indent="-271463">
@@ -9862,7 +8789,7 @@
               <a:buChar char="•"/>
             </a:pPr>
             <a:r>
-              <a:rPr lang="en-GB" altLang="da-DK" sz="1800" b="1" dirty="0" smtClean="0">
+              <a:rPr lang="en-GB" altLang="da-DK" sz="1800" b="1" dirty="0">
                 <a:solidFill>
                   <a:srgbClr val="A50021"/>
                 </a:solidFill>
@@ -9878,7 +8805,7 @@
               </a:spcBef>
             </a:pPr>
             <a:r>
-              <a:rPr lang="en-GB" altLang="da-DK" sz="1600" b="1" dirty="0" smtClean="0">
+              <a:rPr lang="en-GB" altLang="da-DK" sz="1600" b="1" dirty="0">
                 <a:solidFill>
                   <a:srgbClr val="008000"/>
                 </a:solidFill>
@@ -9886,18 +8813,9 @@
               <a:t>Announcements</a:t>
             </a:r>
             <a:r>
-              <a:rPr lang="en-GB" altLang="da-DK" sz="1600" dirty="0" smtClean="0"/>
-              <a:t> (contain </a:t>
-            </a:r>
-            <a:r>
-              <a:rPr lang="en-GB" altLang="da-DK" sz="1600" dirty="0"/>
-              <a:t>important information which you must take into </a:t>
-            </a:r>
-            <a:r>
-              <a:rPr lang="en-GB" altLang="da-DK" sz="1600" dirty="0" smtClean="0"/>
-              <a:t>account and also last-minute information) </a:t>
-            </a:r>
-            <a:endParaRPr lang="en-GB" altLang="da-DK" sz="1600" dirty="0"/>
+              <a:rPr lang="en-GB" altLang="da-DK" sz="1600" dirty="0"/>
+              <a:t> (contain important information which you must take into account and also last-minute information) </a:t>
+            </a:r>
           </a:p>
           <a:p>
             <a:pPr marL="728663" lvl="1" indent="-271463">
@@ -9929,11 +8847,11 @@
               </a:spcBef>
             </a:pPr>
             <a:r>
-              <a:rPr lang="en-GB" altLang="da-DK" sz="1600" dirty="0" smtClean="0"/>
+              <a:rPr lang="en-GB" altLang="da-DK" sz="1600" dirty="0"/>
               <a:t>The page </a:t>
             </a:r>
             <a:r>
-              <a:rPr lang="en-GB" altLang="da-DK" sz="1600" b="1" dirty="0" smtClean="0">
+              <a:rPr lang="en-GB" altLang="da-DK" sz="1600" b="1" dirty="0">
                 <a:solidFill>
                   <a:srgbClr val="008000"/>
                 </a:solidFill>
@@ -9941,7 +8859,7 @@
               <a:t>Rules </a:t>
             </a:r>
             <a:r>
-              <a:rPr lang="en-GB" altLang="da-DK" sz="1600" b="1" dirty="0" err="1" smtClean="0">
+              <a:rPr lang="en-GB" altLang="da-DK" sz="1600" b="1" dirty="0" err="1">
                 <a:solidFill>
                   <a:srgbClr val="008000"/>
                 </a:solidFill>
@@ -9950,13 +8868,8 @@
             </a:r>
             <a:r>
               <a:rPr lang="en-GB" altLang="da-DK" sz="1600" dirty="0"/>
-              <a:t> </a:t>
-            </a:r>
-            <a:r>
-              <a:rPr lang="en-GB" altLang="da-DK" sz="1600" dirty="0" smtClean="0"/>
-              <a:t>(summarises the formal requirements and rules)</a:t>
-            </a:r>
-            <a:endParaRPr lang="en-GB" altLang="da-DK" sz="1600" dirty="0"/>
+              <a:t> (summarises the formal requirements and rules)</a:t>
+            </a:r>
           </a:p>
           <a:p>
             <a:pPr marL="271463" lvl="1" indent="-271463">
@@ -9966,14 +8879,33 @@
               <a:buChar char="•"/>
             </a:pPr>
             <a:r>
-              <a:rPr lang="en-GB" altLang="da-DK" sz="1800" b="1" dirty="0" smtClean="0">
+              <a:rPr lang="en-GB" altLang="da-DK" sz="1800" b="1" dirty="0">
                 <a:solidFill>
                   <a:srgbClr val="A50021"/>
                 </a:solidFill>
                 <a:cs typeface="ＭＳ Ｐゴシック" charset="0"/>
               </a:rPr>
-              <a:t>If </a:t>
-            </a:r>
+              <a:t>If you have questions to me, please use the discussion forum</a:t>
+            </a:r>
+          </a:p>
+          <a:p>
+            <a:pPr marL="728663" lvl="1" indent="-271463">
+              <a:spcBef>
+                <a:spcPts val="300"/>
+              </a:spcBef>
+            </a:pPr>
+            <a:r>
+              <a:rPr lang="en-GB" altLang="da-DK" sz="1600" dirty="0"/>
+              <a:t>Then all other students and advisors can benefit from the answer</a:t>
+            </a:r>
+          </a:p>
+          <a:p>
+            <a:pPr marL="271463" lvl="1" indent="-271463">
+              <a:spcBef>
+                <a:spcPts val="1200"/>
+              </a:spcBef>
+              <a:buChar char="•"/>
+            </a:pPr>
             <a:r>
               <a:rPr lang="en-GB" altLang="da-DK" sz="1800" b="1" dirty="0">
                 <a:solidFill>
@@ -9981,54 +8913,6 @@
                 </a:solidFill>
                 <a:cs typeface="ＭＳ Ｐゴシック" charset="0"/>
               </a:rPr>
-              <a:t>you have questions to me, please use the </a:t>
-            </a:r>
-            <a:r>
-              <a:rPr lang="en-GB" altLang="da-DK" sz="1800" b="1" dirty="0" smtClean="0">
-                <a:solidFill>
-                  <a:srgbClr val="A50021"/>
-                </a:solidFill>
-                <a:cs typeface="ＭＳ Ｐゴシック" charset="0"/>
-              </a:rPr>
-              <a:t>discussion forum</a:t>
-            </a:r>
-            <a:endParaRPr lang="en-GB" altLang="da-DK" sz="1800" b="1" dirty="0">
-              <a:solidFill>
-                <a:srgbClr val="A50021"/>
-              </a:solidFill>
-              <a:cs typeface="ＭＳ Ｐゴシック" charset="0"/>
-            </a:endParaRPr>
-          </a:p>
-          <a:p>
-            <a:pPr marL="728663" lvl="1" indent="-271463">
-              <a:spcBef>
-                <a:spcPts val="300"/>
-              </a:spcBef>
-            </a:pPr>
-            <a:r>
-              <a:rPr lang="en-GB" altLang="da-DK" sz="1600" dirty="0"/>
-              <a:t>T</a:t>
-            </a:r>
-            <a:r>
-              <a:rPr lang="en-GB" altLang="da-DK" sz="1600" dirty="0" smtClean="0"/>
-              <a:t>hen all other students and advisors can benefit from the answer</a:t>
-            </a:r>
-            <a:endParaRPr lang="en-GB" altLang="da-DK" sz="1600" dirty="0"/>
-          </a:p>
-          <a:p>
-            <a:pPr marL="271463" lvl="1" indent="-271463">
-              <a:spcBef>
-                <a:spcPts val="1200"/>
-              </a:spcBef>
-              <a:buChar char="•"/>
-            </a:pPr>
-            <a:r>
-              <a:rPr lang="en-GB" altLang="da-DK" sz="1800" b="1" dirty="0" smtClean="0">
-                <a:solidFill>
-                  <a:srgbClr val="A50021"/>
-                </a:solidFill>
-                <a:cs typeface="ＭＳ Ｐゴシック" charset="0"/>
-              </a:rPr>
               <a:t>I may send mails to you via Brightspace</a:t>
             </a:r>
           </a:p>
@@ -10040,25 +8924,17 @@
             </a:pPr>
             <a:r>
               <a:rPr lang="en-GB" altLang="da-DK" sz="1600" dirty="0"/>
-              <a:t>Such mails are </a:t>
-            </a:r>
-            <a:r>
-              <a:rPr lang="en-GB" altLang="da-DK" sz="1600" dirty="0" smtClean="0"/>
-              <a:t>sent </a:t>
-            </a:r>
-            <a:r>
-              <a:rPr lang="en-GB" altLang="da-DK" sz="1600" dirty="0"/>
-              <a:t>to your AU mail account</a:t>
-            </a:r>
-          </a:p>
-          <a:p>
-            <a:pPr marL="728663" lvl="1" indent="-271463">
-              <a:spcBef>
-                <a:spcPts val="300"/>
-              </a:spcBef>
-            </a:pPr>
-            <a:r>
-              <a:rPr lang="en-GB" altLang="da-DK" sz="1600" dirty="0" smtClean="0"/>
+              <a:t>Such mails are sent to your AU mail account</a:t>
+            </a:r>
+          </a:p>
+          <a:p>
+            <a:pPr marL="728663" lvl="1" indent="-271463">
+              <a:spcBef>
+                <a:spcPts val="300"/>
+              </a:spcBef>
+            </a:pPr>
+            <a:r>
+              <a:rPr lang="en-GB" altLang="da-DK" sz="1600" dirty="0"/>
               <a:t>You should read (and react to) these on a daily basis</a:t>
             </a:r>
           </a:p>
@@ -10069,8 +8945,8 @@
               </a:spcBef>
             </a:pPr>
             <a:r>
-              <a:rPr lang="en-GB" altLang="da-DK" sz="1600" dirty="0" smtClean="0"/>
-              <a:t>Otherwise you may miss valuable information/deadlines</a:t>
+              <a:rPr lang="en-GB" altLang="da-DK" sz="1600" dirty="0"/>
+              <a:t>Otherwise, you may miss valuable information/deadlines</a:t>
             </a:r>
           </a:p>
         </p:txBody>
@@ -10114,13 +8990,6 @@
   <p:clrMapOvr>
     <a:masterClrMapping/>
   </p:clrMapOvr>
-  <p:timing>
-    <p:tnLst>
-      <p:par>
-        <p:cTn id="1" dur="indefinite" restart="never" nodeType="tmRoot"/>
-      </p:par>
-    </p:tnLst>
-  </p:timing>
 </p:sld>
 </file>
 
@@ -10165,7 +9034,7 @@
               <a:defRPr/>
             </a:pPr>
             <a:r>
-              <a:rPr lang="en-GB" altLang="da-DK" sz="2800" dirty="0" smtClean="0"/>
+              <a:rPr lang="en-GB" altLang="da-DK" sz="2800" dirty="0"/>
               <a:t>Meetings with research groups</a:t>
             </a:r>
           </a:p>
@@ -10205,7 +9074,7 @@
                 </a:solidFill>
                 <a:cs typeface="ＭＳ Ｐゴシック" charset="0"/>
               </a:rPr>
-              <a:t>From 13.15 to 14.00 representatives from each research groups will meet with their students to make practical arrangements etc.</a:t>
+              <a:t>From 13.15 to 14.00 representatives from each section will meet with their students to make practical arrangements etc.</a:t>
             </a:r>
           </a:p>
           <a:p>
@@ -10215,190 +9084,122 @@
               </a:spcBef>
             </a:pPr>
             <a:r>
-              <a:rPr lang="en-US" sz="1600" dirty="0"/>
-              <a:t>Algorithms, Data Structures and Foundations of Machine Learning: </a:t>
-            </a:r>
-            <a:r>
-              <a:rPr lang="en-US" sz="1600" b="1" dirty="0">
+              <a:rPr lang="da-DK" sz="1600" dirty="0" err="1"/>
+              <a:t>Algorithms</a:t>
+            </a:r>
+            <a:r>
+              <a:rPr lang="da-DK" sz="1600" dirty="0"/>
+              <a:t>, Data </a:t>
+            </a:r>
+            <a:r>
+              <a:rPr lang="da-DK" sz="1600" dirty="0" err="1"/>
+              <a:t>Structures</a:t>
+            </a:r>
+            <a:r>
+              <a:rPr lang="da-DK" sz="1600" dirty="0"/>
+              <a:t> and </a:t>
+            </a:r>
+            <a:r>
+              <a:rPr lang="da-DK" sz="1600" dirty="0" err="1"/>
+              <a:t>Artificial</a:t>
+            </a:r>
+            <a:r>
+              <a:rPr lang="da-DK" sz="1600" dirty="0"/>
+              <a:t> Intelligence (ADA):  </a:t>
+            </a:r>
+            <a:r>
+              <a:rPr lang="da-DK" sz="1600" b="1" dirty="0">
                 <a:solidFill>
                   <a:srgbClr val="FF0000"/>
                 </a:solidFill>
               </a:rPr>
-              <a:t>5335-327 Nygaard Meeting </a:t>
-            </a:r>
-            <a:r>
-              <a:rPr lang="en-US" sz="1600" b="1" dirty="0" smtClean="0">
+              <a:t>No meeting</a:t>
+            </a:r>
+            <a:r>
+              <a:rPr lang="da-DK" sz="1600" dirty="0"/>
+              <a:t>.</a:t>
+            </a:r>
+          </a:p>
+          <a:p>
+            <a:pPr marL="728663" lvl="1" indent="-271463">
+              <a:spcBef>
+                <a:spcPts val="600"/>
+              </a:spcBef>
+            </a:pPr>
+            <a:r>
+              <a:rPr lang="da-DK" sz="1600" dirty="0" err="1"/>
+              <a:t>Cryptography</a:t>
+            </a:r>
+            <a:r>
+              <a:rPr lang="da-DK" sz="1600" dirty="0"/>
+              <a:t> and </a:t>
+            </a:r>
+            <a:r>
+              <a:rPr lang="da-DK" sz="1600" dirty="0" err="1"/>
+              <a:t>Cybersecurity</a:t>
+            </a:r>
+            <a:r>
+              <a:rPr lang="da-DK" sz="1600" dirty="0"/>
+              <a:t> (CC): </a:t>
+            </a:r>
+            <a:r>
+              <a:rPr lang="da-DK" sz="1600" b="1" dirty="0">
                 <a:solidFill>
                   <a:srgbClr val="FF0000"/>
                 </a:solidFill>
               </a:rPr>
-              <a:t>Room</a:t>
-            </a:r>
+              <a:t>No meeting</a:t>
+            </a:r>
+            <a:r>
+              <a:rPr lang="da-DK" sz="1600" dirty="0"/>
+              <a:t>.</a:t>
+            </a:r>
+          </a:p>
+          <a:p>
+            <a:pPr marL="728663" lvl="1" indent="-271463">
+              <a:spcBef>
+                <a:spcPts val="600"/>
+              </a:spcBef>
+            </a:pPr>
+            <a:r>
+              <a:rPr lang="da-DK" sz="1600" dirty="0"/>
+              <a:t>Human-</a:t>
+            </a:r>
+            <a:r>
+              <a:rPr lang="da-DK" sz="1600" dirty="0" err="1"/>
+              <a:t>Centered</a:t>
+            </a:r>
+            <a:r>
+              <a:rPr lang="da-DK" sz="1600" dirty="0"/>
+              <a:t> Computing (HCC): 5365 Stibitz-1.</a:t>
+            </a:r>
+          </a:p>
+          <a:p>
+            <a:pPr marL="728663" lvl="1" indent="-271463">
+              <a:spcBef>
+                <a:spcPts val="600"/>
+              </a:spcBef>
+            </a:pPr>
+            <a:r>
+              <a:rPr lang="da-DK" sz="1600" dirty="0"/>
+              <a:t>Programming Languages, </a:t>
+            </a:r>
+            <a:r>
+              <a:rPr lang="da-DK" sz="1600" dirty="0" err="1"/>
+              <a:t>Logic</a:t>
+            </a:r>
+            <a:r>
+              <a:rPr lang="da-DK" sz="1600" dirty="0"/>
+              <a:t>, and Software Security (PLS): 5342-333 Ada Meeting Room.   </a:t>
+            </a:r>
+          </a:p>
+          <a:p>
+            <a:pPr marL="728663" lvl="1" indent="-271463">
+              <a:spcBef>
+                <a:spcPts val="600"/>
+              </a:spcBef>
+            </a:pPr>
             <a:endParaRPr lang="en-US" sz="1600" dirty="0"/>
-          </a:p>
-          <a:p>
-            <a:pPr marL="728663" lvl="1" indent="-271463">
-              <a:spcBef>
-                <a:spcPts val="600"/>
-              </a:spcBef>
-            </a:pPr>
-            <a:r>
-              <a:rPr lang="en-US" sz="1600" dirty="0"/>
-              <a:t>Collaboration and Computer-Human Interaction: </a:t>
-            </a:r>
-            <a:r>
-              <a:rPr lang="en-US" sz="1600" b="1" dirty="0">
-                <a:solidFill>
-                  <a:srgbClr val="008000"/>
-                </a:solidFill>
-              </a:rPr>
-              <a:t>Meeting on February 5</a:t>
-            </a:r>
-            <a:r>
-              <a:rPr lang="en-US" sz="1600" dirty="0"/>
-              <a:t> at 12.15 in 5365 Stibitz-1</a:t>
-            </a:r>
-          </a:p>
-          <a:p>
-            <a:pPr marL="728663" lvl="1" indent="-271463">
-              <a:spcBef>
-                <a:spcPts val="600"/>
-              </a:spcBef>
-            </a:pPr>
-            <a:r>
-              <a:rPr lang="en-US" sz="1600" dirty="0"/>
-              <a:t>Computational Complexity and Game Theory: </a:t>
-            </a:r>
-            <a:r>
-              <a:rPr lang="en-US" sz="1600" b="1" dirty="0">
-                <a:solidFill>
-                  <a:srgbClr val="FF0000"/>
-                </a:solidFill>
-              </a:rPr>
-              <a:t>5335-297 Nygaard Meeting </a:t>
-            </a:r>
-            <a:r>
-              <a:rPr lang="en-US" sz="1600" b="1" dirty="0" smtClean="0">
-                <a:solidFill>
-                  <a:srgbClr val="FF0000"/>
-                </a:solidFill>
-              </a:rPr>
-              <a:t>Room</a:t>
-            </a:r>
-            <a:endParaRPr lang="en-US" sz="1600" dirty="0"/>
-          </a:p>
-          <a:p>
-            <a:pPr marL="728663" lvl="1" indent="-271463">
-              <a:spcBef>
-                <a:spcPts val="600"/>
-              </a:spcBef>
-            </a:pPr>
-            <a:r>
-              <a:rPr lang="en-US" sz="1600" dirty="0"/>
-              <a:t>Cryptography and Security: </a:t>
-            </a:r>
-            <a:r>
-              <a:rPr lang="en-US" sz="1600" b="1" dirty="0">
-                <a:solidFill>
-                  <a:srgbClr val="008000"/>
-                </a:solidFill>
-              </a:rPr>
-              <a:t>No </a:t>
-            </a:r>
-            <a:r>
-              <a:rPr lang="en-US" sz="1600" b="1" dirty="0" smtClean="0">
-                <a:solidFill>
-                  <a:srgbClr val="008000"/>
-                </a:solidFill>
-              </a:rPr>
-              <a:t>meeting</a:t>
-            </a:r>
-            <a:endParaRPr lang="en-US" sz="1600" dirty="0"/>
-          </a:p>
-          <a:p>
-            <a:pPr marL="728663" lvl="1" indent="-271463">
-              <a:spcBef>
-                <a:spcPts val="600"/>
-              </a:spcBef>
-            </a:pPr>
-            <a:r>
-              <a:rPr lang="en-US" sz="1600" dirty="0"/>
-              <a:t>Data-Intensive Systems: </a:t>
-            </a:r>
-            <a:r>
-              <a:rPr lang="en-US" sz="1600" b="1" dirty="0">
-                <a:solidFill>
-                  <a:srgbClr val="008000"/>
-                </a:solidFill>
-              </a:rPr>
-              <a:t>Meeting on February 7</a:t>
-            </a:r>
-            <a:r>
-              <a:rPr lang="en-US" sz="1600" dirty="0"/>
-              <a:t> at 12.30 in 5335-327 Nygaard Meeting Room </a:t>
-            </a:r>
-          </a:p>
-          <a:p>
-            <a:pPr marL="728663" lvl="1" indent="-271463">
-              <a:spcBef>
-                <a:spcPts val="600"/>
-              </a:spcBef>
-            </a:pPr>
-            <a:r>
-              <a:rPr lang="en-US" sz="1600" dirty="0"/>
-              <a:t>Logic and Semantics &amp; Programming Languages: </a:t>
-            </a:r>
-            <a:r>
-              <a:rPr lang="en-US" sz="1600" b="1" dirty="0">
-                <a:solidFill>
-                  <a:srgbClr val="FF0000"/>
-                </a:solidFill>
-              </a:rPr>
-              <a:t>5342-333 Ada Meeting </a:t>
-            </a:r>
-            <a:r>
-              <a:rPr lang="en-US" sz="1600" b="1" dirty="0" smtClean="0">
-                <a:solidFill>
-                  <a:srgbClr val="FF0000"/>
-                </a:solidFill>
-              </a:rPr>
-              <a:t>Room</a:t>
-            </a:r>
-            <a:r>
-              <a:rPr lang="en-US" sz="1600" dirty="0" smtClean="0"/>
-              <a:t>.</a:t>
-            </a:r>
-            <a:endParaRPr lang="en-US" sz="1600" dirty="0"/>
-          </a:p>
-          <a:p>
-            <a:pPr marL="728663" lvl="1" indent="-271463">
-              <a:spcBef>
-                <a:spcPts val="600"/>
-              </a:spcBef>
-            </a:pPr>
-            <a:r>
-              <a:rPr lang="en-US" sz="1600" dirty="0"/>
-              <a:t>Ubiquitous Computing and Interaction: </a:t>
-            </a:r>
-            <a:r>
-              <a:rPr lang="en-US" sz="1600" b="1" dirty="0">
-                <a:solidFill>
-                  <a:srgbClr val="008000"/>
-                </a:solidFill>
-              </a:rPr>
-              <a:t>Meeting on February 5</a:t>
-            </a:r>
-            <a:r>
-              <a:rPr lang="en-US" sz="1600" dirty="0"/>
-              <a:t> at 12.15 in</a:t>
-            </a:r>
-            <a:br>
-              <a:rPr lang="en-US" sz="1600" dirty="0"/>
-            </a:br>
-            <a:r>
-              <a:rPr lang="en-US" sz="1600" dirty="0"/>
-              <a:t>5365 Stibitz-1.</a:t>
-            </a:r>
           </a:p>
           <a:p>
             <a:pPr marL="271463" lvl="1" indent="-271463">
@@ -10450,13 +9251,6 @@
   <p:clrMapOvr>
     <a:masterClrMapping/>
   </p:clrMapOvr>
-  <p:timing>
-    <p:tnLst>
-      <p:par>
-        <p:cTn id="1" dur="indefinite" restart="never" nodeType="tmRoot"/>
-      </p:par>
-    </p:tnLst>
-  </p:timing>
 </p:sld>
 </file>
 
@@ -10501,7 +9295,7 @@
               <a:defRPr/>
             </a:pPr>
             <a:r>
-              <a:rPr lang="en-GB" altLang="da-DK" sz="2800" dirty="0" smtClean="0"/>
+              <a:rPr lang="en-GB" altLang="da-DK" sz="2800" dirty="0"/>
               <a:t>DISCLAIMER</a:t>
             </a:r>
           </a:p>
@@ -10535,7 +9329,7 @@
               <a:buChar char="•"/>
             </a:pPr>
             <a:r>
-              <a:rPr lang="en-GB" altLang="da-DK" sz="1800" b="1" dirty="0" smtClean="0">
+              <a:rPr lang="en-GB" altLang="da-DK" sz="1800" b="1" dirty="0">
                 <a:solidFill>
                   <a:srgbClr val="A50021"/>
                 </a:solidFill>
@@ -10543,25 +9337,19 @@
               </a:rPr>
               <a:t>Traditions and work methods vary a lot from research area to research area (and from advisor to advisor)</a:t>
             </a:r>
-            <a:endParaRPr lang="en-GB" altLang="da-DK" sz="1800" b="1" dirty="0">
-              <a:solidFill>
-                <a:srgbClr val="A50021"/>
-              </a:solidFill>
-              <a:cs typeface="ＭＳ Ｐゴシック" charset="0"/>
-            </a:endParaRPr>
-          </a:p>
-          <a:p>
-            <a:pPr marL="728663" lvl="1" indent="-271463">
-              <a:spcBef>
-                <a:spcPts val="300"/>
-              </a:spcBef>
-            </a:pPr>
-            <a:r>
-              <a:rPr lang="en-GB" altLang="da-DK" sz="1600" dirty="0" smtClean="0"/>
+          </a:p>
+          <a:p>
+            <a:pPr marL="728663" lvl="1" indent="-271463">
+              <a:spcBef>
+                <a:spcPts val="300"/>
+              </a:spcBef>
+            </a:pPr>
+            <a:r>
+              <a:rPr lang="en-GB" altLang="da-DK" sz="1600" dirty="0"/>
               <a:t>If there is a conflict between the </a:t>
             </a:r>
             <a:r>
-              <a:rPr lang="en-GB" altLang="da-DK" sz="1600" b="1" dirty="0" smtClean="0">
+              <a:rPr lang="en-GB" altLang="da-DK" sz="1600" b="1" dirty="0">
                 <a:solidFill>
                   <a:srgbClr val="008000"/>
                 </a:solidFill>
@@ -10569,11 +9357,11 @@
               <a:t>general</a:t>
             </a:r>
             <a:r>
-              <a:rPr lang="en-GB" altLang="da-DK" sz="1600" dirty="0" smtClean="0"/>
+              <a:rPr lang="en-GB" altLang="da-DK" sz="1600" dirty="0"/>
               <a:t> advise and directions in this talk, and the more </a:t>
             </a:r>
             <a:r>
-              <a:rPr lang="en-GB" altLang="da-DK" sz="1600" b="1" dirty="0" smtClean="0">
+              <a:rPr lang="en-GB" altLang="da-DK" sz="1600" b="1" dirty="0">
                 <a:solidFill>
                   <a:srgbClr val="008000"/>
                 </a:solidFill>
@@ -10581,7 +9369,7 @@
               <a:t>specific</a:t>
             </a:r>
             <a:r>
-              <a:rPr lang="en-GB" altLang="da-DK" sz="1600" dirty="0" smtClean="0"/>
+              <a:rPr lang="en-GB" altLang="da-DK" sz="1600" dirty="0"/>
               <a:t> advise and directions given by your advisor, you should always do as your advisor tells you</a:t>
             </a:r>
           </a:p>
@@ -10599,81 +9387,32 @@
                 </a:solidFill>
                 <a:cs typeface="ＭＳ Ｐゴシック" charset="0"/>
               </a:rPr>
-              <a:t>The advice and directions given in this talk </a:t>
-            </a:r>
-            <a:r>
-              <a:rPr lang="en-GB" altLang="da-DK" sz="1800" b="1" dirty="0" smtClean="0">
-                <a:solidFill>
-                  <a:srgbClr val="A50021"/>
-                </a:solidFill>
-                <a:cs typeface="ＭＳ Ｐゴシック" charset="0"/>
-              </a:rPr>
-              <a:t>have </a:t>
-            </a:r>
-            <a:r>
-              <a:rPr lang="en-GB" altLang="da-DK" sz="1800" b="1" dirty="0">
-                <a:solidFill>
-                  <a:srgbClr val="A50021"/>
-                </a:solidFill>
-                <a:cs typeface="ＭＳ Ｐゴシック" charset="0"/>
-              </a:rPr>
-              <a:t>proved to be valuable for </a:t>
-            </a:r>
-            <a:r>
-              <a:rPr lang="en-GB" altLang="da-DK" sz="1800" b="1" dirty="0" smtClean="0">
-                <a:solidFill>
-                  <a:srgbClr val="A50021"/>
-                </a:solidFill>
-                <a:cs typeface="ＭＳ Ｐゴシック" charset="0"/>
-              </a:rPr>
-              <a:t>many </a:t>
-            </a:r>
-            <a:r>
-              <a:rPr lang="en-GB" altLang="da-DK" sz="1800" b="1" dirty="0">
-                <a:solidFill>
-                  <a:srgbClr val="A50021"/>
-                </a:solidFill>
-                <a:cs typeface="ＭＳ Ｐゴシック" charset="0"/>
-              </a:rPr>
-              <a:t>students</a:t>
-            </a:r>
-          </a:p>
-          <a:p>
-            <a:pPr marL="728663" lvl="1" indent="-271463">
-              <a:spcBef>
-                <a:spcPts val="300"/>
-              </a:spcBef>
-            </a:pPr>
-            <a:r>
-              <a:rPr lang="en-GB" altLang="da-DK" sz="1600" dirty="0"/>
-              <a:t>I do not care </a:t>
-            </a:r>
-            <a:r>
-              <a:rPr lang="en-GB" altLang="da-DK" sz="1600" dirty="0" smtClean="0"/>
-              <a:t>whether </a:t>
-            </a:r>
-            <a:r>
-              <a:rPr lang="en-GB" altLang="da-DK" sz="1600" dirty="0"/>
-              <a:t>you </a:t>
-            </a:r>
-            <a:r>
-              <a:rPr lang="en-GB" altLang="da-DK" sz="1600" dirty="0" smtClean="0"/>
-              <a:t>follow my advice</a:t>
-            </a:r>
-            <a:endParaRPr lang="en-GB" altLang="da-DK" sz="1600" dirty="0"/>
-          </a:p>
-          <a:p>
-            <a:pPr marL="728663" lvl="1" indent="-271463">
-              <a:spcBef>
-                <a:spcPts val="300"/>
-              </a:spcBef>
-            </a:pPr>
-            <a:r>
-              <a:rPr lang="en-GB" altLang="da-DK" sz="1600" dirty="0" smtClean="0"/>
+              <a:t>The advice and directions given in this talk have proved to be valuable for many students</a:t>
+            </a:r>
+          </a:p>
+          <a:p>
+            <a:pPr marL="728663" lvl="1" indent="-271463">
+              <a:spcBef>
+                <a:spcPts val="300"/>
+              </a:spcBef>
+            </a:pPr>
+            <a:r>
+              <a:rPr lang="en-GB" altLang="da-DK" sz="1600" dirty="0"/>
+              <a:t>I do not care whether you follow my advice</a:t>
+            </a:r>
+          </a:p>
+          <a:p>
+            <a:pPr marL="728663" lvl="1" indent="-271463">
+              <a:spcBef>
+                <a:spcPts val="300"/>
+              </a:spcBef>
+            </a:pPr>
+            <a:r>
+              <a:rPr lang="en-GB" altLang="da-DK" sz="1600" dirty="0"/>
               <a:t>It is up to </a:t>
             </a:r>
             <a:r>
-              <a:rPr lang="en-GB" altLang="da-DK" sz="1600" b="1" dirty="0" smtClean="0">
+              <a:rPr lang="en-GB" altLang="da-DK" sz="1600" b="1" dirty="0">
                 <a:solidFill>
                   <a:srgbClr val="008000"/>
                 </a:solidFill>
@@ -10681,7 +9420,7 @@
               <a:t>you</a:t>
             </a:r>
             <a:r>
-              <a:rPr lang="en-GB" altLang="da-DK" sz="1600" dirty="0" smtClean="0"/>
+              <a:rPr lang="en-GB" altLang="da-DK" sz="1600" dirty="0"/>
               <a:t> (and your advisor) to optimize your working methods, so that you get the best result out of your bachelor project</a:t>
             </a:r>
           </a:p>
@@ -10692,7 +9431,7 @@
               </a:spcBef>
             </a:pPr>
             <a:r>
-              <a:rPr lang="en-GB" altLang="da-DK" sz="1600" dirty="0" smtClean="0"/>
+              <a:rPr lang="en-GB" altLang="da-DK" sz="1600" dirty="0"/>
               <a:t>However, it is stupid to reject the advise in this talk – without due consideration</a:t>
             </a:r>
           </a:p>
@@ -10767,13 +9506,6 @@
   <p:clrMapOvr>
     <a:masterClrMapping/>
   </p:clrMapOvr>
-  <p:timing>
-    <p:tnLst>
-      <p:par>
-        <p:cTn id="1" dur="indefinite" restart="never" nodeType="tmRoot"/>
-      </p:par>
-    </p:tnLst>
-  </p:timing>
 </p:sld>
 </file>
 
@@ -10816,13 +9548,13 @@
           <a:p>
             <a:pPr eaLnBrk="1" hangingPunct="1"/>
             <a:r>
-              <a:rPr lang="en-GB" altLang="da-DK" sz="2800" dirty="0" smtClean="0">
+              <a:rPr lang="en-GB" altLang="da-DK" sz="2800" dirty="0">
                 <a:ea typeface="ＭＳ Ｐゴシック" pitchFamily="34" charset="-128"/>
               </a:rPr>
               <a:t>That's</a:t>
             </a:r>
             <a:r>
-              <a:rPr lang="en-GB" altLang="da-DK" sz="3200" noProof="0" dirty="0" smtClean="0">
+              <a:rPr lang="en-GB" altLang="da-DK" sz="3200" noProof="0" dirty="0">
                 <a:ea typeface="ＭＳ Ｐゴシック" pitchFamily="34" charset="-128"/>
               </a:rPr>
               <a:t> all for now…                 … questions</a:t>
@@ -11283,7 +10015,7 @@
               <a:defRPr/>
             </a:pPr>
             <a:r>
-              <a:rPr lang="en-GB" altLang="da-DK" sz="2800" dirty="0" smtClean="0"/>
+              <a:rPr lang="en-GB" altLang="da-DK" sz="2800" dirty="0"/>
               <a:t>Bachelor project contract</a:t>
             </a:r>
           </a:p>
@@ -11317,38 +10049,108 @@
               <a:buChar char="•"/>
             </a:pPr>
             <a:r>
-              <a:rPr lang="en-GB" altLang="da-DK" sz="1800" b="1" dirty="0" smtClean="0">
+              <a:rPr lang="en-GB" altLang="da-DK" sz="1800" b="1" dirty="0">
                 <a:solidFill>
                   <a:srgbClr val="A50021"/>
                 </a:solidFill>
                 <a:cs typeface="ＭＳ Ｐゴシック" charset="0"/>
               </a:rPr>
-              <a:t>It is time to </a:t>
+              <a:t>It is time to make the first version of your </a:t>
             </a:r>
             <a:r>
               <a:rPr lang="en-GB" altLang="da-DK" sz="1800" b="1" dirty="0">
                 <a:solidFill>
+                  <a:srgbClr val="008000"/>
+                </a:solidFill>
+                <a:cs typeface="ＭＳ Ｐゴシック" charset="0"/>
+              </a:rPr>
+              <a:t>bachelor project contract</a:t>
+            </a:r>
+          </a:p>
+          <a:p>
+            <a:pPr marL="271463" lvl="1" indent="-271463">
+              <a:spcBef>
+                <a:spcPts val="1200"/>
+              </a:spcBef>
+              <a:buChar char="•"/>
+            </a:pPr>
+            <a:r>
+              <a:rPr lang="en-GB" altLang="da-DK" sz="1800" b="1" dirty="0">
+                <a:solidFill>
                   <a:srgbClr val="A50021"/>
                 </a:solidFill>
                 <a:cs typeface="ＭＳ Ｐゴシック" charset="0"/>
               </a:rPr>
-              <a:t>make the first version of your </a:t>
-            </a:r>
-            <a:r>
-              <a:rPr lang="en-GB" altLang="da-DK" sz="1800" b="1" dirty="0" smtClean="0">
-                <a:solidFill>
-                  <a:srgbClr val="008000"/>
+              <a:t>The contract will help you</a:t>
+            </a:r>
+          </a:p>
+          <a:p>
+            <a:pPr marL="728663" lvl="1" indent="-271463">
+              <a:spcBef>
+                <a:spcPts val="300"/>
+              </a:spcBef>
+            </a:pPr>
+            <a:r>
+              <a:rPr lang="en-GB" altLang="da-DK" sz="1600" dirty="0"/>
+              <a:t>organise your work in a suitable way, so that you achieve a good final result</a:t>
+            </a:r>
+          </a:p>
+          <a:p>
+            <a:pPr marL="728663" lvl="1" indent="-271463">
+              <a:spcBef>
+                <a:spcPts val="300"/>
+              </a:spcBef>
+            </a:pPr>
+            <a:r>
+              <a:rPr lang="en-GB" altLang="da-DK" sz="1600" spc="-50" dirty="0"/>
+              <a:t>adjust expectations between the group members and between the group and the advisor</a:t>
+            </a:r>
+          </a:p>
+          <a:p>
+            <a:pPr marL="728663" lvl="1" indent="-271463">
+              <a:spcBef>
+                <a:spcPts val="300"/>
+              </a:spcBef>
+            </a:pPr>
+            <a:r>
+              <a:rPr lang="en-GB" altLang="da-DK" sz="1600" dirty="0"/>
+              <a:t>make an informed judgement of how much you will be able to do within your project</a:t>
+            </a:r>
+          </a:p>
+          <a:p>
+            <a:pPr marL="271463" lvl="1" indent="-271463">
+              <a:spcBef>
+                <a:spcPts val="1200"/>
+              </a:spcBef>
+              <a:buChar char="•"/>
+            </a:pPr>
+            <a:r>
+              <a:rPr lang="en-GB" altLang="da-DK" sz="1800" b="1" dirty="0">
+                <a:solidFill>
+                  <a:srgbClr val="A50021"/>
                 </a:solidFill>
                 <a:cs typeface="ＭＳ Ｐゴシック" charset="0"/>
               </a:rPr>
-              <a:t>bachelor project contract</a:t>
-            </a:r>
-            <a:endParaRPr lang="en-GB" altLang="da-DK" sz="1800" b="1" dirty="0">
-              <a:solidFill>
-                <a:srgbClr val="008000"/>
-              </a:solidFill>
-              <a:cs typeface="ＭＳ Ｐゴシック" charset="0"/>
-            </a:endParaRPr>
+              <a:t>Having 4½ months may seem as "infinite time"</a:t>
+            </a:r>
+          </a:p>
+          <a:p>
+            <a:pPr marL="728663" lvl="1" indent="-271463">
+              <a:spcBef>
+                <a:spcPts val="300"/>
+              </a:spcBef>
+            </a:pPr>
+            <a:r>
+              <a:rPr lang="en-GB" altLang="da-DK" sz="1600" dirty="0"/>
+              <a:t>But with 4 work tasks and time to write the introduction and summary, plus time to collect existing drafts of sections into the final report, you actually have at most</a:t>
+            </a:r>
+            <a:br>
+              <a:rPr lang="en-GB" altLang="da-DK" sz="1600" dirty="0"/>
+            </a:br>
+            <a:r>
+              <a:rPr lang="en-GB" altLang="da-DK" sz="1600" dirty="0"/>
+              <a:t>2 full time weeks per work task</a:t>
+            </a:r>
           </a:p>
           <a:p>
             <a:pPr marL="271463" lvl="1" indent="-271463">
@@ -11364,134 +10166,6 @@
                 </a:solidFill>
                 <a:cs typeface="ＭＳ Ｐゴシック" charset="0"/>
               </a:rPr>
-              <a:t>The contract will help </a:t>
-            </a:r>
-            <a:r>
-              <a:rPr lang="en-GB" altLang="da-DK" sz="1800" b="1" dirty="0" smtClean="0">
-                <a:solidFill>
-                  <a:srgbClr val="A50021"/>
-                </a:solidFill>
-                <a:cs typeface="ＭＳ Ｐゴシック" charset="0"/>
-              </a:rPr>
-              <a:t>you</a:t>
-            </a:r>
-            <a:endParaRPr lang="en-GB" altLang="da-DK" sz="1800" b="1" dirty="0">
-              <a:solidFill>
-                <a:srgbClr val="A50021"/>
-              </a:solidFill>
-              <a:cs typeface="ＭＳ Ｐゴシック" charset="0"/>
-            </a:endParaRPr>
-          </a:p>
-          <a:p>
-            <a:pPr marL="728663" lvl="1" indent="-271463">
-              <a:spcBef>
-                <a:spcPts val="300"/>
-              </a:spcBef>
-            </a:pPr>
-            <a:r>
-              <a:rPr lang="en-GB" altLang="da-DK" sz="1600" dirty="0"/>
-              <a:t>organise your work in a suitable way, so that you </a:t>
-            </a:r>
-            <a:r>
-              <a:rPr lang="en-GB" altLang="da-DK" sz="1600" dirty="0" smtClean="0"/>
-              <a:t>achieve </a:t>
-            </a:r>
-            <a:r>
-              <a:rPr lang="en-GB" altLang="da-DK" sz="1600" dirty="0"/>
-              <a:t>a good final result</a:t>
-            </a:r>
-          </a:p>
-          <a:p>
-            <a:pPr marL="728663" lvl="1" indent="-271463">
-              <a:spcBef>
-                <a:spcPts val="300"/>
-              </a:spcBef>
-            </a:pPr>
-            <a:r>
-              <a:rPr lang="en-GB" altLang="da-DK" sz="1600" spc="-50" dirty="0"/>
-              <a:t>adjust expectations between </a:t>
-            </a:r>
-            <a:r>
-              <a:rPr lang="en-GB" altLang="da-DK" sz="1600" spc="-50" dirty="0" smtClean="0"/>
-              <a:t>the </a:t>
-            </a:r>
-            <a:r>
-              <a:rPr lang="en-GB" altLang="da-DK" sz="1600" spc="-50" dirty="0"/>
-              <a:t>group members and between the group and the advisor</a:t>
-            </a:r>
-          </a:p>
-          <a:p>
-            <a:pPr marL="728663" lvl="1" indent="-271463">
-              <a:spcBef>
-                <a:spcPts val="300"/>
-              </a:spcBef>
-            </a:pPr>
-            <a:r>
-              <a:rPr lang="en-GB" altLang="da-DK" sz="1600" dirty="0" smtClean="0"/>
-              <a:t>make </a:t>
-            </a:r>
-            <a:r>
-              <a:rPr lang="en-GB" altLang="da-DK" sz="1600" dirty="0"/>
-              <a:t>an informed judgement of how much you will be able to do within your </a:t>
-            </a:r>
-            <a:r>
-              <a:rPr lang="en-GB" altLang="da-DK" sz="1600" dirty="0" smtClean="0"/>
-              <a:t>project</a:t>
-            </a:r>
-          </a:p>
-          <a:p>
-            <a:pPr marL="271463" lvl="1" indent="-271463">
-              <a:spcBef>
-                <a:spcPts val="1200"/>
-              </a:spcBef>
-              <a:buChar char="•"/>
-            </a:pPr>
-            <a:r>
-              <a:rPr lang="en-GB" altLang="da-DK" sz="1800" b="1" dirty="0">
-                <a:solidFill>
-                  <a:srgbClr val="A50021"/>
-                </a:solidFill>
-                <a:cs typeface="ＭＳ Ｐゴシック" charset="0"/>
-              </a:rPr>
-              <a:t>Having 4½ months may seem as "infinite time"</a:t>
-            </a:r>
-          </a:p>
-          <a:p>
-            <a:pPr marL="728663" lvl="1" indent="-271463">
-              <a:spcBef>
-                <a:spcPts val="300"/>
-              </a:spcBef>
-            </a:pPr>
-            <a:r>
-              <a:rPr lang="en-GB" altLang="da-DK" sz="1600" dirty="0"/>
-              <a:t>But with 4 work tasks and time to write the introduction and summary, plus time to collect existing drafts of sections into the final report, you actually have at most</a:t>
-            </a:r>
-            <a:br>
-              <a:rPr lang="en-GB" altLang="da-DK" sz="1600" dirty="0"/>
-            </a:br>
-            <a:r>
-              <a:rPr lang="en-GB" altLang="da-DK" sz="1600" dirty="0"/>
-              <a:t>2 full time weeks per work </a:t>
-            </a:r>
-            <a:r>
-              <a:rPr lang="en-GB" altLang="da-DK" sz="1600" dirty="0" smtClean="0"/>
-              <a:t>task</a:t>
-            </a:r>
-          </a:p>
-          <a:p>
-            <a:pPr marL="271463" lvl="1" indent="-271463">
-              <a:spcBef>
-                <a:spcPts val="1200"/>
-              </a:spcBef>
-              <a:buChar char="•"/>
-            </a:pPr>
-            <a:r>
-              <a:rPr lang="en-GB" altLang="da-DK" sz="1800" b="1" dirty="0" smtClean="0">
-                <a:solidFill>
-                  <a:srgbClr val="A50021"/>
-                </a:solidFill>
-                <a:cs typeface="ＭＳ Ｐゴシック" charset="0"/>
-              </a:rPr>
               <a:t>The contract is a 1-3 page document containing</a:t>
             </a:r>
             <a:endParaRPr lang="en-GB" altLang="da-DK" sz="1600" dirty="0"/>
@@ -11515,33 +10189,28 @@
             </a:pPr>
             <a:r>
               <a:rPr lang="en-GB" altLang="da-DK" sz="1600" dirty="0"/>
-              <a:t>A short description of your project (at least 10-20 lines, which may be a slightly modified version of the project proposal</a:t>
-            </a:r>
-            <a:r>
-              <a:rPr lang="en-GB" altLang="da-DK" sz="1600" dirty="0" smtClean="0"/>
-              <a:t>)</a:t>
-            </a:r>
-          </a:p>
-          <a:p>
-            <a:pPr marL="728663" lvl="1" indent="-271463">
-              <a:spcBef>
-                <a:spcPts val="300"/>
-              </a:spcBef>
-            </a:pPr>
-            <a:r>
-              <a:rPr lang="en-GB" altLang="da-DK" sz="1600" dirty="0" smtClean="0"/>
+              <a:t>A short description of your project (at least 10-20 lines, which may be a slightly modified version of the project proposal)</a:t>
+            </a:r>
+          </a:p>
+          <a:p>
+            <a:pPr marL="728663" lvl="1" indent="-271463">
+              <a:spcBef>
+                <a:spcPts val="300"/>
+              </a:spcBef>
+            </a:pPr>
+            <a:r>
+              <a:rPr lang="en-GB" altLang="da-DK" sz="1600" dirty="0"/>
               <a:t>A list of work tasks to be done during your project</a:t>
             </a:r>
-            <a:endParaRPr lang="en-GB" altLang="da-DK" sz="1600" dirty="0"/>
-          </a:p>
-          <a:p>
-            <a:pPr marL="728663" lvl="1" indent="-271463">
-              <a:spcBef>
-                <a:spcPts val="300"/>
-              </a:spcBef>
-            </a:pPr>
-            <a:r>
-              <a:rPr lang="en-GB" altLang="da-DK" sz="1600" dirty="0" smtClean="0"/>
+          </a:p>
+          <a:p>
+            <a:pPr marL="728663" lvl="1" indent="-271463">
+              <a:spcBef>
+                <a:spcPts val="300"/>
+              </a:spcBef>
+            </a:pPr>
+            <a:r>
+              <a:rPr lang="en-GB" altLang="da-DK" sz="1600" dirty="0"/>
               <a:t>Provisional table of contents with a number of sections (corresponding to work tasks), and the proposed number of pages for each section</a:t>
             </a:r>
           </a:p>
@@ -11552,7 +10221,7 @@
               </a:spcBef>
             </a:pPr>
             <a:r>
-              <a:rPr lang="en-GB" altLang="da-DK" sz="1600" dirty="0" smtClean="0"/>
+              <a:rPr lang="en-GB" altLang="da-DK" sz="1600" dirty="0"/>
               <a:t>A time plan describing when the different work tasks should be finished</a:t>
             </a:r>
           </a:p>
@@ -11611,13 +10280,6 @@
   <p:clrMapOvr>
     <a:masterClrMapping/>
   </p:clrMapOvr>
-  <p:timing>
-    <p:tnLst>
-      <p:par>
-        <p:cTn id="1" dur="indefinite" restart="never" nodeType="tmRoot"/>
-      </p:par>
-    </p:tnLst>
-  </p:timing>
 </p:sld>
 </file>
 
@@ -11662,7 +10324,7 @@
               <a:defRPr/>
             </a:pPr>
             <a:r>
-              <a:rPr lang="en-GB" altLang="da-DK" sz="2800" dirty="0" smtClean="0"/>
+              <a:rPr lang="en-GB" altLang="da-DK" sz="2800" dirty="0"/>
               <a:t>Submission of bachelor project contract</a:t>
             </a:r>
           </a:p>
@@ -11696,7 +10358,7 @@
               <a:buChar char="•"/>
             </a:pPr>
             <a:r>
-              <a:rPr lang="en-GB" altLang="da-DK" sz="1800" b="1" dirty="0" smtClean="0">
+              <a:rPr lang="en-GB" altLang="da-DK" sz="1800" b="1" dirty="0">
                 <a:solidFill>
                   <a:srgbClr val="A50021"/>
                 </a:solidFill>
@@ -11705,7 +10367,7 @@
               <a:t>The bachelor project contract is submitted via a special system set up by the </a:t>
             </a:r>
             <a:r>
-              <a:rPr lang="en-GB" altLang="da-DK" sz="1800" b="1" dirty="0" smtClean="0">
+              <a:rPr lang="en-GB" altLang="da-DK" sz="1800" b="1" dirty="0">
                 <a:solidFill>
                   <a:srgbClr val="008000"/>
                 </a:solidFill>
@@ -11721,28 +10383,27 @@
               </a:spcBef>
             </a:pPr>
             <a:r>
-              <a:rPr lang="en-GB" altLang="da-DK" sz="1600" dirty="0" smtClean="0"/>
-              <a:t>For </a:t>
-            </a:r>
-            <a:r>
-              <a:rPr lang="en-GB" altLang="da-DK" sz="1600" dirty="0"/>
-              <a:t>details see the </a:t>
-            </a:r>
-            <a:r>
-              <a:rPr lang="en-GB" altLang="da-DK" sz="1600" dirty="0" smtClean="0"/>
-              <a:t>Brightspace </a:t>
-            </a:r>
-            <a:r>
-              <a:rPr lang="en-GB" altLang="da-DK" sz="1600" dirty="0"/>
-              <a:t>page </a:t>
-            </a:r>
-            <a:r>
-              <a:rPr lang="en-GB" altLang="da-DK" sz="1600" b="1" dirty="0" smtClean="0">
+              <a:rPr lang="en-GB" altLang="da-DK" sz="1600" dirty="0"/>
+              <a:t>For details see the Brightspace page </a:t>
+            </a:r>
+            <a:r>
+              <a:rPr lang="en-GB" altLang="da-DK" sz="1600" b="1" dirty="0">
                 <a:solidFill>
                   <a:srgbClr val="008000"/>
                 </a:solidFill>
               </a:rPr>
-              <a:t>Submission </a:t>
+              <a:t>Submission of bachelor project contract</a:t>
+            </a:r>
+          </a:p>
+          <a:p>
+            <a:pPr marL="728663" lvl="1" indent="-271463">
+              <a:spcBef>
+                <a:spcPts val="300"/>
+              </a:spcBef>
+            </a:pPr>
+            <a:r>
+              <a:rPr lang="en-GB" altLang="da-DK" sz="1600" dirty="0"/>
+              <a:t>The deadline for submission is </a:t>
             </a:r>
             <a:r>
               <a:rPr lang="en-GB" altLang="da-DK" sz="1600" b="1" dirty="0">
@@ -11750,269 +10411,164 @@
                   <a:srgbClr val="008000"/>
                 </a:solidFill>
               </a:rPr>
-              <a:t>of bachelor project </a:t>
-            </a:r>
-            <a:r>
-              <a:rPr lang="en-GB" altLang="da-DK" sz="1600" b="1" dirty="0" smtClean="0">
+              <a:t>Wednesday February 11 at 16.00</a:t>
+            </a:r>
+          </a:p>
+          <a:p>
+            <a:pPr marL="728663" lvl="1" indent="-271463">
+              <a:spcBef>
+                <a:spcPts val="300"/>
+              </a:spcBef>
+            </a:pPr>
+            <a:r>
+              <a:rPr lang="en-US" altLang="da-DK" sz="1600" dirty="0"/>
+              <a:t>Unfortunately, the system requires that each member of your bachelor project group submits her/his own contract (although the information in the contracts should be identical)</a:t>
+            </a:r>
+          </a:p>
+          <a:p>
+            <a:pPr marL="728663" lvl="1" indent="-271463">
+              <a:spcBef>
+                <a:spcPts val="300"/>
+              </a:spcBef>
+            </a:pPr>
+            <a:r>
+              <a:rPr lang="en-US" altLang="da-DK" sz="1600" dirty="0"/>
+              <a:t>The main part of the contract is a PDF document with a detailed project description (in Danish: </a:t>
+            </a:r>
+            <a:r>
+              <a:rPr lang="da-DK" altLang="da-DK" sz="1600" dirty="0"/>
+              <a:t>problemformulering, aktivitets- og vejledningsplan</a:t>
+            </a:r>
+            <a:r>
+              <a:rPr lang="en-US" altLang="da-DK" sz="1600" dirty="0"/>
+              <a:t>).</a:t>
+            </a:r>
+          </a:p>
+          <a:p>
+            <a:pPr marL="728663" lvl="1" indent="-271463">
+              <a:spcBef>
+                <a:spcPts val="300"/>
+              </a:spcBef>
+            </a:pPr>
+            <a:r>
+              <a:rPr lang="en-US" altLang="da-DK" sz="1600" dirty="0"/>
+              <a:t>The project description should follow the format and guidelines described in this lecture</a:t>
+            </a:r>
+          </a:p>
+          <a:p>
+            <a:pPr marL="271463" lvl="1" indent="-271463">
+              <a:spcBef>
+                <a:spcPts val="1800"/>
+              </a:spcBef>
+              <a:buChar char="•"/>
+            </a:pPr>
+            <a:r>
+              <a:rPr lang="en-GB" altLang="da-DK" sz="1800" b="1" dirty="0">
+                <a:solidFill>
+                  <a:srgbClr val="A50021"/>
+                </a:solidFill>
+                <a:cs typeface="ＭＳ Ｐゴシック" charset="0"/>
+              </a:rPr>
+              <a:t>It is recommended to </a:t>
+            </a:r>
+            <a:r>
+              <a:rPr lang="en-GB" altLang="da-DK" sz="1800" b="1" dirty="0">
                 <a:solidFill>
                   <a:srgbClr val="008000"/>
                 </a:solidFill>
-              </a:rPr>
-              <a:t>contract</a:t>
-            </a:r>
-          </a:p>
-          <a:p>
-            <a:pPr marL="728663" lvl="1" indent="-271463">
-              <a:spcBef>
-                <a:spcPts val="300"/>
-              </a:spcBef>
-            </a:pPr>
-            <a:r>
-              <a:rPr lang="en-GB" altLang="da-DK" sz="1600" dirty="0" smtClean="0"/>
-              <a:t>The deadline for submission is </a:t>
-            </a:r>
-            <a:r>
-              <a:rPr lang="en-GB" altLang="da-DK" sz="1600" b="1" dirty="0" smtClean="0">
+                <a:cs typeface="ＭＳ Ｐゴシック" charset="0"/>
+              </a:rPr>
+              <a:t>update</a:t>
+            </a:r>
+            <a:r>
+              <a:rPr lang="en-GB" altLang="da-DK" sz="1800" b="1" dirty="0">
+                <a:solidFill>
+                  <a:srgbClr val="A50021"/>
+                </a:solidFill>
+                <a:cs typeface="ＭＳ Ｐゴシック" charset="0"/>
+              </a:rPr>
+              <a:t> the contract with regular intervals during your project</a:t>
+            </a:r>
+          </a:p>
+          <a:p>
+            <a:pPr marL="728663" lvl="1" indent="-271463">
+              <a:spcBef>
+                <a:spcPts val="300"/>
+              </a:spcBef>
+            </a:pPr>
+            <a:r>
+              <a:rPr lang="en-GB" altLang="da-DK" sz="1600" dirty="0"/>
+              <a:t>But you do </a:t>
+            </a:r>
+            <a:r>
+              <a:rPr lang="en-GB" altLang="da-DK" sz="1600" b="1" dirty="0">
                 <a:solidFill>
                   <a:srgbClr val="008000"/>
                 </a:solidFill>
               </a:rPr>
-              <a:t>Monday February 12 at 16.00</a:t>
-            </a:r>
-          </a:p>
-          <a:p>
-            <a:pPr marL="728663" lvl="1" indent="-271463">
-              <a:spcBef>
-                <a:spcPts val="300"/>
-              </a:spcBef>
+              <a:t>not</a:t>
+            </a:r>
+            <a:r>
+              <a:rPr lang="en-GB" altLang="da-DK" sz="1600" dirty="0"/>
+              <a:t> need to submit the revised versions to the study administration</a:t>
+            </a:r>
+            <a:endParaRPr lang="en-US" altLang="da-DK" sz="1600" dirty="0"/>
+          </a:p>
+          <a:p>
+            <a:pPr marL="271463" lvl="1" indent="-271463">
+              <a:spcBef>
+                <a:spcPts val="1800"/>
+              </a:spcBef>
+              <a:buChar char="•"/>
+            </a:pPr>
+            <a:r>
+              <a:rPr lang="en-GB" altLang="da-DK" sz="1800" b="1" dirty="0">
+                <a:solidFill>
+                  <a:srgbClr val="A50021"/>
+                </a:solidFill>
+                <a:cs typeface="ＭＳ Ｐゴシック" charset="0"/>
+              </a:rPr>
+              <a:t>Templates for the bachelor project contract (LaTeX and Word) can be found on the Brightspace page </a:t>
+            </a:r>
+            <a:r>
+              <a:rPr lang="en-GB" altLang="da-DK" sz="1800" b="1" dirty="0">
+                <a:solidFill>
+                  <a:srgbClr val="008000"/>
+                </a:solidFill>
+                <a:cs typeface="ＭＳ Ｐゴシック" charset="0"/>
+              </a:rPr>
+              <a:t>Lecture plan</a:t>
+            </a:r>
+            <a:r>
+              <a:rPr lang="en-GB" altLang="da-DK" sz="1800" b="1" dirty="0">
+                <a:solidFill>
+                  <a:srgbClr val="A50021"/>
+                </a:solidFill>
+                <a:cs typeface="ＭＳ Ｐゴシック" charset="0"/>
+              </a:rPr>
+              <a:t> together with the slides from this talk</a:t>
+            </a:r>
+          </a:p>
+          <a:p>
+            <a:pPr marL="728663" lvl="1" indent="-271463">
+              <a:spcBef>
+                <a:spcPts val="300"/>
+              </a:spcBef>
+            </a:pPr>
+            <a:r>
+              <a:rPr lang="en-GB" altLang="da-DK" sz="1600" dirty="0"/>
+              <a:t>It is up to you to decide whether you want to use the templates</a:t>
+            </a:r>
+          </a:p>
+          <a:p>
+            <a:pPr marL="457200" lvl="1" indent="0">
+              <a:spcBef>
+                <a:spcPts val="300"/>
+              </a:spcBef>
+              <a:buNone/>
             </a:pPr>
             <a:r>
               <a:rPr lang="en-US" altLang="da-DK" sz="1600" dirty="0"/>
-              <a:t>Unfortunately, the system requires that each member of your bachelor project group submits her/his own contract (although the information in the contracts should be identical</a:t>
-            </a:r>
-            <a:r>
-              <a:rPr lang="en-US" altLang="da-DK" sz="1600" dirty="0" smtClean="0"/>
-              <a:t>)</a:t>
-            </a:r>
-          </a:p>
-          <a:p>
-            <a:pPr marL="728663" lvl="1" indent="-271463">
-              <a:spcBef>
-                <a:spcPts val="300"/>
-              </a:spcBef>
-            </a:pPr>
-            <a:r>
-              <a:rPr lang="en-US" altLang="da-DK" sz="1600" dirty="0" smtClean="0"/>
-              <a:t>The main part of the contract is a PDF </a:t>
-            </a:r>
-            <a:r>
-              <a:rPr lang="en-US" altLang="da-DK" sz="1600" dirty="0"/>
-              <a:t>document with a detailed project description </a:t>
-            </a:r>
-            <a:r>
-              <a:rPr lang="en-US" altLang="da-DK" sz="1600" dirty="0" smtClean="0"/>
-              <a:t>(in Danish: </a:t>
-            </a:r>
-            <a:r>
-              <a:rPr lang="da-DK" altLang="da-DK" sz="1600" dirty="0" smtClean="0"/>
-              <a:t>problemformulering, aktivitets- og vejledningsplan</a:t>
-            </a:r>
-            <a:r>
-              <a:rPr lang="en-US" altLang="da-DK" sz="1600" dirty="0" smtClean="0"/>
-              <a:t>).</a:t>
-            </a:r>
-          </a:p>
-          <a:p>
-            <a:pPr marL="728663" lvl="1" indent="-271463">
-              <a:spcBef>
-                <a:spcPts val="300"/>
-              </a:spcBef>
-            </a:pPr>
-            <a:r>
-              <a:rPr lang="en-US" altLang="da-DK" sz="1600" dirty="0" smtClean="0"/>
-              <a:t>The </a:t>
-            </a:r>
-            <a:r>
-              <a:rPr lang="en-US" altLang="da-DK" sz="1600" dirty="0"/>
-              <a:t>project description should follow the format and guidelines described in </a:t>
-            </a:r>
-            <a:r>
-              <a:rPr lang="en-US" altLang="da-DK" sz="1600" dirty="0" smtClean="0"/>
-              <a:t>this lecture</a:t>
-            </a:r>
-          </a:p>
-          <a:p>
-            <a:pPr marL="271463" lvl="1" indent="-271463">
-              <a:spcBef>
-                <a:spcPts val="1800"/>
-              </a:spcBef>
-              <a:buChar char="•"/>
-            </a:pPr>
-            <a:r>
-              <a:rPr lang="en-GB" altLang="da-DK" sz="1800" b="1" dirty="0" smtClean="0">
-                <a:solidFill>
-                  <a:srgbClr val="A50021"/>
-                </a:solidFill>
-                <a:cs typeface="ＭＳ Ｐゴシック" charset="0"/>
-              </a:rPr>
-              <a:t>It is recommended </a:t>
-            </a:r>
-            <a:r>
-              <a:rPr lang="en-GB" altLang="da-DK" sz="1800" b="1" dirty="0">
-                <a:solidFill>
-                  <a:srgbClr val="A50021"/>
-                </a:solidFill>
-                <a:cs typeface="ＭＳ Ｐゴシック" charset="0"/>
-              </a:rPr>
-              <a:t>to </a:t>
-            </a:r>
-            <a:r>
-              <a:rPr lang="en-GB" altLang="da-DK" sz="1800" b="1" dirty="0">
-                <a:solidFill>
-                  <a:srgbClr val="008000"/>
-                </a:solidFill>
-                <a:cs typeface="ＭＳ Ｐゴシック" charset="0"/>
-              </a:rPr>
-              <a:t>update</a:t>
-            </a:r>
-            <a:r>
-              <a:rPr lang="en-GB" altLang="da-DK" sz="1800" b="1" dirty="0">
-                <a:solidFill>
-                  <a:srgbClr val="A50021"/>
-                </a:solidFill>
-                <a:cs typeface="ＭＳ Ｐゴシック" charset="0"/>
-              </a:rPr>
-              <a:t> the contract with regular intervals during your project</a:t>
-            </a:r>
-          </a:p>
-          <a:p>
-            <a:pPr marL="728663" lvl="1" indent="-271463">
-              <a:spcBef>
-                <a:spcPts val="300"/>
-              </a:spcBef>
-            </a:pPr>
-            <a:r>
-              <a:rPr lang="en-GB" altLang="da-DK" sz="1600" dirty="0"/>
-              <a:t>But you do </a:t>
-            </a:r>
-            <a:r>
-              <a:rPr lang="en-GB" altLang="da-DK" sz="1600" b="1" dirty="0">
-                <a:solidFill>
-                  <a:srgbClr val="008000"/>
-                </a:solidFill>
-              </a:rPr>
-              <a:t>not</a:t>
-            </a:r>
-            <a:r>
-              <a:rPr lang="en-GB" altLang="da-DK" sz="1600" dirty="0"/>
-              <a:t> need to submit the revised </a:t>
-            </a:r>
-            <a:r>
-              <a:rPr lang="en-GB" altLang="da-DK" sz="1600" dirty="0" smtClean="0"/>
-              <a:t>versions to the study administration</a:t>
-            </a:r>
-            <a:endParaRPr lang="en-US" altLang="da-DK" sz="1600" dirty="0"/>
-          </a:p>
-          <a:p>
-            <a:pPr marL="271463" lvl="1" indent="-271463">
-              <a:spcBef>
-                <a:spcPts val="1800"/>
-              </a:spcBef>
-              <a:buChar char="•"/>
-            </a:pPr>
-            <a:r>
-              <a:rPr lang="en-GB" altLang="da-DK" sz="1800" b="1" dirty="0">
-                <a:solidFill>
-                  <a:srgbClr val="A50021"/>
-                </a:solidFill>
-                <a:cs typeface="ＭＳ Ｐゴシック" charset="0"/>
-              </a:rPr>
-              <a:t>Templates for the bachelor project contract </a:t>
-            </a:r>
-            <a:r>
-              <a:rPr lang="en-GB" altLang="da-DK" sz="1800" b="1" dirty="0" smtClean="0">
-                <a:solidFill>
-                  <a:srgbClr val="A50021"/>
-                </a:solidFill>
-                <a:cs typeface="ＭＳ Ｐゴシック" charset="0"/>
-              </a:rPr>
-              <a:t>(LaTeX and Word) can </a:t>
-            </a:r>
-            <a:r>
-              <a:rPr lang="en-GB" altLang="da-DK" sz="1800" b="1" dirty="0">
-                <a:solidFill>
-                  <a:srgbClr val="A50021"/>
-                </a:solidFill>
-                <a:cs typeface="ＭＳ Ｐゴシック" charset="0"/>
-              </a:rPr>
-              <a:t>be found on </a:t>
-            </a:r>
-            <a:r>
-              <a:rPr lang="en-GB" altLang="da-DK" sz="1800" b="1" dirty="0" smtClean="0">
-                <a:solidFill>
-                  <a:srgbClr val="A50021"/>
-                </a:solidFill>
-                <a:cs typeface="ＭＳ Ｐゴシック" charset="0"/>
-              </a:rPr>
-              <a:t>the Brightspace page </a:t>
-            </a:r>
-            <a:r>
-              <a:rPr lang="en-GB" altLang="da-DK" sz="1800" b="1" dirty="0" smtClean="0">
-                <a:solidFill>
-                  <a:srgbClr val="008000"/>
-                </a:solidFill>
-                <a:cs typeface="ＭＳ Ｐゴシック" charset="0"/>
-              </a:rPr>
-              <a:t>Lectures</a:t>
-            </a:r>
-            <a:r>
-              <a:rPr lang="en-GB" altLang="da-DK" sz="1800" b="1" dirty="0" smtClean="0">
-                <a:solidFill>
-                  <a:srgbClr val="A50021"/>
-                </a:solidFill>
-                <a:cs typeface="ＭＳ Ｐゴシック" charset="0"/>
-              </a:rPr>
-              <a:t> together </a:t>
-            </a:r>
-            <a:r>
-              <a:rPr lang="en-GB" altLang="da-DK" sz="1800" b="1" dirty="0">
-                <a:solidFill>
-                  <a:srgbClr val="A50021"/>
-                </a:solidFill>
-                <a:cs typeface="ＭＳ Ｐゴシック" charset="0"/>
-              </a:rPr>
-              <a:t>with the slides from this </a:t>
-            </a:r>
-            <a:r>
-              <a:rPr lang="en-GB" altLang="da-DK" sz="1800" b="1" dirty="0" smtClean="0">
-                <a:solidFill>
-                  <a:srgbClr val="A50021"/>
-                </a:solidFill>
-                <a:cs typeface="ＭＳ Ｐゴシック" charset="0"/>
-              </a:rPr>
-              <a:t>talk</a:t>
-            </a:r>
-          </a:p>
-          <a:p>
-            <a:pPr marL="728663" lvl="1" indent="-271463">
-              <a:spcBef>
-                <a:spcPts val="300"/>
-              </a:spcBef>
-            </a:pPr>
-            <a:r>
-              <a:rPr lang="en-GB" altLang="da-DK" sz="1600" dirty="0"/>
-              <a:t>It is up to you to decide whether you want to use the templates</a:t>
-            </a:r>
-          </a:p>
-          <a:p>
-            <a:pPr marL="457200" lvl="1" indent="0">
-              <a:spcBef>
-                <a:spcPts val="300"/>
-              </a:spcBef>
-              <a:buNone/>
-            </a:pPr>
-            <a:r>
-              <a:rPr lang="en-US" altLang="da-DK" sz="1600" dirty="0" smtClean="0"/>
               <a:t> </a:t>
             </a:r>
             <a:endParaRPr lang="en-GB" altLang="da-DK" sz="1600" dirty="0"/>
@@ -12023,7 +10579,7 @@
                 <a:spcPts val="300"/>
               </a:spcBef>
             </a:pPr>
-            <a:endParaRPr lang="en-GB" altLang="da-DK" sz="1800" b="1" dirty="0" smtClean="0">
+            <a:endParaRPr lang="en-GB" altLang="da-DK" sz="1800" b="1" dirty="0">
               <a:solidFill>
                 <a:srgbClr val="A50021"/>
               </a:solidFill>
@@ -12036,7 +10592,7 @@
                 <a:spcPts val="300"/>
               </a:spcBef>
             </a:pPr>
-            <a:endParaRPr lang="en-GB" altLang="da-DK" sz="1600" dirty="0" smtClean="0"/>
+            <a:endParaRPr lang="en-GB" altLang="da-DK" sz="1600" dirty="0"/>
           </a:p>
         </p:txBody>
       </p:sp>
@@ -12079,13 +10635,6 @@
   <p:clrMapOvr>
     <a:masterClrMapping/>
   </p:clrMapOvr>
-  <p:timing>
-    <p:tnLst>
-      <p:par>
-        <p:cTn id="1" dur="indefinite" restart="never" nodeType="tmRoot"/>
-      </p:par>
-    </p:tnLst>
-  </p:timing>
 </p:sld>
 </file>
 
@@ -12130,7 +10679,7 @@
               <a:defRPr/>
             </a:pPr>
             <a:r>
-              <a:rPr lang="en-GB" altLang="da-DK" sz="2800" dirty="0" smtClean="0"/>
+              <a:rPr lang="en-GB" altLang="da-DK" sz="2800" dirty="0"/>
               <a:t>Choice of language</a:t>
             </a:r>
           </a:p>
@@ -12164,7 +10713,7 @@
               <a:buChar char="•"/>
             </a:pPr>
             <a:r>
-              <a:rPr lang="en-GB" altLang="da-DK" sz="1800" b="1" dirty="0" smtClean="0">
+              <a:rPr lang="en-GB" altLang="da-DK" sz="1800" b="1" dirty="0">
                 <a:solidFill>
                   <a:srgbClr val="A50021"/>
                 </a:solidFill>
@@ -12193,11 +10742,7 @@
             </a:r>
             <a:r>
               <a:rPr lang="en-GB" altLang="da-DK" sz="1600" dirty="0"/>
-              <a:t> </a:t>
-            </a:r>
-            <a:r>
-              <a:rPr lang="en-GB" altLang="da-DK" sz="1600" dirty="0" smtClean="0"/>
-              <a:t>decision</a:t>
+              <a:t> decision</a:t>
             </a:r>
           </a:p>
           <a:p>
@@ -12208,14 +10753,71 @@
               <a:buChar char="•"/>
             </a:pPr>
             <a:r>
-              <a:rPr lang="en-GB" altLang="da-DK" sz="1800" b="1" dirty="0" smtClean="0">
+              <a:rPr lang="en-GB" altLang="da-DK" sz="1800" b="1" dirty="0">
                 <a:solidFill>
                   <a:srgbClr val="A50021"/>
                 </a:solidFill>
                 <a:cs typeface="ＭＳ Ｐゴシック" charset="0"/>
               </a:rPr>
-              <a:t>The </a:t>
-            </a:r>
+              <a:t>The project report is the product of your work</a:t>
+            </a:r>
+          </a:p>
+          <a:p>
+            <a:pPr marL="728663" lvl="1" indent="-271463">
+              <a:spcBef>
+                <a:spcPts val="300"/>
+              </a:spcBef>
+            </a:pPr>
+            <a:r>
+              <a:rPr lang="en-GB" altLang="da-DK" sz="1600" dirty="0"/>
+              <a:t>Together with your oral presentation at the exam this is the </a:t>
+            </a:r>
+            <a:r>
+              <a:rPr lang="en-GB" altLang="da-DK" sz="1600" b="1" dirty="0">
+                <a:solidFill>
+                  <a:srgbClr val="008000"/>
+                </a:solidFill>
+              </a:rPr>
+              <a:t>only thing</a:t>
+            </a:r>
+            <a:r>
+              <a:rPr lang="en-GB" altLang="da-DK" sz="1600" dirty="0"/>
+              <a:t> the censor sees and evaluates</a:t>
+            </a:r>
+          </a:p>
+          <a:p>
+            <a:pPr marL="728663" lvl="1" indent="-271463">
+              <a:spcBef>
+                <a:spcPts val="300"/>
+              </a:spcBef>
+            </a:pPr>
+            <a:r>
+              <a:rPr lang="en-GB" altLang="da-DK" sz="1600" dirty="0"/>
+              <a:t>Hence, it is very important that it is well-written and easy to understand</a:t>
+            </a:r>
+          </a:p>
+          <a:p>
+            <a:pPr marL="728663" lvl="1" indent="-271463">
+              <a:spcBef>
+                <a:spcPts val="300"/>
+              </a:spcBef>
+            </a:pPr>
+            <a:r>
+              <a:rPr lang="en-GB" altLang="da-DK" sz="1600" dirty="0"/>
+              <a:t>A few grammatical errors are ok, but too many errors will make the reading difficult, and distract the reader from the subject matter </a:t>
+            </a:r>
+            <a:r>
+              <a:rPr lang="en-GB" altLang="da-DK" sz="1600" spc="-40" dirty="0"/>
+              <a:t>(this differs a lot from person to person)</a:t>
+            </a:r>
+          </a:p>
+          <a:p>
+            <a:pPr marL="271463" lvl="1" indent="-271463">
+              <a:spcBef>
+                <a:spcPts val="900"/>
+              </a:spcBef>
+              <a:buChar char="•"/>
+            </a:pPr>
             <a:r>
               <a:rPr lang="en-GB" altLang="da-DK" sz="1800" b="1" dirty="0">
                 <a:solidFill>
@@ -12223,137 +10825,35 @@
                 </a:solidFill>
                 <a:cs typeface="ＭＳ Ｐゴシック" charset="0"/>
               </a:rPr>
-              <a:t>project </a:t>
-            </a:r>
-            <a:r>
-              <a:rPr lang="en-GB" altLang="da-DK" sz="1800" b="1" dirty="0" smtClean="0">
+              <a:t>Writing in Danish should be easy (for most of you)</a:t>
+            </a:r>
+          </a:p>
+          <a:p>
+            <a:pPr marL="728663" lvl="1" indent="-271463">
+              <a:spcBef>
+                <a:spcPts val="300"/>
+              </a:spcBef>
+            </a:pPr>
+            <a:r>
+              <a:rPr lang="en-GB" altLang="da-DK" sz="1600" dirty="0"/>
+              <a:t>You should only write in English if you are sure that you are able to do this in a satisfactory way</a:t>
+            </a:r>
+          </a:p>
+          <a:p>
+            <a:pPr marL="271463" lvl="1" indent="-271463">
+              <a:spcBef>
+                <a:spcPts val="900"/>
+              </a:spcBef>
+              <a:buChar char="•"/>
+            </a:pPr>
+            <a:r>
+              <a:rPr lang="en-GB" altLang="da-DK" sz="1800" b="1" dirty="0">
                 <a:solidFill>
                   <a:srgbClr val="A50021"/>
                 </a:solidFill>
                 <a:cs typeface="ＭＳ Ｐゴシック" charset="0"/>
               </a:rPr>
-              <a:t>report is </a:t>
-            </a:r>
-            <a:r>
-              <a:rPr lang="en-GB" altLang="da-DK" sz="1800" b="1" dirty="0">
-                <a:solidFill>
-                  <a:srgbClr val="A50021"/>
-                </a:solidFill>
-                <a:cs typeface="ＭＳ Ｐゴシック" charset="0"/>
-              </a:rPr>
-              <a:t>the product of your work</a:t>
-            </a:r>
-          </a:p>
-          <a:p>
-            <a:pPr marL="728663" lvl="1" indent="-271463">
-              <a:spcBef>
-                <a:spcPts val="300"/>
-              </a:spcBef>
-            </a:pPr>
-            <a:r>
-              <a:rPr lang="en-GB" altLang="da-DK" sz="1600" dirty="0" smtClean="0"/>
-              <a:t>Together with your oral presentation at the exam this is the </a:t>
-            </a:r>
-            <a:r>
-              <a:rPr lang="en-GB" altLang="da-DK" sz="1600" b="1" dirty="0" smtClean="0">
-                <a:solidFill>
-                  <a:srgbClr val="008000"/>
-                </a:solidFill>
-              </a:rPr>
-              <a:t>only thing</a:t>
-            </a:r>
-            <a:r>
-              <a:rPr lang="en-GB" altLang="da-DK" sz="1600" dirty="0" smtClean="0"/>
-              <a:t> the censor sees and evaluates</a:t>
-            </a:r>
-          </a:p>
-          <a:p>
-            <a:pPr marL="728663" lvl="1" indent="-271463">
-              <a:spcBef>
-                <a:spcPts val="300"/>
-              </a:spcBef>
-            </a:pPr>
-            <a:r>
-              <a:rPr lang="en-GB" altLang="da-DK" sz="1600" dirty="0" smtClean="0"/>
-              <a:t>Hence, it is very important that it is well-written and easy to understand</a:t>
-            </a:r>
-          </a:p>
-          <a:p>
-            <a:pPr marL="728663" lvl="1" indent="-271463">
-              <a:spcBef>
-                <a:spcPts val="300"/>
-              </a:spcBef>
-            </a:pPr>
-            <a:r>
-              <a:rPr lang="en-GB" altLang="da-DK" sz="1600" dirty="0" smtClean="0"/>
-              <a:t>A few grammatical errors are ok, but too many errors will make the reading difficult, and distract the reader from the subject matter </a:t>
-            </a:r>
-            <a:r>
-              <a:rPr lang="en-GB" altLang="da-DK" sz="1600" spc="-40" dirty="0" smtClean="0"/>
-              <a:t>(this differs a lot from person to person)</a:t>
-            </a:r>
-          </a:p>
-          <a:p>
-            <a:pPr marL="271463" lvl="1" indent="-271463">
-              <a:spcBef>
-                <a:spcPts val="900"/>
-              </a:spcBef>
-              <a:buChar char="•"/>
-            </a:pPr>
-            <a:r>
-              <a:rPr lang="en-GB" altLang="da-DK" sz="1800" b="1" dirty="0">
-                <a:solidFill>
-                  <a:srgbClr val="A50021"/>
-                </a:solidFill>
-                <a:cs typeface="ＭＳ Ｐゴシック" charset="0"/>
-              </a:rPr>
-              <a:t>Writing in Danish should be easy (for most of you</a:t>
-            </a:r>
-            <a:r>
-              <a:rPr lang="en-GB" altLang="da-DK" sz="1800" b="1" dirty="0" smtClean="0">
-                <a:solidFill>
-                  <a:srgbClr val="A50021"/>
-                </a:solidFill>
-                <a:cs typeface="ＭＳ Ｐゴシック" charset="0"/>
-              </a:rPr>
-              <a:t>)</a:t>
-            </a:r>
-          </a:p>
-          <a:p>
-            <a:pPr marL="728663" lvl="1" indent="-271463">
-              <a:spcBef>
-                <a:spcPts val="300"/>
-              </a:spcBef>
-            </a:pPr>
-            <a:r>
-              <a:rPr lang="en-GB" altLang="da-DK" sz="1600" dirty="0"/>
-              <a:t>You should only write in English if you are sure that you are able to do this in a satisfactory way</a:t>
-            </a:r>
-          </a:p>
-          <a:p>
-            <a:pPr marL="271463" lvl="1" indent="-271463">
-              <a:spcBef>
-                <a:spcPts val="900"/>
-              </a:spcBef>
-              <a:buChar char="•"/>
-            </a:pPr>
-            <a:r>
-              <a:rPr lang="en-GB" altLang="da-DK" sz="1800" b="1" dirty="0">
-                <a:solidFill>
-                  <a:srgbClr val="A50021"/>
-                </a:solidFill>
-                <a:cs typeface="ＭＳ Ｐゴシック" charset="0"/>
-              </a:rPr>
-              <a:t>Writing in English has some </a:t>
-            </a:r>
-            <a:r>
-              <a:rPr lang="en-GB" altLang="da-DK" sz="1800" b="1" dirty="0" smtClean="0">
-                <a:solidFill>
-                  <a:srgbClr val="A50021"/>
-                </a:solidFill>
-                <a:cs typeface="ＭＳ Ｐゴシック" charset="0"/>
-              </a:rPr>
-              <a:t>advantages</a:t>
+              <a:t>Writing in English has some advantages</a:t>
             </a:r>
           </a:p>
           <a:p>
@@ -12365,24 +10865,8 @@
               <a:buChar char="–"/>
             </a:pPr>
             <a:r>
-              <a:rPr lang="en-GB" altLang="da-DK" sz="1600" dirty="0" smtClean="0"/>
-              <a:t>It is required if you have chosen </a:t>
-            </a:r>
-            <a:r>
-              <a:rPr lang="en-GB" altLang="da-DK" sz="1600" dirty="0"/>
-              <a:t>an </a:t>
-            </a:r>
-            <a:r>
-              <a:rPr lang="en-GB" altLang="da-DK" sz="1600" dirty="0" smtClean="0"/>
-              <a:t>advisor </a:t>
-            </a:r>
-            <a:r>
-              <a:rPr lang="en-GB" altLang="da-DK" sz="1600" dirty="0"/>
-              <a:t>who do not </a:t>
-            </a:r>
-            <a:r>
-              <a:rPr lang="en-GB" altLang="da-DK" sz="1600" dirty="0" smtClean="0"/>
-              <a:t>speak Danish</a:t>
+              <a:rPr lang="en-GB" altLang="da-DK" sz="1600" dirty="0"/>
+              <a:t>It is required if you have chosen an advisor who do not speak Danish</a:t>
             </a:r>
           </a:p>
           <a:p>
@@ -12394,7 +10878,7 @@
               <a:buChar char="–"/>
             </a:pPr>
             <a:r>
-              <a:rPr lang="en-GB" altLang="da-DK" sz="1600" dirty="0" smtClean="0"/>
+              <a:rPr lang="en-GB" altLang="da-DK" sz="1600" dirty="0"/>
               <a:t>In most subject areas the "standard terminology" is in English, and you do not have to invent Danish translations (which can be difficult)</a:t>
             </a:r>
           </a:p>
@@ -12407,7 +10891,7 @@
               <a:buChar char="–"/>
             </a:pPr>
             <a:r>
-              <a:rPr lang="en-GB" altLang="da-DK" sz="1600" dirty="0" smtClean="0"/>
+              <a:rPr lang="en-GB" altLang="da-DK" sz="1600" dirty="0"/>
               <a:t>The potential audience (readers) are much larger (the world instead of Denmark)</a:t>
             </a:r>
           </a:p>
@@ -12426,80 +10910,17 @@
                 </a:solidFill>
                 <a:cs typeface="ＭＳ Ｐゴシック" charset="0"/>
               </a:rPr>
-              <a:t>If you choose to write in </a:t>
-            </a:r>
-            <a:r>
-              <a:rPr lang="en-GB" altLang="da-DK" sz="1800" b="1" dirty="0" smtClean="0">
-                <a:solidFill>
-                  <a:srgbClr val="A50021"/>
-                </a:solidFill>
-                <a:cs typeface="ＭＳ Ｐゴシック" charset="0"/>
-              </a:rPr>
-              <a:t>English, </a:t>
-            </a:r>
-            <a:r>
-              <a:rPr lang="en-GB" altLang="da-DK" sz="1800" b="1" dirty="0">
-                <a:solidFill>
-                  <a:srgbClr val="A50021"/>
-                </a:solidFill>
-                <a:cs typeface="ＭＳ Ｐゴシック" charset="0"/>
-              </a:rPr>
-              <a:t>you should also make </a:t>
-            </a:r>
-            <a:r>
-              <a:rPr lang="en-GB" altLang="da-DK" sz="1800" b="1" dirty="0" smtClean="0">
-                <a:solidFill>
-                  <a:srgbClr val="A50021"/>
-                </a:solidFill>
-                <a:cs typeface="ＭＳ Ｐゴシック" charset="0"/>
-              </a:rPr>
-              <a:t>your working notes</a:t>
-            </a:r>
-            <a:r>
-              <a:rPr lang="en-GB" altLang="da-DK" sz="1800" b="1" dirty="0">
-                <a:solidFill>
-                  <a:srgbClr val="A50021"/>
-                </a:solidFill>
-                <a:cs typeface="ＭＳ Ｐゴシック" charset="0"/>
-              </a:rPr>
-              <a:t>, </a:t>
-            </a:r>
-            <a:r>
-              <a:rPr lang="en-GB" altLang="da-DK" sz="1800" b="1" dirty="0" smtClean="0">
-                <a:solidFill>
-                  <a:srgbClr val="A50021"/>
-                </a:solidFill>
-                <a:cs typeface="ＭＳ Ｐゴシック" charset="0"/>
-              </a:rPr>
-              <a:t>section drafts, etc</a:t>
-            </a:r>
-            <a:r>
-              <a:rPr lang="en-GB" altLang="da-DK" sz="1800" b="1" dirty="0">
-                <a:solidFill>
-                  <a:srgbClr val="A50021"/>
-                </a:solidFill>
-                <a:cs typeface="ＭＳ Ｐゴシック" charset="0"/>
-              </a:rPr>
-              <a:t>. in </a:t>
-            </a:r>
-            <a:r>
-              <a:rPr lang="en-GB" altLang="da-DK" sz="1800" b="1" dirty="0" smtClean="0">
-                <a:solidFill>
-                  <a:srgbClr val="A50021"/>
-                </a:solidFill>
-                <a:cs typeface="ＭＳ Ｐゴシック" charset="0"/>
-              </a:rPr>
-              <a:t>English</a:t>
-            </a:r>
-            <a:endParaRPr lang="en-GB" altLang="da-DK" sz="1600" dirty="0" smtClean="0"/>
-          </a:p>
-          <a:p>
-            <a:pPr marL="728663" lvl="1" indent="-271463">
-              <a:spcBef>
-                <a:spcPts val="300"/>
-              </a:spcBef>
-            </a:pPr>
-            <a:endParaRPr lang="en-GB" altLang="da-DK" sz="1600" b="1" dirty="0" smtClean="0">
+              <a:t>If you choose to write in English, you should also make your working notes, section drafts, etc. in English</a:t>
+            </a:r>
+            <a:endParaRPr lang="en-GB" altLang="da-DK" sz="1600" dirty="0"/>
+          </a:p>
+          <a:p>
+            <a:pPr marL="728663" lvl="1" indent="-271463">
+              <a:spcBef>
+                <a:spcPts val="300"/>
+              </a:spcBef>
+            </a:pPr>
+            <a:endParaRPr lang="en-GB" altLang="da-DK" sz="1600" b="1" dirty="0">
               <a:solidFill>
                 <a:srgbClr val="A50021"/>
               </a:solidFill>
@@ -12512,7 +10933,7 @@
                 <a:spcPts val="300"/>
               </a:spcBef>
             </a:pPr>
-            <a:endParaRPr lang="en-GB" altLang="da-DK" sz="1800" b="1" dirty="0" smtClean="0">
+            <a:endParaRPr lang="en-GB" altLang="da-DK" sz="1800" b="1" dirty="0">
               <a:solidFill>
                 <a:srgbClr val="A50021"/>
               </a:solidFill>
@@ -12525,7 +10946,7 @@
                 <a:spcPts val="300"/>
               </a:spcBef>
             </a:pPr>
-            <a:endParaRPr lang="en-GB" altLang="da-DK" sz="1600" dirty="0" smtClean="0"/>
+            <a:endParaRPr lang="en-GB" altLang="da-DK" sz="1600" dirty="0"/>
           </a:p>
         </p:txBody>
       </p:sp>
@@ -12568,13 +10989,6 @@
   <p:clrMapOvr>
     <a:masterClrMapping/>
   </p:clrMapOvr>
-  <p:timing>
-    <p:tnLst>
-      <p:par>
-        <p:cTn id="1" dur="indefinite" restart="never" nodeType="tmRoot"/>
-      </p:par>
-    </p:tnLst>
-  </p:timing>
 </p:sld>
 </file>
 
@@ -12619,7 +11033,7 @@
               <a:defRPr/>
             </a:pPr>
             <a:r>
-              <a:rPr lang="en-GB" altLang="da-DK" sz="2800" dirty="0" smtClean="0"/>
+              <a:rPr lang="en-GB" altLang="da-DK" sz="2800" dirty="0"/>
               <a:t>Title for the bachelor project</a:t>
             </a:r>
           </a:p>
@@ -12653,7 +11067,7 @@
               <a:buChar char="•"/>
             </a:pPr>
             <a:r>
-              <a:rPr lang="en-GB" altLang="da-DK" sz="1800" b="1" dirty="0" smtClean="0">
+              <a:rPr lang="en-GB" altLang="da-DK" sz="1800" b="1" dirty="0">
                 <a:solidFill>
                   <a:srgbClr val="A50021"/>
                 </a:solidFill>
@@ -12669,7 +11083,7 @@
               </a:spcBef>
             </a:pPr>
             <a:r>
-              <a:rPr lang="en-GB" altLang="da-DK" sz="1600" dirty="0" smtClean="0"/>
+              <a:rPr lang="en-GB" altLang="da-DK" sz="1600" dirty="0"/>
               <a:t>When searching for literature, many potential readers only see your title (and the names of the authors)</a:t>
             </a:r>
           </a:p>
@@ -12680,7 +11094,7 @@
               </a:spcBef>
             </a:pPr>
             <a:r>
-              <a:rPr lang="en-GB" altLang="da-DK" sz="1600" dirty="0" smtClean="0"/>
+              <a:rPr lang="en-GB" altLang="da-DK" sz="1600" dirty="0"/>
               <a:t>Based on the title, they decide whether they want to read the abstract</a:t>
             </a:r>
           </a:p>
@@ -12691,7 +11105,7 @@
               </a:spcBef>
             </a:pPr>
             <a:r>
-              <a:rPr lang="en-GB" altLang="da-DK" sz="1600" dirty="0" smtClean="0"/>
+              <a:rPr lang="en-GB" altLang="da-DK" sz="1600" dirty="0"/>
               <a:t>If the title does not catch their attention, they will never see your brilliant work</a:t>
             </a:r>
           </a:p>
@@ -12709,115 +11123,66 @@
                 </a:solidFill>
                 <a:cs typeface="ＭＳ Ｐゴシック" charset="0"/>
               </a:rPr>
-              <a:t>The title should describe the contents of your work as </a:t>
-            </a:r>
-            <a:r>
-              <a:rPr lang="en-GB" altLang="da-DK" sz="1800" b="1" dirty="0" smtClean="0">
+              <a:t>The title should describe the contents of your work as precisely as possible without being extremely long</a:t>
+            </a:r>
+          </a:p>
+          <a:p>
+            <a:pPr marL="728663" lvl="1" indent="-271463">
+              <a:spcBef>
+                <a:spcPts val="300"/>
+              </a:spcBef>
+            </a:pPr>
+            <a:r>
+              <a:rPr lang="en-GB" altLang="da-DK" sz="1600" dirty="0"/>
+              <a:t>Some authors like to make a catchy or fun title</a:t>
+            </a:r>
+          </a:p>
+          <a:p>
+            <a:pPr marL="728663" lvl="1" indent="-271463">
+              <a:spcBef>
+                <a:spcPts val="300"/>
+              </a:spcBef>
+            </a:pPr>
+            <a:r>
+              <a:rPr lang="en-GB" altLang="da-DK" sz="1600" dirty="0"/>
+              <a:t>This is seldom a good idea (because information of the contents is lost)</a:t>
+            </a:r>
+          </a:p>
+          <a:p>
+            <a:pPr marL="271463" lvl="1" indent="-271463">
+              <a:spcBef>
+                <a:spcPts val="1200"/>
+              </a:spcBef>
+              <a:buChar char="•"/>
+            </a:pPr>
+            <a:r>
+              <a:rPr lang="en-GB" altLang="da-DK" sz="1800" b="1" spc="-30" dirty="0">
                 <a:solidFill>
                   <a:srgbClr val="A50021"/>
                 </a:solidFill>
                 <a:cs typeface="ＭＳ Ｐゴシック" charset="0"/>
               </a:rPr>
-              <a:t>precisely </a:t>
-            </a:r>
-            <a:r>
-              <a:rPr lang="en-GB" altLang="da-DK" sz="1800" b="1" dirty="0">
-                <a:solidFill>
-                  <a:srgbClr val="A50021"/>
-                </a:solidFill>
-                <a:cs typeface="ＭＳ Ｐゴシック" charset="0"/>
-              </a:rPr>
-              <a:t>as possible without being </a:t>
-            </a:r>
-            <a:r>
-              <a:rPr lang="en-GB" altLang="da-DK" sz="1800" b="1" dirty="0" smtClean="0">
-                <a:solidFill>
-                  <a:srgbClr val="A50021"/>
-                </a:solidFill>
-                <a:cs typeface="ＭＳ Ｐゴシック" charset="0"/>
-              </a:rPr>
-              <a:t>extremely long</a:t>
-            </a:r>
-          </a:p>
-          <a:p>
-            <a:pPr marL="728663" lvl="1" indent="-271463">
-              <a:spcBef>
-                <a:spcPts val="300"/>
-              </a:spcBef>
-            </a:pPr>
-            <a:r>
-              <a:rPr lang="en-GB" altLang="da-DK" sz="1600" dirty="0"/>
-              <a:t>Some authors like to make a catchy or </a:t>
-            </a:r>
-            <a:r>
-              <a:rPr lang="en-GB" altLang="da-DK" sz="1600" dirty="0" smtClean="0"/>
-              <a:t>fun title</a:t>
-            </a:r>
-          </a:p>
-          <a:p>
-            <a:pPr marL="728663" lvl="1" indent="-271463">
-              <a:spcBef>
-                <a:spcPts val="300"/>
-              </a:spcBef>
-            </a:pPr>
-            <a:r>
-              <a:rPr lang="en-GB" altLang="da-DK" sz="1600" dirty="0" smtClean="0"/>
-              <a:t>This is seldom a good idea (because information of the contents is lost)</a:t>
-            </a:r>
-          </a:p>
-          <a:p>
-            <a:pPr marL="271463" lvl="1" indent="-271463">
-              <a:spcBef>
-                <a:spcPts val="1200"/>
-              </a:spcBef>
-              <a:buChar char="•"/>
-            </a:pPr>
-            <a:r>
-              <a:rPr lang="en-GB" altLang="da-DK" sz="1800" b="1" spc="-30" dirty="0">
-                <a:solidFill>
-                  <a:srgbClr val="A50021"/>
-                </a:solidFill>
-                <a:cs typeface="ＭＳ Ｐゴシック" charset="0"/>
-              </a:rPr>
-              <a:t>For your bachelor </a:t>
-            </a:r>
-            <a:r>
-              <a:rPr lang="en-GB" altLang="da-DK" sz="1800" b="1" spc="-30" dirty="0" smtClean="0">
-                <a:solidFill>
-                  <a:srgbClr val="A50021"/>
-                </a:solidFill>
-                <a:cs typeface="ＭＳ Ｐゴシック" charset="0"/>
-              </a:rPr>
-              <a:t>project, </a:t>
-            </a:r>
-            <a:r>
-              <a:rPr lang="en-GB" altLang="da-DK" sz="1800" b="1" spc="-30" dirty="0">
-                <a:solidFill>
-                  <a:srgbClr val="A50021"/>
-                </a:solidFill>
-                <a:cs typeface="ＭＳ Ｐゴシック" charset="0"/>
-              </a:rPr>
-              <a:t>there must be both a Danish and an English title</a:t>
-            </a:r>
-          </a:p>
-          <a:p>
-            <a:pPr marL="728663" lvl="1" indent="-271463">
-              <a:spcBef>
-                <a:spcPts val="300"/>
-              </a:spcBef>
-            </a:pPr>
-            <a:r>
-              <a:rPr lang="en-GB" altLang="da-DK" sz="1600" dirty="0" smtClean="0"/>
+              <a:t>For your bachelor project, there must be both a Danish and an English title</a:t>
+            </a:r>
+          </a:p>
+          <a:p>
+            <a:pPr marL="728663" lvl="1" indent="-271463">
+              <a:spcBef>
+                <a:spcPts val="300"/>
+              </a:spcBef>
+            </a:pPr>
+            <a:r>
+              <a:rPr lang="en-GB" altLang="da-DK" sz="1600" dirty="0"/>
               <a:t>To avoid confusion, they should be equivalent (straightforward translations of</a:t>
             </a:r>
             <a:br>
-              <a:rPr lang="en-GB" altLang="da-DK" sz="1600" dirty="0" smtClean="0"/>
+              <a:rPr lang="en-GB" altLang="da-DK" sz="1600" dirty="0"/>
             </a:br>
             <a:r>
-              <a:rPr lang="en-GB" altLang="da-DK" sz="1600" dirty="0" smtClean="0"/>
+              <a:rPr lang="en-GB" altLang="da-DK" sz="1600" dirty="0"/>
               <a:t>each other)</a:t>
             </a:r>
-            <a:endParaRPr lang="en-GB" altLang="da-DK" sz="1600" b="1" dirty="0" smtClean="0">
+            <a:endParaRPr lang="en-GB" altLang="da-DK" sz="1600" b="1" dirty="0">
               <a:solidFill>
                 <a:srgbClr val="A50021"/>
               </a:solidFill>
@@ -12831,45 +11196,36 @@
               </a:spcBef>
             </a:pPr>
             <a:r>
-              <a:rPr lang="en-GB" altLang="da-DK" sz="1600" dirty="0" smtClean="0">
-                <a:cs typeface="ＭＳ Ｐゴシック" charset="0"/>
-              </a:rPr>
-              <a:t>The Danish title (or part of it) may be identical to the English title</a:t>
-            </a:r>
-          </a:p>
-          <a:p>
-            <a:pPr marL="728663" lvl="1" indent="-271463">
-              <a:spcBef>
-                <a:spcPts val="300"/>
-              </a:spcBef>
-            </a:pPr>
-            <a:r>
               <a:rPr lang="en-GB" altLang="da-DK" sz="1600" dirty="0">
                 <a:cs typeface="ＭＳ Ｐゴシック" charset="0"/>
               </a:rPr>
-              <a:t>The titles will appear on your diploma </a:t>
-            </a:r>
-            <a:r>
-              <a:rPr lang="en-GB" altLang="da-DK" sz="1600" dirty="0" smtClean="0">
+              <a:t>The Danish title (or part of it) may be identical to the English title</a:t>
+            </a:r>
+          </a:p>
+          <a:p>
+            <a:pPr marL="728663" lvl="1" indent="-271463">
+              <a:spcBef>
+                <a:spcPts val="300"/>
+              </a:spcBef>
+            </a:pPr>
+            <a:r>
+              <a:rPr lang="en-GB" altLang="da-DK" sz="1600" dirty="0">
                 <a:cs typeface="ＭＳ Ｐゴシック" charset="0"/>
               </a:rPr>
-              <a:t>(</a:t>
-            </a:r>
-            <a:r>
-              <a:rPr lang="da-DK" altLang="da-DK" sz="1600" dirty="0" smtClean="0">
+              <a:t>The titles will appear on your diploma (</a:t>
+            </a:r>
+            <a:r>
+              <a:rPr lang="da-DK" altLang="da-DK" sz="1600" dirty="0">
                 <a:cs typeface="ＭＳ Ｐゴシック" charset="0"/>
               </a:rPr>
               <a:t>eksamensbevis</a:t>
             </a:r>
             <a:r>
-              <a:rPr lang="en-GB" altLang="da-DK" sz="1600" dirty="0" smtClean="0">
+              <a:rPr lang="en-GB" altLang="da-DK" sz="1600" dirty="0">
                 <a:cs typeface="ＭＳ Ｐゴシック" charset="0"/>
               </a:rPr>
               <a:t>)</a:t>
             </a:r>
-            <a:endParaRPr lang="en-GB" altLang="da-DK" sz="1600" dirty="0">
-              <a:cs typeface="ＭＳ Ｐゴシック" charset="0"/>
-            </a:endParaRPr>
           </a:p>
         </p:txBody>
       </p:sp>
@@ -12912,13 +11268,6 @@
   <p:clrMapOvr>
     <a:masterClrMapping/>
   </p:clrMapOvr>
-  <p:timing>
-    <p:tnLst>
-      <p:par>
-        <p:cTn id="1" dur="indefinite" restart="never" nodeType="tmRoot"/>
-      </p:par>
-    </p:tnLst>
-  </p:timing>
 </p:sld>
 </file>
 
@@ -12963,7 +11312,7 @@
               <a:defRPr/>
             </a:pPr>
             <a:r>
-              <a:rPr lang="en-GB" altLang="da-DK" sz="2800" dirty="0" smtClean="0"/>
+              <a:rPr lang="en-GB" altLang="da-DK" sz="2800" dirty="0"/>
               <a:t>Tools to be used in the project</a:t>
             </a:r>
           </a:p>
@@ -12997,7 +11346,7 @@
               <a:buChar char="•"/>
             </a:pPr>
             <a:r>
-              <a:rPr lang="en-GB" altLang="da-DK" sz="1800" b="1" dirty="0" smtClean="0">
+              <a:rPr lang="en-GB" altLang="da-DK" sz="1800" b="1" dirty="0">
                 <a:solidFill>
                   <a:srgbClr val="A50021"/>
                 </a:solidFill>
@@ -13014,21 +11363,17 @@
             </a:pPr>
             <a:r>
               <a:rPr lang="en-GB" altLang="da-DK" sz="1600" dirty="0"/>
-              <a:t>Word or Latex (or something third</a:t>
-            </a:r>
-            <a:r>
-              <a:rPr lang="en-GB" altLang="da-DK" sz="1600" dirty="0" smtClean="0"/>
-              <a:t>)?</a:t>
-            </a:r>
-          </a:p>
-          <a:p>
-            <a:pPr marL="728663" lvl="1" indent="-271463">
-              <a:spcBef>
-                <a:spcPts val="300"/>
-              </a:spcBef>
-            </a:pPr>
-            <a:r>
-              <a:rPr lang="en-GB" altLang="da-DK" sz="1600" dirty="0" smtClean="0"/>
+              <a:t>Word or Latex (or something third)?</a:t>
+            </a:r>
+          </a:p>
+          <a:p>
+            <a:pPr marL="728663" lvl="1" indent="-271463">
+              <a:spcBef>
+                <a:spcPts val="300"/>
+              </a:spcBef>
+            </a:pPr>
+            <a:r>
+              <a:rPr lang="en-GB" altLang="da-DK" sz="1600" dirty="0"/>
               <a:t>Programming language and environment – do you need version control?</a:t>
             </a:r>
           </a:p>
@@ -13039,7 +11384,7 @@
               </a:spcBef>
             </a:pPr>
             <a:r>
-              <a:rPr lang="en-GB" altLang="da-DK" sz="1600" dirty="0" smtClean="0"/>
+              <a:rPr lang="en-GB" altLang="da-DK" sz="1600" dirty="0"/>
               <a:t>All members of a project group should use the same tools</a:t>
             </a:r>
           </a:p>
@@ -13084,13 +11429,6 @@
   <p:clrMapOvr>
     <a:masterClrMapping/>
   </p:clrMapOvr>
-  <p:timing>
-    <p:tnLst>
-      <p:par>
-        <p:cTn id="1" dur="indefinite" restart="never" nodeType="tmRoot"/>
-      </p:par>
-    </p:tnLst>
-  </p:timing>
 </p:sld>
 </file>
 
@@ -13135,7 +11473,7 @@
               <a:defRPr/>
             </a:pPr>
             <a:r>
-              <a:rPr lang="en-GB" altLang="da-DK" sz="2800" dirty="0" smtClean="0"/>
+              <a:rPr lang="en-GB" altLang="da-DK" sz="2800" dirty="0"/>
               <a:t>Short textual description of your project</a:t>
             </a:r>
           </a:p>
@@ -13169,7 +11507,7 @@
               <a:buChar char="•"/>
             </a:pPr>
             <a:r>
-              <a:rPr lang="en-GB" altLang="da-DK" sz="1800" b="1" dirty="0" smtClean="0">
+              <a:rPr lang="en-GB" altLang="da-DK" sz="1800" b="1" dirty="0">
                 <a:solidFill>
                   <a:srgbClr val="A50021"/>
                 </a:solidFill>
@@ -13185,53 +11523,29 @@
               </a:spcBef>
             </a:pPr>
             <a:r>
-              <a:rPr lang="en-GB" altLang="da-DK" sz="1600" dirty="0" smtClean="0"/>
-              <a:t>Can </a:t>
-            </a:r>
-            <a:r>
-              <a:rPr lang="en-GB" altLang="da-DK" sz="1600" dirty="0"/>
-              <a:t>be </a:t>
-            </a:r>
-            <a:r>
-              <a:rPr lang="en-GB" altLang="da-DK" sz="1600" dirty="0" smtClean="0"/>
-              <a:t>a </a:t>
-            </a:r>
-            <a:r>
-              <a:rPr lang="en-GB" altLang="da-DK" sz="1600" dirty="0"/>
-              <a:t>slightly modified version of the project </a:t>
-            </a:r>
-            <a:r>
-              <a:rPr lang="en-GB" altLang="da-DK" sz="1600" dirty="0" smtClean="0"/>
-              <a:t>proposal</a:t>
-            </a:r>
-          </a:p>
-          <a:p>
-            <a:pPr marL="728663" lvl="1" indent="-271463">
-              <a:spcBef>
-                <a:spcPts val="300"/>
-              </a:spcBef>
-            </a:pPr>
-            <a:r>
-              <a:rPr lang="en-GB" altLang="da-DK" sz="1600" dirty="0"/>
-              <a:t>Try to focus on what you intend to </a:t>
-            </a:r>
-            <a:r>
-              <a:rPr lang="en-GB" altLang="da-DK" sz="1600" dirty="0" smtClean="0"/>
-              <a:t>achieve in </a:t>
-            </a:r>
-            <a:r>
-              <a:rPr lang="en-GB" altLang="da-DK" sz="1600" dirty="0"/>
-              <a:t>the project</a:t>
-            </a:r>
-          </a:p>
-          <a:p>
-            <a:pPr marL="728663" lvl="1" indent="-271463">
-              <a:spcBef>
-                <a:spcPts val="300"/>
-              </a:spcBef>
-            </a:pPr>
-            <a:r>
-              <a:rPr lang="en-GB" altLang="da-DK" sz="1600" dirty="0" smtClean="0"/>
+              <a:rPr lang="en-GB" altLang="da-DK" sz="1600" dirty="0"/>
+              <a:t>Can be a slightly modified version of the project proposal</a:t>
+            </a:r>
+          </a:p>
+          <a:p>
+            <a:pPr marL="728663" lvl="1" indent="-271463">
+              <a:spcBef>
+                <a:spcPts val="300"/>
+              </a:spcBef>
+            </a:pPr>
+            <a:r>
+              <a:rPr lang="en-GB" altLang="da-DK" sz="1600" dirty="0"/>
+              <a:t>Try to focus on what you intend to achieve in the project</a:t>
+            </a:r>
+          </a:p>
+          <a:p>
+            <a:pPr marL="728663" lvl="1" indent="-271463">
+              <a:spcBef>
+                <a:spcPts val="300"/>
+              </a:spcBef>
+            </a:pPr>
+            <a:r>
+              <a:rPr lang="en-GB" altLang="da-DK" sz="1600" dirty="0"/>
               <a:t>Describe what you intend to do to achieve the goals</a:t>
             </a:r>
           </a:p>
@@ -13242,12 +11556,8 @@
               </a:spcBef>
             </a:pPr>
             <a:r>
-              <a:rPr lang="en-GB" altLang="da-DK" sz="1600" dirty="0" smtClean="0"/>
-              <a:t>It is also a good idea to identify things, which you</a:t>
-            </a:r>
-            <a:r>
-              <a:rPr lang="en-GB" altLang="da-DK" sz="1600" dirty="0"/>
-              <a:t> do </a:t>
+              <a:rPr lang="en-GB" altLang="da-DK" sz="1600" dirty="0"/>
+              <a:t>It is also a good idea to identify things, which you do </a:t>
             </a:r>
             <a:r>
               <a:rPr lang="en-GB" altLang="da-DK" sz="1600" b="1" dirty="0">
@@ -13259,11 +11569,7 @@
             </a:r>
             <a:r>
               <a:rPr lang="en-GB" altLang="da-DK" sz="1600" dirty="0"/>
-              <a:t> int</a:t>
-            </a:r>
-            <a:r>
-              <a:rPr lang="en-GB" altLang="da-DK" sz="1600" dirty="0" smtClean="0"/>
-              <a:t>end to investigate and things which you will only investigate if you have sufficient time</a:t>
+              <a:t> intend to investigate and things which you will only investigate if you have sufficient time</a:t>
             </a:r>
           </a:p>
           <a:p>
@@ -13280,183 +11586,67 @@
                 </a:solidFill>
                 <a:cs typeface="ＭＳ Ｐゴシック" charset="0"/>
               </a:rPr>
-              <a:t>It is ok to </a:t>
-            </a:r>
-            <a:r>
-              <a:rPr lang="en-GB" altLang="da-DK" sz="1800" b="1" dirty="0" smtClean="0">
+              <a:t>It is ok to include a lot of ideas and considerations in this part</a:t>
+            </a:r>
+          </a:p>
+          <a:p>
+            <a:pPr marL="728663" lvl="1" indent="-271463">
+              <a:spcBef>
+                <a:spcPts val="300"/>
+              </a:spcBef>
+            </a:pPr>
+            <a:r>
+              <a:rPr lang="en-GB" altLang="da-DK" sz="1600" dirty="0"/>
+              <a:t>The 10-20 lines is minimum – if you use 1-2 pages it is fully ok</a:t>
+            </a:r>
+          </a:p>
+          <a:p>
+            <a:pPr marL="728663" lvl="1" indent="-271463">
+              <a:spcBef>
+                <a:spcPts val="300"/>
+              </a:spcBef>
+            </a:pPr>
+            <a:r>
+              <a:rPr lang="en-GB" altLang="da-DK" sz="1600" dirty="0"/>
+              <a:t>Then you remember your ideas</a:t>
+            </a:r>
+          </a:p>
+          <a:p>
+            <a:pPr marL="728663" lvl="1" indent="-271463">
+              <a:spcBef>
+                <a:spcPts val="300"/>
+              </a:spcBef>
+            </a:pPr>
+            <a:r>
+              <a:rPr lang="en-GB" altLang="da-DK" sz="1600" dirty="0"/>
+              <a:t>If some of them become obsolete, they are easy to remove</a:t>
+            </a:r>
+          </a:p>
+          <a:p>
+            <a:pPr marL="271463" lvl="1" indent="-271463">
+              <a:spcBef>
+                <a:spcPts val="1200"/>
+              </a:spcBef>
+              <a:buChar char="•"/>
+            </a:pPr>
+            <a:r>
+              <a:rPr lang="en-GB" altLang="da-DK" sz="1800" b="1" dirty="0">
                 <a:solidFill>
                   <a:srgbClr val="A50021"/>
                 </a:solidFill>
                 <a:cs typeface="ＭＳ Ｐゴシック" charset="0"/>
               </a:rPr>
-              <a:t>include </a:t>
-            </a:r>
-            <a:r>
-              <a:rPr lang="en-GB" altLang="da-DK" sz="1800" b="1" dirty="0">
-                <a:solidFill>
-                  <a:srgbClr val="A50021"/>
-                </a:solidFill>
-                <a:cs typeface="ＭＳ Ｐゴシック" charset="0"/>
-              </a:rPr>
-              <a:t>a lot of </a:t>
-            </a:r>
-            <a:r>
-              <a:rPr lang="en-GB" altLang="da-DK" sz="1800" b="1" dirty="0" smtClean="0">
-                <a:solidFill>
-                  <a:srgbClr val="A50021"/>
-                </a:solidFill>
-                <a:cs typeface="ＭＳ Ｐゴシック" charset="0"/>
-              </a:rPr>
-              <a:t>ideas </a:t>
-            </a:r>
-            <a:r>
-              <a:rPr lang="en-GB" altLang="da-DK" sz="1800" b="1" dirty="0">
-                <a:solidFill>
-                  <a:srgbClr val="A50021"/>
-                </a:solidFill>
-                <a:cs typeface="ＭＳ Ｐゴシック" charset="0"/>
-              </a:rPr>
-              <a:t>and considerations in this </a:t>
-            </a:r>
-            <a:r>
-              <a:rPr lang="en-GB" altLang="da-DK" sz="1800" b="1" dirty="0" smtClean="0">
-                <a:solidFill>
-                  <a:srgbClr val="A50021"/>
-                </a:solidFill>
-                <a:cs typeface="ＭＳ Ｐゴシック" charset="0"/>
-              </a:rPr>
-              <a:t>part</a:t>
-            </a:r>
-          </a:p>
-          <a:p>
-            <a:pPr marL="728663" lvl="1" indent="-271463">
-              <a:spcBef>
-                <a:spcPts val="300"/>
-              </a:spcBef>
-            </a:pPr>
-            <a:r>
-              <a:rPr lang="en-GB" altLang="da-DK" sz="1600" dirty="0" smtClean="0"/>
-              <a:t>The 10-20 lines is minimum – if you use 1-2 pages it is fully ok</a:t>
-            </a:r>
-          </a:p>
-          <a:p>
-            <a:pPr marL="728663" lvl="1" indent="-271463">
-              <a:spcBef>
-                <a:spcPts val="300"/>
-              </a:spcBef>
-            </a:pPr>
-            <a:r>
-              <a:rPr lang="en-GB" altLang="da-DK" sz="1600" dirty="0" smtClean="0"/>
-              <a:t>Then </a:t>
-            </a:r>
-            <a:r>
-              <a:rPr lang="en-GB" altLang="da-DK" sz="1600" dirty="0"/>
-              <a:t>you remember </a:t>
-            </a:r>
-            <a:r>
-              <a:rPr lang="en-GB" altLang="da-DK" sz="1600" dirty="0" smtClean="0"/>
-              <a:t>your ideas</a:t>
-            </a:r>
-            <a:endParaRPr lang="en-GB" altLang="da-DK" sz="1600" dirty="0"/>
-          </a:p>
-          <a:p>
-            <a:pPr marL="728663" lvl="1" indent="-271463">
-              <a:spcBef>
-                <a:spcPts val="300"/>
-              </a:spcBef>
-            </a:pPr>
-            <a:r>
-              <a:rPr lang="en-GB" altLang="da-DK" sz="1600" dirty="0"/>
-              <a:t>If </a:t>
-            </a:r>
-            <a:r>
-              <a:rPr lang="en-GB" altLang="da-DK" sz="1600" dirty="0" smtClean="0"/>
-              <a:t>some of them </a:t>
-            </a:r>
-            <a:r>
-              <a:rPr lang="en-GB" altLang="da-DK" sz="1600" dirty="0"/>
-              <a:t>become </a:t>
-            </a:r>
-            <a:r>
-              <a:rPr lang="en-GB" altLang="da-DK" sz="1600" dirty="0" smtClean="0"/>
-              <a:t>obsolete, </a:t>
-            </a:r>
-            <a:r>
-              <a:rPr lang="en-GB" altLang="da-DK" sz="1600" dirty="0"/>
-              <a:t>they are easy to </a:t>
-            </a:r>
-            <a:r>
-              <a:rPr lang="en-GB" altLang="da-DK" sz="1600" dirty="0" smtClean="0"/>
-              <a:t>remove</a:t>
-            </a:r>
-          </a:p>
-          <a:p>
-            <a:pPr marL="271463" lvl="1" indent="-271463">
-              <a:spcBef>
-                <a:spcPts val="1200"/>
-              </a:spcBef>
-              <a:buChar char="•"/>
-            </a:pPr>
-            <a:r>
-              <a:rPr lang="en-GB" altLang="da-DK" sz="1800" b="1" dirty="0" smtClean="0">
-                <a:solidFill>
-                  <a:srgbClr val="A50021"/>
-                </a:solidFill>
-                <a:cs typeface="ＭＳ Ｐゴシック" charset="0"/>
-              </a:rPr>
-              <a:t>Give </a:t>
-            </a:r>
-            <a:r>
-              <a:rPr lang="en-GB" altLang="da-DK" sz="1800" b="1" dirty="0">
-                <a:solidFill>
-                  <a:srgbClr val="A50021"/>
-                </a:solidFill>
-                <a:cs typeface="ＭＳ Ｐゴシック" charset="0"/>
-              </a:rPr>
-              <a:t>a brief explanation </a:t>
-            </a:r>
-            <a:r>
-              <a:rPr lang="en-GB" altLang="da-DK" sz="1800" b="1" dirty="0" smtClean="0">
-                <a:solidFill>
-                  <a:srgbClr val="A50021"/>
-                </a:solidFill>
-                <a:cs typeface="ＭＳ Ｐゴシック" charset="0"/>
-              </a:rPr>
-              <a:t>for </a:t>
-            </a:r>
-            <a:r>
-              <a:rPr lang="en-GB" altLang="da-DK" sz="1800" b="1" dirty="0">
-                <a:solidFill>
-                  <a:srgbClr val="A50021"/>
-                </a:solidFill>
-                <a:cs typeface="ＭＳ Ｐゴシック" charset="0"/>
-              </a:rPr>
-              <a:t>the choices you </a:t>
-            </a:r>
-            <a:r>
-              <a:rPr lang="en-GB" altLang="da-DK" sz="1800" b="1" dirty="0" smtClean="0">
-                <a:solidFill>
-                  <a:srgbClr val="A50021"/>
-                </a:solidFill>
-                <a:cs typeface="ＭＳ Ｐゴシック" charset="0"/>
-              </a:rPr>
-              <a:t>make</a:t>
-            </a:r>
-            <a:endParaRPr lang="en-GB" altLang="da-DK" sz="1800" b="1" dirty="0">
-              <a:solidFill>
-                <a:srgbClr val="A50021"/>
-              </a:solidFill>
-              <a:cs typeface="ＭＳ Ｐゴシック" charset="0"/>
-            </a:endParaRPr>
-          </a:p>
-          <a:p>
-            <a:pPr marL="728663" lvl="1" indent="-271463">
-              <a:spcBef>
-                <a:spcPts val="300"/>
-              </a:spcBef>
-            </a:pPr>
-            <a:r>
-              <a:rPr lang="en-GB" altLang="da-DK" sz="1600" dirty="0" smtClean="0"/>
+              <a:t>Give a brief explanation for the choices you make</a:t>
+            </a:r>
+          </a:p>
+          <a:p>
+            <a:pPr marL="728663" lvl="1" indent="-271463">
+              <a:spcBef>
+                <a:spcPts val="300"/>
+              </a:spcBef>
+            </a:pPr>
+            <a:r>
+              <a:rPr lang="en-GB" altLang="da-DK" sz="1600" dirty="0"/>
               <a:t>It is surprisingly difficult to remember the arguments for your choices even a few days/weeks later</a:t>
             </a:r>
           </a:p>
@@ -13467,33 +11657,20 @@
               </a:spcBef>
             </a:pPr>
             <a:r>
-              <a:rPr lang="en-GB" altLang="da-DK" sz="1600" dirty="0" smtClean="0"/>
-              <a:t>Later, you may decide to </a:t>
-            </a:r>
-            <a:r>
-              <a:rPr lang="en-GB" altLang="da-DK" sz="1600" dirty="0"/>
-              <a:t>u</a:t>
-            </a:r>
-            <a:r>
-              <a:rPr lang="en-GB" altLang="da-DK" sz="1600" dirty="0" smtClean="0"/>
-              <a:t>ndo one of your choices – even though you (a few days ago) had solid arguments for that choice</a:t>
-            </a:r>
-          </a:p>
-          <a:p>
-            <a:pPr marL="728663" lvl="1" indent="-271463">
-              <a:spcBef>
-                <a:spcPts val="300"/>
-              </a:spcBef>
-            </a:pPr>
-            <a:r>
-              <a:rPr lang="en-GB" altLang="da-DK" sz="1600" dirty="0"/>
-              <a:t>T</a:t>
-            </a:r>
-            <a:r>
-              <a:rPr lang="en-GB" altLang="da-DK" sz="1600" dirty="0" smtClean="0"/>
-              <a:t>his way you can loose considerable time</a:t>
-            </a:r>
-            <a:endParaRPr lang="en-GB" altLang="da-DK" sz="1600" dirty="0"/>
+              <a:rPr lang="en-GB" altLang="da-DK" sz="1600" dirty="0"/>
+              <a:t>Later, you may decide to undo one of your choices – even though you (a few days ago) had solid arguments for that choice</a:t>
+            </a:r>
+          </a:p>
+          <a:p>
+            <a:pPr marL="728663" lvl="1" indent="-271463">
+              <a:spcBef>
+                <a:spcPts val="300"/>
+              </a:spcBef>
+            </a:pPr>
+            <a:r>
+              <a:rPr lang="en-GB" altLang="da-DK" sz="1600" dirty="0"/>
+              <a:t>This way you can loose considerable time</a:t>
+            </a:r>
           </a:p>
         </p:txBody>
       </p:sp>
@@ -13536,13 +11713,6 @@
   <p:clrMapOvr>
     <a:masterClrMapping/>
   </p:clrMapOvr>
-  <p:timing>
-    <p:tnLst>
-      <p:par>
-        <p:cTn id="1" dur="indefinite" restart="never" nodeType="tmRoot"/>
-      </p:par>
-    </p:tnLst>
-  </p:timing>
 </p:sld>
 </file>
 
@@ -13587,7 +11757,7 @@
               <a:defRPr/>
             </a:pPr>
             <a:r>
-              <a:rPr lang="en-GB" altLang="da-DK" sz="2800" dirty="0" smtClean="0"/>
+              <a:rPr lang="en-GB" altLang="da-DK" sz="2800" dirty="0"/>
               <a:t>Production of the bachelor report</a:t>
             </a:r>
           </a:p>
@@ -13621,7 +11791,7 @@
               <a:buChar char="•"/>
             </a:pPr>
             <a:r>
-              <a:rPr lang="en-GB" altLang="da-DK" sz="1800" b="1" dirty="0" smtClean="0">
+              <a:rPr lang="en-GB" altLang="da-DK" sz="1800" b="1" dirty="0">
                 <a:solidFill>
                   <a:srgbClr val="A50021"/>
                 </a:solidFill>
@@ -13637,26 +11807,18 @@
               </a:spcBef>
             </a:pPr>
             <a:r>
-              <a:rPr lang="en-GB" altLang="da-DK" sz="1600" dirty="0" smtClean="0"/>
-              <a:t>First, write a short summary of the literature (scientific papers), </a:t>
-            </a:r>
-            <a:r>
-              <a:rPr lang="en-GB" altLang="da-DK" sz="1600" dirty="0"/>
-              <a:t>which you </a:t>
-            </a:r>
-            <a:r>
-              <a:rPr lang="en-GB" altLang="da-DK" sz="1600" dirty="0" smtClean="0"/>
-              <a:t>study and use as the basis of your bachelor project</a:t>
-            </a:r>
-          </a:p>
-          <a:p>
-            <a:pPr marL="728663" lvl="1" indent="-271463">
-              <a:spcBef>
-                <a:spcPts val="300"/>
-              </a:spcBef>
-            </a:pPr>
-            <a:r>
-              <a:rPr lang="en-GB" altLang="da-DK" sz="1600" dirty="0" smtClean="0"/>
+              <a:rPr lang="en-GB" altLang="da-DK" sz="1600" dirty="0"/>
+              <a:t>First, write a short summary of the literature (scientific papers), which you study and use as the basis of your bachelor project</a:t>
+            </a:r>
+          </a:p>
+          <a:p>
+            <a:pPr marL="728663" lvl="1" indent="-271463">
+              <a:spcBef>
+                <a:spcPts val="300"/>
+              </a:spcBef>
+            </a:pPr>
+            <a:r>
+              <a:rPr lang="en-GB" altLang="da-DK" sz="1600" dirty="0"/>
               <a:t>Then, produce the main parts of the report describing your own contributions (experiments, programming, tests, development of concepts, theory, proofs, evaluations …)</a:t>
             </a:r>
           </a:p>
@@ -13667,7 +11829,7 @@
               </a:spcBef>
             </a:pPr>
             <a:r>
-              <a:rPr lang="en-GB" altLang="da-DK" sz="1600" dirty="0" smtClean="0"/>
+              <a:rPr lang="en-GB" altLang="da-DK" sz="1600" dirty="0"/>
               <a:t>Finally (at the very end) add</a:t>
             </a:r>
           </a:p>
@@ -13678,7 +11840,7 @@
               </a:spcBef>
             </a:pPr>
             <a:r>
-              <a:rPr lang="en-GB" altLang="da-DK" dirty="0" smtClean="0"/>
+              <a:rPr lang="en-GB" altLang="da-DK" dirty="0"/>
               <a:t>Abstract</a:t>
             </a:r>
           </a:p>
@@ -13689,7 +11851,7 @@
               </a:spcBef>
             </a:pPr>
             <a:r>
-              <a:rPr lang="en-GB" altLang="da-DK" dirty="0" smtClean="0"/>
+              <a:rPr lang="en-GB" altLang="da-DK" dirty="0"/>
               <a:t>Introduction</a:t>
             </a:r>
           </a:p>
@@ -13700,7 +11862,7 @@
               </a:spcBef>
             </a:pPr>
             <a:r>
-              <a:rPr lang="en-GB" altLang="da-DK" dirty="0" smtClean="0"/>
+              <a:rPr lang="en-GB" altLang="da-DK" dirty="0"/>
               <a:t>Comparison to other approaches</a:t>
             </a:r>
           </a:p>
@@ -13712,11 +11874,7 @@
             </a:pPr>
             <a:r>
               <a:rPr lang="en-GB" altLang="da-DK" dirty="0"/>
-              <a:t>I</a:t>
-            </a:r>
-            <a:r>
-              <a:rPr lang="en-GB" altLang="da-DK" dirty="0" smtClean="0"/>
-              <a:t>deas for future work</a:t>
+              <a:t>Ideas for future work</a:t>
             </a:r>
           </a:p>
           <a:p>
@@ -13726,7 +11884,7 @@
               </a:spcBef>
             </a:pPr>
             <a:r>
-              <a:rPr lang="en-GB" altLang="da-DK" dirty="0" smtClean="0"/>
+              <a:rPr lang="en-GB" altLang="da-DK" dirty="0"/>
               <a:t>Conclusions</a:t>
             </a:r>
           </a:p>
@@ -13737,7 +11895,7 @@
               </a:spcBef>
             </a:pPr>
             <a:r>
-              <a:rPr lang="en-GB" altLang="da-DK" dirty="0" smtClean="0"/>
+              <a:rPr lang="en-GB" altLang="da-DK" dirty="0"/>
               <a:t>Acknowledgements</a:t>
             </a:r>
           </a:p>
@@ -13748,7 +11906,7 @@
               </a:spcBef>
             </a:pPr>
             <a:r>
-              <a:rPr lang="en-GB" altLang="da-DK" dirty="0" smtClean="0"/>
+              <a:rPr lang="en-GB" altLang="da-DK" dirty="0"/>
               <a:t>Etc.</a:t>
             </a:r>
           </a:p>
@@ -13777,15 +11935,7 @@
             </a:pPr>
             <a:r>
               <a:rPr lang="en-GB" altLang="da-DK" sz="1600" dirty="0"/>
-              <a:t>A </a:t>
-            </a:r>
-            <a:r>
-              <a:rPr lang="en-GB" altLang="da-DK" sz="1600" dirty="0" smtClean="0"/>
-              <a:t>LaTeX </a:t>
-            </a:r>
-            <a:r>
-              <a:rPr lang="en-GB" altLang="da-DK" sz="1600" dirty="0"/>
-              <a:t>template for the bachelor report can be found on</a:t>
+              <a:t>A LaTeX template for the bachelor report can be found on</a:t>
             </a:r>
             <a:br>
               <a:rPr lang="en-GB" altLang="da-DK" sz="1600" dirty="0"/>
@@ -13802,10 +11952,9 @@
               </a:spcBef>
             </a:pPr>
             <a:r>
-              <a:rPr lang="en-GB" altLang="da-DK" sz="1600" dirty="0" smtClean="0"/>
+              <a:rPr lang="en-GB" altLang="da-DK" sz="1600" dirty="0"/>
               <a:t>It is up to you whether you want to use the template</a:t>
             </a:r>
-            <a:endParaRPr lang="en-GB" altLang="da-DK" sz="1600" dirty="0"/>
           </a:p>
         </p:txBody>
       </p:sp>
@@ -13848,13 +11997,6 @@
   <p:clrMapOvr>
     <a:masterClrMapping/>
   </p:clrMapOvr>
-  <p:timing>
-    <p:tnLst>
-      <p:par>
-        <p:cTn id="1" dur="indefinite" restart="never" nodeType="tmRoot"/>
-      </p:par>
-    </p:tnLst>
-  </p:timing>
 </p:sld>
 </file>
 
@@ -15406,20 +13548,20 @@
 </file>
 
 <file path=customXml/item2.xml><?xml version="1.0" encoding="utf-8"?>
+<p:properties xmlns:p="http://schemas.microsoft.com/office/2006/metadata/properties" xmlns:xsi="http://www.w3.org/2001/XMLSchema-instance" xmlns:pc="http://schemas.microsoft.com/office/infopath/2007/PartnerControls">
+  <documentManagement>
+    <_activity xmlns="f659a008-7c21-4ee3-a745-e38581e13101" xsi:nil="true"/>
+  </documentManagement>
+</p:properties>
+</file>
+
+<file path=customXml/item3.xml><?xml version="1.0" encoding="utf-8"?>
 <?mso-contentType ?>
 <FormTemplates xmlns="http://schemas.microsoft.com/sharepoint/v3/contenttype/forms">
   <Display>DocumentLibraryForm</Display>
   <Edit>DocumentLibraryForm</Edit>
   <New>DocumentLibraryForm</New>
 </FormTemplates>
-</file>
-
-<file path=customXml/item3.xml><?xml version="1.0" encoding="utf-8"?>
-<p:properties xmlns:p="http://schemas.microsoft.com/office/2006/metadata/properties" xmlns:xsi="http://www.w3.org/2001/XMLSchema-instance" xmlns:pc="http://schemas.microsoft.com/office/infopath/2007/PartnerControls">
-  <documentManagement>
-    <_activity xmlns="f659a008-7c21-4ee3-a745-e38581e13101" xsi:nil="true"/>
-  </documentManagement>
-</p:properties>
 </file>
 
 <file path=customXml/itemProps1.xml><?xml version="1.0" encoding="utf-8"?>
@@ -15442,14 +13584,6 @@
 </file>
 
 <file path=customXml/itemProps2.xml><?xml version="1.0" encoding="utf-8"?>
-<ds:datastoreItem xmlns:ds="http://schemas.openxmlformats.org/officeDocument/2006/customXml" ds:itemID="{A889211B-83C6-4402-A3E8-D42D8A47B471}">
-  <ds:schemaRefs>
-    <ds:schemaRef ds:uri="http://schemas.microsoft.com/sharepoint/v3/contenttype/forms"/>
-  </ds:schemaRefs>
-</ds:datastoreItem>
-</file>
-
-<file path=customXml/itemProps3.xml><?xml version="1.0" encoding="utf-8"?>
 <ds:datastoreItem xmlns:ds="http://schemas.openxmlformats.org/officeDocument/2006/customXml" ds:itemID="{AB63E921-2D6C-4579-9894-621D579FF94B}">
   <ds:schemaRefs>
     <ds:schemaRef ds:uri="http://purl.org/dc/terms/"/>
@@ -15464,4 +13598,12 @@
     <ds:schemaRef ds:uri="e064323b-8959-406a-a3e9-bb6e93638192"/>
   </ds:schemaRefs>
 </ds:datastoreItem>
+</file>
+
+<file path=customXml/itemProps3.xml><?xml version="1.0" encoding="utf-8"?>
+<ds:datastoreItem xmlns:ds="http://schemas.openxmlformats.org/officeDocument/2006/customXml" ds:itemID="{A889211B-83C6-4402-A3E8-D42D8A47B471}">
+  <ds:schemaRefs>
+    <ds:schemaRef ds:uri="http://schemas.microsoft.com/sharepoint/v3/contenttype/forms"/>
+  </ds:schemaRefs>
+</ds:datastoreItem>
 </file>